--- a/Week1.pptx
+++ b/Week1.pptx
@@ -24,9 +24,10 @@
     <p:sldId id="272" r:id="rId18"/>
     <p:sldId id="273" r:id="rId19"/>
     <p:sldId id="274" r:id="rId20"/>
-    <p:sldId id="275" r:id="rId21"/>
-    <p:sldId id="276" r:id="rId22"/>
-    <p:sldId id="277" r:id="rId23"/>
+    <p:sldId id="279" r:id="rId21"/>
+    <p:sldId id="278" r:id="rId22"/>
+    <p:sldId id="276" r:id="rId23"/>
+    <p:sldId id="277" r:id="rId24"/>
   </p:sldIdLst>
   <p:sldSz cx="4610100" cy="3460750"/>
   <p:notesSz cx="4610100" cy="3460750"/>
@@ -3785,7 +3786,7 @@
               </a:rPr>
               <a:t>Dũng</a:t>
             </a:r>
-            <a:endParaRPr sz="1100">
+            <a:endParaRPr sz="1100" dirty="0">
               <a:latin typeface="Tahoma"/>
               <a:cs typeface="Tahoma"/>
             </a:endParaRPr>
@@ -3862,7 +3863,7 @@
               </a:rPr>
               <a:t>20225569</a:t>
             </a:r>
-            <a:endParaRPr sz="1100">
+            <a:endParaRPr sz="1100" dirty="0">
               <a:latin typeface="Tahoma"/>
               <a:cs typeface="Tahoma"/>
             </a:endParaRPr>
@@ -4030,7 +4031,7 @@
               </a:rPr>
               <a:t>TECHNOLOGY</a:t>
             </a:r>
-            <a:endParaRPr sz="800">
+            <a:endParaRPr sz="800" dirty="0">
               <a:latin typeface="Arial MT"/>
               <a:cs typeface="Arial MT"/>
             </a:endParaRPr>
@@ -4044,7 +4045,7 @@
                 <a:spcPts val="254"/>
               </a:spcBef>
             </a:pPr>
-            <a:endParaRPr sz="800">
+            <a:endParaRPr sz="800" dirty="0">
               <a:latin typeface="Arial MT"/>
               <a:cs typeface="Arial MT"/>
             </a:endParaRPr>
@@ -4135,7 +4136,7 @@
               </a:rPr>
               <a:t>2025</a:t>
             </a:r>
-            <a:endParaRPr sz="1100">
+            <a:endParaRPr sz="1100" dirty="0">
               <a:latin typeface="Tahoma"/>
               <a:cs typeface="Tahoma"/>
             </a:endParaRPr>
@@ -4258,8 +4259,8 @@
         </p:nvSpPr>
         <p:spPr>
           <a:xfrm>
-            <a:off x="347294" y="1022512"/>
-            <a:ext cx="3109595" cy="1478280"/>
+            <a:off x="476250" y="892175"/>
+            <a:ext cx="3109595" cy="412036"/>
           </a:xfrm>
           <a:prstGeom prst="rect">
             <a:avLst/>
@@ -4414,310 +4415,56 @@
               <a:t> </a:t>
             </a:r>
             <a:r>
+              <a:rPr sz="1100" spc="-25" dirty="0" err="1">
+                <a:latin typeface="Tahoma"/>
+                <a:cs typeface="Tahoma"/>
+              </a:rPr>
+              <a:t>dụ</a:t>
+            </a:r>
+            <a:r>
               <a:rPr sz="1100" spc="-25" dirty="0">
                 <a:latin typeface="Tahoma"/>
                 <a:cs typeface="Tahoma"/>
               </a:rPr>
-              <a:t>dụ:</a:t>
-            </a:r>
-            <a:endParaRPr sz="1100">
+              <a:t>:</a:t>
+            </a:r>
+            <a:endParaRPr sz="1100" dirty="0">
               <a:latin typeface="Tahoma"/>
               <a:cs typeface="Tahoma"/>
             </a:endParaRPr>
           </a:p>
-          <a:p>
-            <a:pPr marL="12700" marR="1997075">
-              <a:lnSpc>
-                <a:spcPct val="102600"/>
-              </a:lnSpc>
-            </a:pPr>
-            <a:r>
-              <a:rPr sz="1100" spc="180" dirty="0">
-                <a:latin typeface="Calibri"/>
-                <a:cs typeface="Calibri"/>
-              </a:rPr>
-              <a:t>let</a:t>
-            </a:r>
-            <a:r>
-              <a:rPr sz="1100" spc="295" dirty="0">
-                <a:latin typeface="Calibri"/>
-                <a:cs typeface="Calibri"/>
-              </a:rPr>
-              <a:t> </a:t>
-            </a:r>
-            <a:r>
-              <a:rPr sz="1100" dirty="0">
-                <a:latin typeface="Calibri"/>
-                <a:cs typeface="Calibri"/>
-              </a:rPr>
-              <a:t>number</a:t>
-            </a:r>
-            <a:r>
-              <a:rPr sz="1100" spc="300" dirty="0">
-                <a:latin typeface="Calibri"/>
-                <a:cs typeface="Calibri"/>
-              </a:rPr>
-              <a:t> </a:t>
-            </a:r>
-            <a:r>
-              <a:rPr sz="1100" dirty="0">
-                <a:latin typeface="Calibri"/>
-                <a:cs typeface="Calibri"/>
-              </a:rPr>
-              <a:t>=</a:t>
-            </a:r>
-            <a:r>
-              <a:rPr sz="1100" spc="300" dirty="0">
-                <a:latin typeface="Calibri"/>
-                <a:cs typeface="Calibri"/>
-              </a:rPr>
-              <a:t> </a:t>
-            </a:r>
-            <a:r>
-              <a:rPr sz="1100" spc="110" dirty="0">
-                <a:latin typeface="Calibri"/>
-                <a:cs typeface="Calibri"/>
-              </a:rPr>
-              <a:t>3; </a:t>
-            </a:r>
-            <a:r>
-              <a:rPr sz="1100" spc="275" dirty="0">
-                <a:latin typeface="Calibri"/>
-                <a:cs typeface="Calibri"/>
-              </a:rPr>
-              <a:t>if</a:t>
-            </a:r>
-            <a:r>
-              <a:rPr sz="1100" spc="305" dirty="0">
-                <a:latin typeface="Calibri"/>
-                <a:cs typeface="Calibri"/>
-              </a:rPr>
-              <a:t> </a:t>
-            </a:r>
-            <a:r>
-              <a:rPr sz="1100" dirty="0">
-                <a:latin typeface="Calibri"/>
-                <a:cs typeface="Calibri"/>
-              </a:rPr>
-              <a:t>number</a:t>
-            </a:r>
-            <a:r>
-              <a:rPr sz="1100" spc="305" dirty="0">
-                <a:latin typeface="Calibri"/>
-                <a:cs typeface="Calibri"/>
-              </a:rPr>
-              <a:t> </a:t>
-            </a:r>
-            <a:r>
-              <a:rPr sz="1100" dirty="0">
-                <a:latin typeface="Calibri"/>
-                <a:cs typeface="Calibri"/>
-              </a:rPr>
-              <a:t>&lt;</a:t>
-            </a:r>
-            <a:r>
-              <a:rPr sz="1100" spc="305" dirty="0">
-                <a:latin typeface="Calibri"/>
-                <a:cs typeface="Calibri"/>
-              </a:rPr>
-              <a:t> </a:t>
-            </a:r>
-            <a:r>
-              <a:rPr sz="1100" dirty="0">
-                <a:latin typeface="Calibri"/>
-                <a:cs typeface="Calibri"/>
-              </a:rPr>
-              <a:t>5</a:t>
-            </a:r>
-            <a:r>
-              <a:rPr sz="1100" spc="305" dirty="0">
-                <a:latin typeface="Calibri"/>
-                <a:cs typeface="Calibri"/>
-              </a:rPr>
-              <a:t> </a:t>
-            </a:r>
-            <a:r>
-              <a:rPr sz="1100" spc="170" dirty="0">
-                <a:latin typeface="Calibri"/>
-                <a:cs typeface="Calibri"/>
-              </a:rPr>
-              <a:t>{</a:t>
-            </a:r>
-            <a:endParaRPr sz="1100">
-              <a:latin typeface="Calibri"/>
-              <a:cs typeface="Calibri"/>
-            </a:endParaRPr>
-          </a:p>
-          <a:p>
-            <a:pPr marL="12700">
-              <a:lnSpc>
-                <a:spcPct val="100000"/>
-              </a:lnSpc>
-              <a:spcBef>
-                <a:spcPts val="35"/>
-              </a:spcBef>
-            </a:pPr>
-            <a:r>
-              <a:rPr sz="1100" spc="130" dirty="0">
-                <a:latin typeface="Calibri"/>
-                <a:cs typeface="Calibri"/>
-              </a:rPr>
-              <a:t>println!("condition</a:t>
-            </a:r>
-            <a:r>
-              <a:rPr sz="1100" spc="315" dirty="0">
-                <a:latin typeface="Calibri"/>
-                <a:cs typeface="Calibri"/>
-              </a:rPr>
-              <a:t> </a:t>
-            </a:r>
-            <a:r>
-              <a:rPr sz="1100" dirty="0">
-                <a:latin typeface="Calibri"/>
-                <a:cs typeface="Calibri"/>
-              </a:rPr>
-              <a:t>was</a:t>
-            </a:r>
-            <a:r>
-              <a:rPr sz="1100" spc="320" dirty="0">
-                <a:latin typeface="Calibri"/>
-                <a:cs typeface="Calibri"/>
-              </a:rPr>
-              <a:t> </a:t>
-            </a:r>
-            <a:r>
-              <a:rPr sz="1100" spc="135" dirty="0">
-                <a:latin typeface="Calibri"/>
-                <a:cs typeface="Calibri"/>
-              </a:rPr>
-              <a:t>true");</a:t>
-            </a:r>
-            <a:endParaRPr sz="1100">
-              <a:latin typeface="Calibri"/>
-              <a:cs typeface="Calibri"/>
-            </a:endParaRPr>
-          </a:p>
-          <a:p>
-            <a:pPr marL="12700">
-              <a:lnSpc>
-                <a:spcPct val="100000"/>
-              </a:lnSpc>
-              <a:spcBef>
-                <a:spcPts val="35"/>
-              </a:spcBef>
-            </a:pPr>
-            <a:r>
-              <a:rPr sz="1100" spc="220" dirty="0">
-                <a:latin typeface="Calibri"/>
-                <a:cs typeface="Calibri"/>
-              </a:rPr>
-              <a:t>}</a:t>
-            </a:r>
-            <a:r>
-              <a:rPr sz="1100" spc="330" dirty="0">
-                <a:latin typeface="Calibri"/>
-                <a:cs typeface="Calibri"/>
-              </a:rPr>
-              <a:t> </a:t>
-            </a:r>
-            <a:r>
-              <a:rPr sz="1100" spc="125" dirty="0">
-                <a:latin typeface="Calibri"/>
-                <a:cs typeface="Calibri"/>
-              </a:rPr>
-              <a:t>else</a:t>
-            </a:r>
-            <a:r>
-              <a:rPr sz="1100" spc="335" dirty="0">
-                <a:latin typeface="Calibri"/>
-                <a:cs typeface="Calibri"/>
-              </a:rPr>
-              <a:t> </a:t>
-            </a:r>
-            <a:r>
-              <a:rPr sz="1100" spc="170" dirty="0">
-                <a:latin typeface="Calibri"/>
-                <a:cs typeface="Calibri"/>
-              </a:rPr>
-              <a:t>{</a:t>
-            </a:r>
-            <a:endParaRPr sz="1100">
-              <a:latin typeface="Calibri"/>
-              <a:cs typeface="Calibri"/>
-            </a:endParaRPr>
-          </a:p>
-          <a:p>
-            <a:pPr marL="12700">
-              <a:lnSpc>
-                <a:spcPct val="100000"/>
-              </a:lnSpc>
-              <a:spcBef>
-                <a:spcPts val="35"/>
-              </a:spcBef>
-            </a:pPr>
-            <a:r>
-              <a:rPr sz="1100" spc="130" dirty="0">
-                <a:latin typeface="Calibri"/>
-                <a:cs typeface="Calibri"/>
-              </a:rPr>
-              <a:t>println!("condition</a:t>
-            </a:r>
-            <a:r>
-              <a:rPr sz="1100" spc="315" dirty="0">
-                <a:latin typeface="Calibri"/>
-                <a:cs typeface="Calibri"/>
-              </a:rPr>
-              <a:t> </a:t>
-            </a:r>
-            <a:r>
-              <a:rPr sz="1100" dirty="0">
-                <a:latin typeface="Calibri"/>
-                <a:cs typeface="Calibri"/>
-              </a:rPr>
-              <a:t>was</a:t>
-            </a:r>
-            <a:r>
-              <a:rPr sz="1100" spc="320" dirty="0">
-                <a:latin typeface="Calibri"/>
-                <a:cs typeface="Calibri"/>
-              </a:rPr>
-              <a:t> </a:t>
-            </a:r>
-            <a:r>
-              <a:rPr sz="1100" spc="160" dirty="0">
-                <a:latin typeface="Calibri"/>
-                <a:cs typeface="Calibri"/>
-              </a:rPr>
-              <a:t>false");</a:t>
-            </a:r>
-            <a:endParaRPr sz="1100">
-              <a:latin typeface="Calibri"/>
-              <a:cs typeface="Calibri"/>
-            </a:endParaRPr>
-          </a:p>
-          <a:p>
-            <a:pPr marL="12700">
-              <a:lnSpc>
-                <a:spcPct val="100000"/>
-              </a:lnSpc>
-              <a:spcBef>
-                <a:spcPts val="35"/>
-              </a:spcBef>
-            </a:pPr>
-            <a:r>
-              <a:rPr sz="1100" spc="170" dirty="0">
-                <a:latin typeface="Calibri"/>
-                <a:cs typeface="Calibri"/>
-              </a:rPr>
-              <a:t>}</a:t>
-            </a:r>
-            <a:endParaRPr sz="1100">
-              <a:latin typeface="Calibri"/>
-              <a:cs typeface="Calibri"/>
-            </a:endParaRPr>
-          </a:p>
         </p:txBody>
       </p:sp>
+      <p:pic>
+        <p:nvPicPr>
+          <p:cNvPr id="5" name="Picture 4">
+            <a:extLst>
+              <a:ext uri="{FF2B5EF4-FFF2-40B4-BE49-F238E27FC236}">
+                <a16:creationId xmlns:a16="http://schemas.microsoft.com/office/drawing/2014/main" id="{32EA281B-C79F-4285-A42C-0ECD1E9BAFDB}"/>
+              </a:ext>
+            </a:extLst>
+          </p:cNvPr>
+          <p:cNvPicPr>
+            <a:picLocks noChangeAspect="1"/>
+          </p:cNvPicPr>
+          <p:nvPr/>
+        </p:nvPicPr>
+        <p:blipFill>
+          <a:blip r:embed="rId2"/>
+          <a:stretch>
+            <a:fillRect/>
+          </a:stretch>
+        </p:blipFill>
+        <p:spPr>
+          <a:xfrm>
+            <a:off x="512127" y="1425575"/>
+            <a:ext cx="3585845" cy="1221093"/>
+          </a:xfrm>
+          <a:prstGeom prst="rect">
+            <a:avLst/>
+          </a:prstGeom>
+        </p:spPr>
+      </p:pic>
     </p:spTree>
   </p:cSld>
   <p:clrMapOvr>
@@ -4815,7 +4562,7 @@
         <p:spPr>
           <a:xfrm>
             <a:off x="321894" y="1144991"/>
-            <a:ext cx="2331085" cy="1172210"/>
+            <a:ext cx="2331085" cy="624272"/>
           </a:xfrm>
           <a:prstGeom prst="rect">
             <a:avLst/>
@@ -4941,7 +4688,7 @@
               </a:rPr>
               <a:t>.</a:t>
             </a:r>
-            <a:endParaRPr sz="1100">
+            <a:endParaRPr sz="1100" dirty="0">
               <a:latin typeface="Tahoma"/>
               <a:cs typeface="Tahoma"/>
             </a:endParaRPr>
@@ -5094,198 +4841,56 @@
               <a:t> </a:t>
             </a:r>
             <a:r>
+              <a:rPr sz="1100" spc="-20" dirty="0" err="1">
+                <a:latin typeface="Tahoma"/>
+                <a:cs typeface="Tahoma"/>
+              </a:rPr>
+              <a:t>hàm</a:t>
+            </a:r>
+            <a:r>
               <a:rPr sz="1100" spc="-20" dirty="0">
                 <a:latin typeface="Tahoma"/>
                 <a:cs typeface="Tahoma"/>
               </a:rPr>
-              <a:t>hàm:</a:t>
-            </a:r>
-            <a:endParaRPr sz="1100">
+              <a:t>:</a:t>
+            </a:r>
+            <a:endParaRPr sz="1100" dirty="0">
               <a:latin typeface="Tahoma"/>
               <a:cs typeface="Tahoma"/>
             </a:endParaRPr>
           </a:p>
-          <a:p>
-            <a:pPr marL="38100" marR="30480">
-              <a:lnSpc>
-                <a:spcPct val="102600"/>
-              </a:lnSpc>
-            </a:pPr>
-            <a:r>
-              <a:rPr sz="1100" spc="110" dirty="0">
-                <a:latin typeface="Calibri"/>
-                <a:cs typeface="Calibri"/>
-              </a:rPr>
-              <a:t>fn</a:t>
-            </a:r>
-            <a:r>
-              <a:rPr sz="1100" spc="330" dirty="0">
-                <a:latin typeface="Calibri"/>
-                <a:cs typeface="Calibri"/>
-              </a:rPr>
-              <a:t> </a:t>
-            </a:r>
-            <a:r>
-              <a:rPr sz="1100" spc="105" dirty="0">
-                <a:latin typeface="Calibri"/>
-                <a:cs typeface="Calibri"/>
-              </a:rPr>
-              <a:t>add(x:</a:t>
-            </a:r>
-            <a:r>
-              <a:rPr sz="1100" spc="330" dirty="0">
-                <a:latin typeface="Calibri"/>
-                <a:cs typeface="Calibri"/>
-              </a:rPr>
-              <a:t> </a:t>
-            </a:r>
-            <a:r>
-              <a:rPr sz="1100" spc="155" dirty="0">
-                <a:latin typeface="Calibri"/>
-                <a:cs typeface="Calibri"/>
-              </a:rPr>
-              <a:t>i32,</a:t>
-            </a:r>
-            <a:r>
-              <a:rPr sz="1100" spc="330" dirty="0">
-                <a:latin typeface="Calibri"/>
-                <a:cs typeface="Calibri"/>
-              </a:rPr>
-              <a:t> </a:t>
-            </a:r>
-            <a:r>
-              <a:rPr sz="1100" spc="170" dirty="0">
-                <a:latin typeface="Calibri"/>
-                <a:cs typeface="Calibri"/>
-              </a:rPr>
-              <a:t>y:</a:t>
-            </a:r>
-            <a:r>
-              <a:rPr sz="1100" spc="330" dirty="0">
-                <a:latin typeface="Calibri"/>
-                <a:cs typeface="Calibri"/>
-              </a:rPr>
-              <a:t> </a:t>
-            </a:r>
-            <a:r>
-              <a:rPr sz="1100" spc="140" dirty="0">
-                <a:latin typeface="Calibri"/>
-                <a:cs typeface="Calibri"/>
-              </a:rPr>
-              <a:t>i32)</a:t>
-            </a:r>
-            <a:r>
-              <a:rPr sz="1100" spc="335" dirty="0">
-                <a:latin typeface="Calibri"/>
-                <a:cs typeface="Calibri"/>
-              </a:rPr>
-              <a:t> </a:t>
-            </a:r>
-            <a:r>
-              <a:rPr sz="1100" spc="95" dirty="0">
-                <a:latin typeface="Calibri"/>
-                <a:cs typeface="Calibri"/>
-              </a:rPr>
-              <a:t>-</a:t>
-            </a:r>
-            <a:r>
-              <a:rPr sz="1100" spc="155" dirty="0">
-                <a:latin typeface="Calibri"/>
-                <a:cs typeface="Calibri"/>
-              </a:rPr>
-              <a:t>&gt;</a:t>
-            </a:r>
-            <a:r>
-              <a:rPr sz="1100" spc="330" dirty="0">
-                <a:latin typeface="Calibri"/>
-                <a:cs typeface="Calibri"/>
-              </a:rPr>
-              <a:t> </a:t>
-            </a:r>
-            <a:r>
-              <a:rPr sz="1100" spc="110" dirty="0">
-                <a:latin typeface="Calibri"/>
-                <a:cs typeface="Calibri"/>
-              </a:rPr>
-              <a:t>i32</a:t>
-            </a:r>
-            <a:r>
-              <a:rPr sz="1100" spc="330" dirty="0">
-                <a:latin typeface="Calibri"/>
-                <a:cs typeface="Calibri"/>
-              </a:rPr>
-              <a:t> </a:t>
-            </a:r>
-            <a:r>
-              <a:rPr sz="1100" spc="110" dirty="0">
-                <a:latin typeface="Calibri"/>
-                <a:cs typeface="Calibri"/>
-              </a:rPr>
-              <a:t>{ </a:t>
-            </a:r>
-            <a:r>
-              <a:rPr sz="1100" spc="95" dirty="0">
-                <a:latin typeface="Calibri"/>
-                <a:cs typeface="Calibri"/>
-              </a:rPr>
-              <a:t>x</a:t>
-            </a:r>
-            <a:r>
-              <a:rPr sz="1100" spc="335" dirty="0">
-                <a:latin typeface="Calibri"/>
-                <a:cs typeface="Calibri"/>
-              </a:rPr>
-              <a:t> </a:t>
-            </a:r>
-            <a:r>
-              <a:rPr sz="1100" dirty="0">
-                <a:latin typeface="Calibri"/>
-                <a:cs typeface="Calibri"/>
-              </a:rPr>
-              <a:t>+</a:t>
-            </a:r>
-            <a:r>
-              <a:rPr sz="1100" spc="335" dirty="0">
-                <a:latin typeface="Calibri"/>
-                <a:cs typeface="Calibri"/>
-              </a:rPr>
-              <a:t> </a:t>
-            </a:r>
-            <a:r>
-              <a:rPr sz="1100" spc="20" dirty="0">
-                <a:latin typeface="Calibri"/>
-                <a:cs typeface="Calibri"/>
-              </a:rPr>
-              <a:t>y</a:t>
-            </a:r>
-            <a:endParaRPr sz="1100">
-              <a:latin typeface="Calibri"/>
-              <a:cs typeface="Calibri"/>
-            </a:endParaRPr>
-          </a:p>
-          <a:p>
-            <a:pPr marL="38100">
-              <a:lnSpc>
-                <a:spcPct val="100000"/>
-              </a:lnSpc>
-              <a:spcBef>
-                <a:spcPts val="35"/>
-              </a:spcBef>
-            </a:pPr>
-            <a:r>
-              <a:rPr sz="1100" spc="170" dirty="0">
-                <a:latin typeface="Calibri"/>
-                <a:cs typeface="Calibri"/>
-              </a:rPr>
-              <a:t>}</a:t>
-            </a:r>
-            <a:endParaRPr sz="1100">
-              <a:latin typeface="Calibri"/>
-              <a:cs typeface="Calibri"/>
-            </a:endParaRPr>
-          </a:p>
         </p:txBody>
       </p:sp>
+      <p:pic>
+        <p:nvPicPr>
+          <p:cNvPr id="5" name="Picture 4">
+            <a:extLst>
+              <a:ext uri="{FF2B5EF4-FFF2-40B4-BE49-F238E27FC236}">
+                <a16:creationId xmlns:a16="http://schemas.microsoft.com/office/drawing/2014/main" id="{08E8B599-C046-40F5-B27C-485BB9566326}"/>
+              </a:ext>
+            </a:extLst>
+          </p:cNvPr>
+          <p:cNvPicPr>
+            <a:picLocks noChangeAspect="1"/>
+          </p:cNvPicPr>
+          <p:nvPr/>
+        </p:nvPicPr>
+        <p:blipFill>
+          <a:blip r:embed="rId2"/>
+          <a:stretch>
+            <a:fillRect/>
+          </a:stretch>
+        </p:blipFill>
+        <p:spPr>
+          <a:xfrm>
+            <a:off x="340944" y="1958975"/>
+            <a:ext cx="3833192" cy="739204"/>
+          </a:xfrm>
+          <a:prstGeom prst="rect">
+            <a:avLst/>
+          </a:prstGeom>
+        </p:spPr>
+      </p:pic>
     </p:spTree>
   </p:cSld>
   <p:clrMapOvr>
@@ -5399,7 +5004,7 @@
         <p:spPr>
           <a:xfrm>
             <a:off x="321894" y="989035"/>
-            <a:ext cx="2549525" cy="1553845"/>
+            <a:ext cx="2549525" cy="832022"/>
           </a:xfrm>
           <a:prstGeom prst="rect">
             <a:avLst/>
@@ -5483,7 +5088,7 @@
               </a:rPr>
               <a:t> trị.</a:t>
             </a:r>
-            <a:endParaRPr sz="1100">
+            <a:endParaRPr sz="1100" dirty="0">
               <a:latin typeface="Tahoma"/>
               <a:cs typeface="Tahoma"/>
             </a:endParaRPr>
@@ -5582,7 +5187,7 @@
               </a:rPr>
               <a:t>trị.</a:t>
             </a:r>
-            <a:endParaRPr sz="1100">
+            <a:endParaRPr sz="1100" dirty="0">
               <a:latin typeface="Tahoma"/>
               <a:cs typeface="Tahoma"/>
             </a:endParaRPr>
@@ -5693,261 +5298,56 @@
               <a:t> </a:t>
             </a:r>
             <a:r>
+              <a:rPr sz="1100" spc="-25" dirty="0" err="1">
+                <a:latin typeface="Tahoma"/>
+                <a:cs typeface="Tahoma"/>
+              </a:rPr>
+              <a:t>dụ</a:t>
+            </a:r>
+            <a:r>
               <a:rPr sz="1100" spc="-25" dirty="0">
                 <a:latin typeface="Tahoma"/>
                 <a:cs typeface="Tahoma"/>
               </a:rPr>
-              <a:t>dụ:</a:t>
-            </a:r>
-            <a:endParaRPr sz="1100">
+              <a:t>:</a:t>
+            </a:r>
+            <a:endParaRPr sz="1100" dirty="0">
               <a:latin typeface="Tahoma"/>
               <a:cs typeface="Tahoma"/>
             </a:endParaRPr>
           </a:p>
-          <a:p>
-            <a:pPr marL="38100" marR="1776095">
-              <a:lnSpc>
-                <a:spcPct val="102600"/>
-              </a:lnSpc>
-            </a:pPr>
-            <a:r>
-              <a:rPr sz="1100" spc="180" dirty="0">
-                <a:latin typeface="Calibri"/>
-                <a:cs typeface="Calibri"/>
-              </a:rPr>
-              <a:t>let</a:t>
-            </a:r>
-            <a:r>
-              <a:rPr sz="1100" spc="330" dirty="0">
-                <a:latin typeface="Calibri"/>
-                <a:cs typeface="Calibri"/>
-              </a:rPr>
-              <a:t> </a:t>
-            </a:r>
-            <a:r>
-              <a:rPr sz="1100" spc="70" dirty="0">
-                <a:latin typeface="Calibri"/>
-                <a:cs typeface="Calibri"/>
-              </a:rPr>
-              <a:t>y</a:t>
-            </a:r>
-            <a:r>
-              <a:rPr sz="1100" spc="335" dirty="0">
-                <a:latin typeface="Calibri"/>
-                <a:cs typeface="Calibri"/>
-              </a:rPr>
-              <a:t> </a:t>
-            </a:r>
-            <a:r>
-              <a:rPr sz="1100" dirty="0">
-                <a:latin typeface="Calibri"/>
-                <a:cs typeface="Calibri"/>
-              </a:rPr>
-              <a:t>=</a:t>
-            </a:r>
-            <a:r>
-              <a:rPr sz="1100" spc="335" dirty="0">
-                <a:latin typeface="Calibri"/>
-                <a:cs typeface="Calibri"/>
-              </a:rPr>
-              <a:t> </a:t>
-            </a:r>
-            <a:r>
-              <a:rPr sz="1100" spc="170" dirty="0">
-                <a:latin typeface="Calibri"/>
-                <a:cs typeface="Calibri"/>
-              </a:rPr>
-              <a:t>{ </a:t>
-            </a:r>
-            <a:r>
-              <a:rPr sz="1100" spc="180" dirty="0">
-                <a:latin typeface="Calibri"/>
-                <a:cs typeface="Calibri"/>
-              </a:rPr>
-              <a:t>let</a:t>
-            </a:r>
-            <a:r>
-              <a:rPr sz="1100" spc="330" dirty="0">
-                <a:latin typeface="Calibri"/>
-                <a:cs typeface="Calibri"/>
-              </a:rPr>
-              <a:t> </a:t>
-            </a:r>
-            <a:r>
-              <a:rPr sz="1100" spc="95" dirty="0">
-                <a:latin typeface="Calibri"/>
-                <a:cs typeface="Calibri"/>
-              </a:rPr>
-              <a:t>x</a:t>
-            </a:r>
-            <a:r>
-              <a:rPr sz="1100" spc="335" dirty="0">
-                <a:latin typeface="Calibri"/>
-                <a:cs typeface="Calibri"/>
-              </a:rPr>
-              <a:t> </a:t>
-            </a:r>
-            <a:r>
-              <a:rPr sz="1100" dirty="0">
-                <a:latin typeface="Calibri"/>
-                <a:cs typeface="Calibri"/>
-              </a:rPr>
-              <a:t>=</a:t>
-            </a:r>
-            <a:r>
-              <a:rPr sz="1100" spc="335" dirty="0">
-                <a:latin typeface="Calibri"/>
-                <a:cs typeface="Calibri"/>
-              </a:rPr>
-              <a:t> </a:t>
-            </a:r>
-            <a:r>
-              <a:rPr sz="1100" spc="110" dirty="0">
-                <a:latin typeface="Calibri"/>
-                <a:cs typeface="Calibri"/>
-              </a:rPr>
-              <a:t>3;</a:t>
-            </a:r>
-            <a:endParaRPr sz="1100">
-              <a:latin typeface="Calibri"/>
-              <a:cs typeface="Calibri"/>
-            </a:endParaRPr>
-          </a:p>
-          <a:p>
-            <a:pPr marL="38100">
-              <a:lnSpc>
-                <a:spcPct val="100000"/>
-              </a:lnSpc>
-              <a:spcBef>
-                <a:spcPts val="35"/>
-              </a:spcBef>
-            </a:pPr>
-            <a:r>
-              <a:rPr sz="1100" spc="95" dirty="0">
-                <a:latin typeface="Calibri"/>
-                <a:cs typeface="Calibri"/>
-              </a:rPr>
-              <a:t>x</a:t>
-            </a:r>
-            <a:r>
-              <a:rPr sz="1100" spc="330" dirty="0">
-                <a:latin typeface="Calibri"/>
-                <a:cs typeface="Calibri"/>
-              </a:rPr>
-              <a:t> </a:t>
-            </a:r>
-            <a:r>
-              <a:rPr sz="1100" dirty="0">
-                <a:latin typeface="Calibri"/>
-                <a:cs typeface="Calibri"/>
-              </a:rPr>
-              <a:t>+</a:t>
-            </a:r>
-            <a:r>
-              <a:rPr sz="1100" spc="330" dirty="0">
-                <a:latin typeface="Calibri"/>
-                <a:cs typeface="Calibri"/>
-              </a:rPr>
-              <a:t> </a:t>
-            </a:r>
-            <a:r>
-              <a:rPr sz="1100" dirty="0">
-                <a:latin typeface="Calibri"/>
-                <a:cs typeface="Calibri"/>
-              </a:rPr>
-              <a:t>1</a:t>
-            </a:r>
-            <a:r>
-              <a:rPr sz="1100" spc="335" dirty="0">
-                <a:latin typeface="Calibri"/>
-                <a:cs typeface="Calibri"/>
-              </a:rPr>
-              <a:t> </a:t>
-            </a:r>
-            <a:r>
-              <a:rPr sz="1100" spc="140" dirty="0">
-                <a:latin typeface="Calibri"/>
-                <a:cs typeface="Calibri"/>
-              </a:rPr>
-              <a:t>//</a:t>
-            </a:r>
-            <a:r>
-              <a:rPr sz="1100" spc="330" dirty="0">
-                <a:latin typeface="Calibri"/>
-                <a:cs typeface="Calibri"/>
-              </a:rPr>
-              <a:t> </a:t>
-            </a:r>
-            <a:r>
-              <a:rPr sz="1100" spc="110" dirty="0">
-                <a:latin typeface="Calibri"/>
-                <a:cs typeface="Calibri"/>
-              </a:rPr>
-              <a:t>expression,</a:t>
-            </a:r>
-            <a:r>
-              <a:rPr sz="1100" spc="335" dirty="0">
-                <a:latin typeface="Calibri"/>
-                <a:cs typeface="Calibri"/>
-              </a:rPr>
-              <a:t> </a:t>
-            </a:r>
-            <a:r>
-              <a:rPr sz="1100" dirty="0">
-                <a:latin typeface="Calibri"/>
-                <a:cs typeface="Calibri"/>
-              </a:rPr>
-              <a:t>no</a:t>
-            </a:r>
-            <a:r>
-              <a:rPr sz="1100" spc="330" dirty="0">
-                <a:latin typeface="Calibri"/>
-                <a:cs typeface="Calibri"/>
-              </a:rPr>
-              <a:t> </a:t>
-            </a:r>
-            <a:r>
-              <a:rPr sz="1100" spc="80" dirty="0">
-                <a:latin typeface="Calibri"/>
-                <a:cs typeface="Calibri"/>
-              </a:rPr>
-              <a:t>semi-</a:t>
-            </a:r>
-            <a:r>
-              <a:rPr sz="1100" spc="70" dirty="0">
-                <a:latin typeface="Calibri"/>
-                <a:cs typeface="Calibri"/>
-              </a:rPr>
-              <a:t>colon</a:t>
-            </a:r>
-            <a:endParaRPr sz="1100">
-              <a:latin typeface="Calibri"/>
-              <a:cs typeface="Calibri"/>
-            </a:endParaRPr>
-          </a:p>
-          <a:p>
-            <a:pPr marL="38100">
-              <a:lnSpc>
-                <a:spcPct val="100000"/>
-              </a:lnSpc>
-              <a:spcBef>
-                <a:spcPts val="35"/>
-              </a:spcBef>
-            </a:pPr>
-            <a:r>
-              <a:rPr sz="1100" spc="220" dirty="0">
-                <a:latin typeface="Calibri"/>
-                <a:cs typeface="Calibri"/>
-              </a:rPr>
-              <a:t>};</a:t>
-            </a:r>
-            <a:endParaRPr sz="1100">
-              <a:latin typeface="Calibri"/>
-              <a:cs typeface="Calibri"/>
-            </a:endParaRPr>
-          </a:p>
         </p:txBody>
       </p:sp>
+      <p:pic>
+        <p:nvPicPr>
+          <p:cNvPr id="5" name="Picture 4">
+            <a:extLst>
+              <a:ext uri="{FF2B5EF4-FFF2-40B4-BE49-F238E27FC236}">
+                <a16:creationId xmlns:a16="http://schemas.microsoft.com/office/drawing/2014/main" id="{8A8A8F45-5B1C-4754-AA35-3BAC710AF0A1}"/>
+              </a:ext>
+            </a:extLst>
+          </p:cNvPr>
+          <p:cNvPicPr>
+            <a:picLocks noChangeAspect="1"/>
+          </p:cNvPicPr>
+          <p:nvPr/>
+        </p:nvPicPr>
+        <p:blipFill>
+          <a:blip r:embed="rId2"/>
+          <a:stretch>
+            <a:fillRect/>
+          </a:stretch>
+        </p:blipFill>
+        <p:spPr>
+          <a:xfrm>
+            <a:off x="353234" y="1882775"/>
+            <a:ext cx="3600450" cy="787237"/>
+          </a:xfrm>
+          <a:prstGeom prst="rect">
+            <a:avLst/>
+          </a:prstGeom>
+        </p:spPr>
+      </p:pic>
     </p:spTree>
   </p:cSld>
   <p:clrMapOvr>
@@ -6061,7 +5461,7 @@
         <p:spPr>
           <a:xfrm>
             <a:off x="321894" y="927580"/>
-            <a:ext cx="3640454" cy="1725930"/>
+            <a:ext cx="3640454" cy="832022"/>
           </a:xfrm>
           <a:prstGeom prst="rect">
             <a:avLst/>
@@ -6215,7 +5615,7 @@
               </a:rPr>
               <a:t>định.</a:t>
             </a:r>
-            <a:endParaRPr sz="1100">
+            <a:endParaRPr sz="1100" dirty="0">
               <a:latin typeface="Tahoma"/>
               <a:cs typeface="Tahoma"/>
             </a:endParaRPr>
@@ -6349,7 +5749,7 @@
               </a:rPr>
               <a:t>động.</a:t>
             </a:r>
-            <a:endParaRPr sz="1100">
+            <a:endParaRPr sz="1100" dirty="0">
               <a:latin typeface="Tahoma"/>
               <a:cs typeface="Tahoma"/>
             </a:endParaRPr>
@@ -6502,303 +5902,56 @@
               <a:t> </a:t>
             </a:r>
             <a:r>
+              <a:rPr sz="1100" spc="-25" dirty="0" err="1">
+                <a:latin typeface="Tahoma"/>
+                <a:cs typeface="Tahoma"/>
+              </a:rPr>
+              <a:t>dụ</a:t>
+            </a:r>
+            <a:r>
               <a:rPr sz="1100" spc="-25" dirty="0">
                 <a:latin typeface="Tahoma"/>
                 <a:cs typeface="Tahoma"/>
               </a:rPr>
-              <a:t>dụ:</a:t>
-            </a:r>
-            <a:endParaRPr sz="1100">
+              <a:t>:</a:t>
+            </a:r>
+            <a:endParaRPr sz="1100" dirty="0">
               <a:latin typeface="Tahoma"/>
               <a:cs typeface="Tahoma"/>
             </a:endParaRPr>
           </a:p>
-          <a:p>
-            <a:pPr marL="38100">
-              <a:lnSpc>
-                <a:spcPct val="100000"/>
-              </a:lnSpc>
-              <a:spcBef>
-                <a:spcPts val="35"/>
-              </a:spcBef>
-            </a:pPr>
-            <a:r>
-              <a:rPr sz="1100" spc="140" dirty="0">
-                <a:latin typeface="Calibri"/>
-                <a:cs typeface="Calibri"/>
-              </a:rPr>
-              <a:t>//</a:t>
-            </a:r>
-            <a:r>
-              <a:rPr sz="1100" spc="330" dirty="0">
-                <a:latin typeface="Calibri"/>
-                <a:cs typeface="Calibri"/>
-              </a:rPr>
-              <a:t> </a:t>
-            </a:r>
-            <a:r>
-              <a:rPr sz="1100" spc="85" dirty="0">
-                <a:latin typeface="Calibri"/>
-                <a:cs typeface="Calibri"/>
-              </a:rPr>
-              <a:t>Stack</a:t>
-            </a:r>
-            <a:endParaRPr sz="1100">
-              <a:latin typeface="Calibri"/>
-              <a:cs typeface="Calibri"/>
-            </a:endParaRPr>
-          </a:p>
-          <a:p>
-            <a:pPr marL="38100">
-              <a:lnSpc>
-                <a:spcPct val="100000"/>
-              </a:lnSpc>
-              <a:spcBef>
-                <a:spcPts val="35"/>
-              </a:spcBef>
-            </a:pPr>
-            <a:r>
-              <a:rPr sz="1100" spc="180" dirty="0">
-                <a:latin typeface="Calibri"/>
-                <a:cs typeface="Calibri"/>
-              </a:rPr>
-              <a:t>let</a:t>
-            </a:r>
-            <a:r>
-              <a:rPr sz="1100" spc="330" dirty="0">
-                <a:latin typeface="Calibri"/>
-                <a:cs typeface="Calibri"/>
-              </a:rPr>
-              <a:t> </a:t>
-            </a:r>
-            <a:r>
-              <a:rPr sz="1100" spc="140" dirty="0">
-                <a:latin typeface="Calibri"/>
-                <a:cs typeface="Calibri"/>
-              </a:rPr>
-              <a:t>s</a:t>
-            </a:r>
-            <a:r>
-              <a:rPr sz="1100" spc="335" dirty="0">
-                <a:latin typeface="Calibri"/>
-                <a:cs typeface="Calibri"/>
-              </a:rPr>
-              <a:t> </a:t>
-            </a:r>
-            <a:r>
-              <a:rPr sz="1100" dirty="0">
-                <a:latin typeface="Calibri"/>
-                <a:cs typeface="Calibri"/>
-              </a:rPr>
-              <a:t>=</a:t>
-            </a:r>
-            <a:r>
-              <a:rPr sz="1100" spc="335" dirty="0">
-                <a:latin typeface="Calibri"/>
-                <a:cs typeface="Calibri"/>
-              </a:rPr>
-              <a:t> </a:t>
-            </a:r>
-            <a:r>
-              <a:rPr sz="1100" spc="135" dirty="0">
-                <a:latin typeface="Calibri"/>
-                <a:cs typeface="Calibri"/>
-              </a:rPr>
-              <a:t>5;</a:t>
-            </a:r>
-            <a:r>
-              <a:rPr sz="1100" spc="335" dirty="0">
-                <a:latin typeface="Calibri"/>
-                <a:cs typeface="Calibri"/>
-              </a:rPr>
-              <a:t> </a:t>
-            </a:r>
-            <a:r>
-              <a:rPr sz="1100" spc="140" dirty="0">
-                <a:latin typeface="Calibri"/>
-                <a:cs typeface="Calibri"/>
-              </a:rPr>
-              <a:t>//</a:t>
-            </a:r>
-            <a:r>
-              <a:rPr sz="1100" spc="335" dirty="0">
-                <a:latin typeface="Calibri"/>
-                <a:cs typeface="Calibri"/>
-              </a:rPr>
-              <a:t> </a:t>
-            </a:r>
-            <a:r>
-              <a:rPr sz="1100" spc="155" dirty="0">
-                <a:latin typeface="Calibri"/>
-                <a:cs typeface="Calibri"/>
-              </a:rPr>
-              <a:t>i32,</a:t>
-            </a:r>
-            <a:r>
-              <a:rPr sz="1100" spc="330" dirty="0">
-                <a:latin typeface="Calibri"/>
-                <a:cs typeface="Calibri"/>
-              </a:rPr>
-              <a:t> </a:t>
-            </a:r>
-            <a:r>
-              <a:rPr sz="1100" spc="105" dirty="0">
-                <a:latin typeface="Calibri"/>
-                <a:cs typeface="Calibri"/>
-              </a:rPr>
-              <a:t>default</a:t>
-            </a:r>
-            <a:endParaRPr sz="1100">
-              <a:latin typeface="Calibri"/>
-              <a:cs typeface="Calibri"/>
-            </a:endParaRPr>
-          </a:p>
-          <a:p>
-            <a:pPr marL="38100">
-              <a:lnSpc>
-                <a:spcPct val="100000"/>
-              </a:lnSpc>
-              <a:spcBef>
-                <a:spcPts val="35"/>
-              </a:spcBef>
-            </a:pPr>
-            <a:r>
-              <a:rPr sz="1100" spc="140" dirty="0">
-                <a:latin typeface="Calibri"/>
-                <a:cs typeface="Calibri"/>
-              </a:rPr>
-              <a:t>//</a:t>
-            </a:r>
-            <a:r>
-              <a:rPr sz="1100" spc="330" dirty="0">
-                <a:latin typeface="Calibri"/>
-                <a:cs typeface="Calibri"/>
-              </a:rPr>
-              <a:t> </a:t>
-            </a:r>
-            <a:r>
-              <a:rPr sz="1100" spc="-20" dirty="0">
-                <a:latin typeface="Calibri"/>
-                <a:cs typeface="Calibri"/>
-              </a:rPr>
-              <a:t>Heap</a:t>
-            </a:r>
-            <a:endParaRPr sz="1100">
-              <a:latin typeface="Calibri"/>
-              <a:cs typeface="Calibri"/>
-            </a:endParaRPr>
-          </a:p>
-          <a:p>
-            <a:pPr marL="38100" marR="30480">
-              <a:lnSpc>
-                <a:spcPct val="102600"/>
-              </a:lnSpc>
-            </a:pPr>
-            <a:r>
-              <a:rPr sz="1100" spc="180" dirty="0">
-                <a:latin typeface="Calibri"/>
-                <a:cs typeface="Calibri"/>
-              </a:rPr>
-              <a:t>let</a:t>
-            </a:r>
-            <a:r>
-              <a:rPr sz="1100" spc="340" dirty="0">
-                <a:latin typeface="Calibri"/>
-                <a:cs typeface="Calibri"/>
-              </a:rPr>
-              <a:t> </a:t>
-            </a:r>
-            <a:r>
-              <a:rPr sz="1100" spc="140" dirty="0">
-                <a:latin typeface="Calibri"/>
-                <a:cs typeface="Calibri"/>
-              </a:rPr>
-              <a:t>s</a:t>
-            </a:r>
-            <a:r>
-              <a:rPr sz="1100" spc="340" dirty="0">
-                <a:latin typeface="Calibri"/>
-                <a:cs typeface="Calibri"/>
-              </a:rPr>
-              <a:t> </a:t>
-            </a:r>
-            <a:r>
-              <a:rPr sz="1100" dirty="0">
-                <a:latin typeface="Calibri"/>
-                <a:cs typeface="Calibri"/>
-              </a:rPr>
-              <a:t>=</a:t>
-            </a:r>
-            <a:r>
-              <a:rPr sz="1100" spc="340" dirty="0">
-                <a:latin typeface="Calibri"/>
-                <a:cs typeface="Calibri"/>
-              </a:rPr>
-              <a:t> </a:t>
-            </a:r>
-            <a:r>
-              <a:rPr sz="1100" spc="140" dirty="0">
-                <a:latin typeface="Calibri"/>
-                <a:cs typeface="Calibri"/>
-              </a:rPr>
-              <a:t>String::from("hello");</a:t>
-            </a:r>
-            <a:r>
-              <a:rPr sz="1100" spc="340" dirty="0">
-                <a:latin typeface="Calibri"/>
-                <a:cs typeface="Calibri"/>
-              </a:rPr>
-              <a:t> </a:t>
-            </a:r>
-            <a:r>
-              <a:rPr sz="1100" spc="140" dirty="0">
-                <a:latin typeface="Calibri"/>
-                <a:cs typeface="Calibri"/>
-              </a:rPr>
-              <a:t>//</a:t>
-            </a:r>
-            <a:r>
-              <a:rPr sz="1100" spc="340" dirty="0">
-                <a:latin typeface="Calibri"/>
-                <a:cs typeface="Calibri"/>
-              </a:rPr>
-              <a:t> </a:t>
-            </a:r>
-            <a:r>
-              <a:rPr sz="1100" spc="160" dirty="0">
-                <a:latin typeface="Calibri"/>
-                <a:cs typeface="Calibri"/>
-              </a:rPr>
-              <a:t>String,</a:t>
-            </a:r>
-            <a:r>
-              <a:rPr sz="1100" spc="340" dirty="0">
-                <a:latin typeface="Calibri"/>
-                <a:cs typeface="Calibri"/>
-              </a:rPr>
-              <a:t> </a:t>
-            </a:r>
-            <a:r>
-              <a:rPr sz="1100" spc="-10" dirty="0">
-                <a:latin typeface="Calibri"/>
-                <a:cs typeface="Calibri"/>
-              </a:rPr>
-              <a:t>dynamic </a:t>
-            </a:r>
-            <a:r>
-              <a:rPr sz="1100" spc="130" dirty="0">
-                <a:latin typeface="Calibri"/>
-                <a:cs typeface="Calibri"/>
-              </a:rPr>
-              <a:t>size</a:t>
-            </a:r>
-            <a:endParaRPr sz="1100">
-              <a:latin typeface="Calibri"/>
-              <a:cs typeface="Calibri"/>
-            </a:endParaRPr>
-          </a:p>
         </p:txBody>
       </p:sp>
+      <p:pic>
+        <p:nvPicPr>
+          <p:cNvPr id="5" name="Picture 4">
+            <a:extLst>
+              <a:ext uri="{FF2B5EF4-FFF2-40B4-BE49-F238E27FC236}">
+                <a16:creationId xmlns:a16="http://schemas.microsoft.com/office/drawing/2014/main" id="{38153225-B068-4E93-BA4A-B792BFDF5F1A}"/>
+              </a:ext>
+            </a:extLst>
+          </p:cNvPr>
+          <p:cNvPicPr>
+            <a:picLocks noChangeAspect="1"/>
+          </p:cNvPicPr>
+          <p:nvPr/>
+        </p:nvPicPr>
+        <p:blipFill>
+          <a:blip r:embed="rId2"/>
+          <a:stretch>
+            <a:fillRect/>
+          </a:stretch>
+        </p:blipFill>
+        <p:spPr>
+          <a:xfrm>
+            <a:off x="476250" y="1806575"/>
+            <a:ext cx="4038600" cy="800276"/>
+          </a:xfrm>
+          <a:prstGeom prst="rect">
+            <a:avLst/>
+          </a:prstGeom>
+        </p:spPr>
+      </p:pic>
     </p:spTree>
   </p:cSld>
   <p:clrMapOvr>
@@ -10596,7 +9749,7 @@
         <p:spPr>
           <a:xfrm>
             <a:off x="321894" y="923313"/>
-            <a:ext cx="3931285" cy="1725930"/>
+            <a:ext cx="3931285" cy="1027716"/>
           </a:xfrm>
           <a:prstGeom prst="rect">
             <a:avLst/>
@@ -10743,7 +9896,7 @@
               </a:rPr>
               <a:t>toàn.</a:t>
             </a:r>
-            <a:endParaRPr sz="1100">
+            <a:endParaRPr sz="1100" dirty="0">
               <a:latin typeface="Tahoma"/>
               <a:cs typeface="Tahoma"/>
             </a:endParaRPr>
@@ -10898,7 +10051,7 @@
               </a:rPr>
               <a:t>bại).</a:t>
             </a:r>
-            <a:endParaRPr sz="1100">
+            <a:endParaRPr sz="1100" dirty="0">
               <a:latin typeface="Tahoma"/>
               <a:cs typeface="Tahoma"/>
             </a:endParaRPr>
@@ -10969,7 +10122,7 @@
               </a:rPr>
               <a:t>std::error::Error&gt;</a:t>
             </a:r>
-            <a:endParaRPr sz="1100">
+            <a:endParaRPr sz="1100" dirty="0">
               <a:latin typeface="Calibri"/>
               <a:cs typeface="Calibri"/>
             </a:endParaRPr>
@@ -10998,233 +10151,56 @@
               <a:t> </a:t>
             </a:r>
             <a:r>
+              <a:rPr sz="1100" spc="-25" dirty="0" err="1">
+                <a:latin typeface="Tahoma"/>
+                <a:cs typeface="Tahoma"/>
+              </a:rPr>
+              <a:t>dụ</a:t>
+            </a:r>
+            <a:r>
               <a:rPr sz="1100" spc="-25" dirty="0">
                 <a:latin typeface="Tahoma"/>
                 <a:cs typeface="Tahoma"/>
               </a:rPr>
-              <a:t>dụ:</a:t>
-            </a:r>
-            <a:endParaRPr sz="1100">
+              <a:t>:</a:t>
+            </a:r>
+            <a:endParaRPr sz="1100" dirty="0">
               <a:latin typeface="Tahoma"/>
               <a:cs typeface="Tahoma"/>
             </a:endParaRPr>
           </a:p>
-          <a:p>
-            <a:pPr marL="38100">
-              <a:lnSpc>
-                <a:spcPct val="100000"/>
-              </a:lnSpc>
-              <a:spcBef>
-                <a:spcPts val="35"/>
-              </a:spcBef>
-            </a:pPr>
-            <a:r>
-              <a:rPr sz="1100" spc="110" dirty="0">
-                <a:latin typeface="Calibri"/>
-                <a:cs typeface="Calibri"/>
-              </a:rPr>
-              <a:t>fn</a:t>
-            </a:r>
-            <a:r>
-              <a:rPr sz="1100" spc="370" dirty="0">
-                <a:latin typeface="Calibri"/>
-                <a:cs typeface="Calibri"/>
-              </a:rPr>
-              <a:t> </a:t>
-            </a:r>
-            <a:r>
-              <a:rPr sz="1100" spc="85" dirty="0">
-                <a:latin typeface="Calibri"/>
-                <a:cs typeface="Calibri"/>
-              </a:rPr>
-              <a:t>main()</a:t>
-            </a:r>
-            <a:r>
-              <a:rPr sz="1100" spc="375" dirty="0">
-                <a:latin typeface="Calibri"/>
-                <a:cs typeface="Calibri"/>
-              </a:rPr>
-              <a:t> </a:t>
-            </a:r>
-            <a:r>
-              <a:rPr sz="1100" spc="95" dirty="0">
-                <a:latin typeface="Calibri"/>
-                <a:cs typeface="Calibri"/>
-              </a:rPr>
-              <a:t>-</a:t>
-            </a:r>
-            <a:r>
-              <a:rPr sz="1100" spc="155" dirty="0">
-                <a:latin typeface="Calibri"/>
-                <a:cs typeface="Calibri"/>
-              </a:rPr>
-              <a:t>&gt;</a:t>
-            </a:r>
-            <a:r>
-              <a:rPr sz="1100" spc="375" dirty="0">
-                <a:latin typeface="Calibri"/>
-                <a:cs typeface="Calibri"/>
-              </a:rPr>
-              <a:t> </a:t>
-            </a:r>
-            <a:r>
-              <a:rPr sz="1100" spc="140" dirty="0">
-                <a:latin typeface="Calibri"/>
-                <a:cs typeface="Calibri"/>
-              </a:rPr>
-              <a:t>Result&lt;(),</a:t>
-            </a:r>
-            <a:r>
-              <a:rPr sz="1100" spc="375" dirty="0">
-                <a:latin typeface="Calibri"/>
-                <a:cs typeface="Calibri"/>
-              </a:rPr>
-              <a:t> </a:t>
-            </a:r>
-            <a:r>
-              <a:rPr sz="1100" dirty="0">
-                <a:latin typeface="Calibri"/>
-                <a:cs typeface="Calibri"/>
-              </a:rPr>
-              <a:t>Box&lt;dyn</a:t>
-            </a:r>
-            <a:r>
-              <a:rPr sz="1100" spc="375" dirty="0">
-                <a:latin typeface="Calibri"/>
-                <a:cs typeface="Calibri"/>
-              </a:rPr>
-              <a:t> </a:t>
-            </a:r>
-            <a:r>
-              <a:rPr sz="1100" spc="135" dirty="0">
-                <a:latin typeface="Calibri"/>
-                <a:cs typeface="Calibri"/>
-              </a:rPr>
-              <a:t>std::error::Error&gt;&gt;</a:t>
-            </a:r>
-            <a:r>
-              <a:rPr sz="1100" spc="375" dirty="0">
-                <a:latin typeface="Calibri"/>
-                <a:cs typeface="Calibri"/>
-              </a:rPr>
-              <a:t> </a:t>
-            </a:r>
-            <a:r>
-              <a:rPr sz="1100" spc="170" dirty="0">
-                <a:latin typeface="Calibri"/>
-                <a:cs typeface="Calibri"/>
-              </a:rPr>
-              <a:t>{</a:t>
-            </a:r>
-            <a:endParaRPr sz="1100">
-              <a:latin typeface="Calibri"/>
-              <a:cs typeface="Calibri"/>
-            </a:endParaRPr>
-          </a:p>
-          <a:p>
-            <a:pPr marL="38100" marR="1993900">
-              <a:lnSpc>
-                <a:spcPct val="102600"/>
-              </a:lnSpc>
-            </a:pPr>
-            <a:r>
-              <a:rPr sz="1100" spc="140" dirty="0">
-                <a:latin typeface="Calibri"/>
-                <a:cs typeface="Calibri"/>
-              </a:rPr>
-              <a:t>//</a:t>
-            </a:r>
-            <a:r>
-              <a:rPr sz="1100" spc="285" dirty="0">
-                <a:latin typeface="Calibri"/>
-                <a:cs typeface="Calibri"/>
-              </a:rPr>
-              <a:t> </a:t>
-            </a:r>
-            <a:r>
-              <a:rPr sz="1100" dirty="0">
-                <a:latin typeface="Calibri"/>
-                <a:cs typeface="Calibri"/>
-              </a:rPr>
-              <a:t>Code</a:t>
-            </a:r>
-            <a:r>
-              <a:rPr sz="1100" spc="290" dirty="0">
-                <a:latin typeface="Calibri"/>
-                <a:cs typeface="Calibri"/>
-              </a:rPr>
-              <a:t> </a:t>
-            </a:r>
-            <a:r>
-              <a:rPr sz="1100" dirty="0">
-                <a:latin typeface="Calibri"/>
-                <a:cs typeface="Calibri"/>
-              </a:rPr>
-              <a:t>maybe</a:t>
-            </a:r>
-            <a:r>
-              <a:rPr sz="1100" spc="290" dirty="0">
-                <a:latin typeface="Calibri"/>
-                <a:cs typeface="Calibri"/>
-              </a:rPr>
-              <a:t> </a:t>
-            </a:r>
-            <a:r>
-              <a:rPr sz="1100" spc="95" dirty="0">
-                <a:latin typeface="Calibri"/>
-                <a:cs typeface="Calibri"/>
-              </a:rPr>
-              <a:t>return</a:t>
-            </a:r>
-            <a:r>
-              <a:rPr sz="1100" spc="285" dirty="0">
-                <a:latin typeface="Calibri"/>
-                <a:cs typeface="Calibri"/>
-              </a:rPr>
-              <a:t> </a:t>
-            </a:r>
-            <a:r>
-              <a:rPr sz="1100" spc="100" dirty="0">
-                <a:latin typeface="Calibri"/>
-                <a:cs typeface="Calibri"/>
-              </a:rPr>
-              <a:t>error </a:t>
-            </a:r>
-            <a:r>
-              <a:rPr sz="1100" spc="130" dirty="0">
-                <a:latin typeface="Calibri"/>
-                <a:cs typeface="Calibri"/>
-              </a:rPr>
-              <a:t>Ok(())</a:t>
-            </a:r>
-            <a:endParaRPr sz="1100">
-              <a:latin typeface="Calibri"/>
-              <a:cs typeface="Calibri"/>
-            </a:endParaRPr>
-          </a:p>
-          <a:p>
-            <a:pPr marL="38100">
-              <a:lnSpc>
-                <a:spcPct val="100000"/>
-              </a:lnSpc>
-              <a:spcBef>
-                <a:spcPts val="35"/>
-              </a:spcBef>
-            </a:pPr>
-            <a:r>
-              <a:rPr sz="1100" spc="170" dirty="0">
-                <a:latin typeface="Calibri"/>
-                <a:cs typeface="Calibri"/>
-              </a:rPr>
-              <a:t>}</a:t>
-            </a:r>
-            <a:endParaRPr sz="1100">
-              <a:latin typeface="Calibri"/>
-              <a:cs typeface="Calibri"/>
-            </a:endParaRPr>
-          </a:p>
         </p:txBody>
       </p:sp>
+      <p:pic>
+        <p:nvPicPr>
+          <p:cNvPr id="5" name="Picture 4">
+            <a:extLst>
+              <a:ext uri="{FF2B5EF4-FFF2-40B4-BE49-F238E27FC236}">
+                <a16:creationId xmlns:a16="http://schemas.microsoft.com/office/drawing/2014/main" id="{9A58A9DF-1B42-48FF-A39E-F6CF365A2B16}"/>
+              </a:ext>
+            </a:extLst>
+          </p:cNvPr>
+          <p:cNvPicPr>
+            <a:picLocks noChangeAspect="1"/>
+          </p:cNvPicPr>
+          <p:nvPr/>
+        </p:nvPicPr>
+        <p:blipFill>
+          <a:blip r:embed="rId2"/>
+          <a:stretch>
+            <a:fillRect/>
+          </a:stretch>
+        </p:blipFill>
+        <p:spPr>
+          <a:xfrm>
+            <a:off x="400050" y="2035175"/>
+            <a:ext cx="4114750" cy="668586"/>
+          </a:xfrm>
+          <a:prstGeom prst="rect">
+            <a:avLst/>
+          </a:prstGeom>
+        </p:spPr>
+      </p:pic>
     </p:spTree>
   </p:cSld>
   <p:clrMapOvr>
@@ -11330,7 +10306,7 @@
         <p:spPr>
           <a:xfrm>
             <a:off x="347294" y="953678"/>
-            <a:ext cx="3873500" cy="1650364"/>
+            <a:ext cx="3873500" cy="412036"/>
           </a:xfrm>
           <a:prstGeom prst="rect">
             <a:avLst/>
@@ -11498,322 +10474,43 @@
               </a:rPr>
               <a:t>file:</a:t>
             </a:r>
-            <a:endParaRPr sz="1100">
+            <a:endParaRPr sz="1100" dirty="0">
               <a:latin typeface="Tahoma"/>
               <a:cs typeface="Tahoma"/>
             </a:endParaRPr>
           </a:p>
-          <a:p>
-            <a:pPr marL="12700">
-              <a:lnSpc>
-                <a:spcPct val="100000"/>
-              </a:lnSpc>
-              <a:spcBef>
-                <a:spcPts val="35"/>
-              </a:spcBef>
-            </a:pPr>
-            <a:r>
-              <a:rPr sz="1100" spc="50" dirty="0">
-                <a:latin typeface="Calibri"/>
-                <a:cs typeface="Calibri"/>
-              </a:rPr>
-              <a:t>use</a:t>
-            </a:r>
-            <a:r>
-              <a:rPr sz="1100" spc="330" dirty="0">
-                <a:latin typeface="Calibri"/>
-                <a:cs typeface="Calibri"/>
-              </a:rPr>
-              <a:t> </a:t>
-            </a:r>
-            <a:r>
-              <a:rPr sz="1100" spc="185" dirty="0">
-                <a:latin typeface="Calibri"/>
-                <a:cs typeface="Calibri"/>
-              </a:rPr>
-              <a:t>std::fs::File;</a:t>
-            </a:r>
-            <a:endParaRPr sz="1100">
-              <a:latin typeface="Calibri"/>
-              <a:cs typeface="Calibri"/>
-            </a:endParaRPr>
-          </a:p>
-          <a:p>
-            <a:pPr marL="12700">
-              <a:lnSpc>
-                <a:spcPct val="100000"/>
-              </a:lnSpc>
-              <a:spcBef>
-                <a:spcPts val="35"/>
-              </a:spcBef>
-            </a:pPr>
-            <a:r>
-              <a:rPr sz="1100" spc="50" dirty="0">
-                <a:latin typeface="Calibri"/>
-                <a:cs typeface="Calibri"/>
-              </a:rPr>
-              <a:t>use</a:t>
-            </a:r>
-            <a:r>
-              <a:rPr sz="1100" spc="355" dirty="0">
-                <a:latin typeface="Calibri"/>
-                <a:cs typeface="Calibri"/>
-              </a:rPr>
-              <a:t> </a:t>
-            </a:r>
-            <a:r>
-              <a:rPr sz="1100" spc="135" dirty="0">
-                <a:latin typeface="Calibri"/>
-                <a:cs typeface="Calibri"/>
-              </a:rPr>
-              <a:t>std::io::{BufRead,</a:t>
-            </a:r>
-            <a:r>
-              <a:rPr sz="1100" spc="355" dirty="0">
-                <a:latin typeface="Calibri"/>
-                <a:cs typeface="Calibri"/>
-              </a:rPr>
-              <a:t> </a:t>
-            </a:r>
-            <a:r>
-              <a:rPr sz="1100" spc="70" dirty="0">
-                <a:latin typeface="Calibri"/>
-                <a:cs typeface="Calibri"/>
-              </a:rPr>
-              <a:t>BufReader};</a:t>
-            </a:r>
-            <a:endParaRPr sz="1100">
-              <a:latin typeface="Calibri"/>
-              <a:cs typeface="Calibri"/>
-            </a:endParaRPr>
-          </a:p>
-          <a:p>
-            <a:pPr marL="12700" marR="1016000">
-              <a:lnSpc>
-                <a:spcPct val="102600"/>
-              </a:lnSpc>
-            </a:pPr>
-            <a:r>
-              <a:rPr sz="1100" spc="180" dirty="0">
-                <a:latin typeface="Calibri"/>
-                <a:cs typeface="Calibri"/>
-              </a:rPr>
-              <a:t>let</a:t>
-            </a:r>
-            <a:r>
-              <a:rPr sz="1100" spc="335" dirty="0">
-                <a:latin typeface="Calibri"/>
-                <a:cs typeface="Calibri"/>
-              </a:rPr>
-              <a:t> </a:t>
-            </a:r>
-            <a:r>
-              <a:rPr sz="1100" spc="225" dirty="0">
-                <a:latin typeface="Calibri"/>
-                <a:cs typeface="Calibri"/>
-              </a:rPr>
-              <a:t>file</a:t>
-            </a:r>
-            <a:r>
-              <a:rPr sz="1100" spc="335" dirty="0">
-                <a:latin typeface="Calibri"/>
-                <a:cs typeface="Calibri"/>
-              </a:rPr>
-              <a:t> </a:t>
-            </a:r>
-            <a:r>
-              <a:rPr sz="1100" dirty="0">
-                <a:latin typeface="Calibri"/>
-                <a:cs typeface="Calibri"/>
-              </a:rPr>
-              <a:t>=</a:t>
-            </a:r>
-            <a:r>
-              <a:rPr sz="1100" spc="335" dirty="0">
-                <a:latin typeface="Calibri"/>
-                <a:cs typeface="Calibri"/>
-              </a:rPr>
-              <a:t> </a:t>
-            </a:r>
-            <a:r>
-              <a:rPr sz="1100" spc="120" dirty="0">
-                <a:latin typeface="Calibri"/>
-                <a:cs typeface="Calibri"/>
-              </a:rPr>
-              <a:t>File::open("filename.txt")?; </a:t>
-            </a:r>
-            <a:r>
-              <a:rPr sz="1100" spc="180" dirty="0">
-                <a:latin typeface="Calibri"/>
-                <a:cs typeface="Calibri"/>
-              </a:rPr>
-              <a:t>let</a:t>
-            </a:r>
-            <a:r>
-              <a:rPr sz="1100" spc="340" dirty="0">
-                <a:latin typeface="Calibri"/>
-                <a:cs typeface="Calibri"/>
-              </a:rPr>
-              <a:t> </a:t>
-            </a:r>
-            <a:r>
-              <a:rPr sz="1100" spc="70" dirty="0">
-                <a:latin typeface="Calibri"/>
-                <a:cs typeface="Calibri"/>
-              </a:rPr>
-              <a:t>reader</a:t>
-            </a:r>
-            <a:r>
-              <a:rPr sz="1100" spc="345" dirty="0">
-                <a:latin typeface="Calibri"/>
-                <a:cs typeface="Calibri"/>
-              </a:rPr>
-              <a:t> </a:t>
-            </a:r>
-            <a:r>
-              <a:rPr sz="1100" dirty="0">
-                <a:latin typeface="Calibri"/>
-                <a:cs typeface="Calibri"/>
-              </a:rPr>
-              <a:t>=</a:t>
-            </a:r>
-            <a:r>
-              <a:rPr sz="1100" spc="340" dirty="0">
-                <a:latin typeface="Calibri"/>
-                <a:cs typeface="Calibri"/>
-              </a:rPr>
-              <a:t> </a:t>
-            </a:r>
-            <a:r>
-              <a:rPr sz="1100" spc="100" dirty="0">
-                <a:latin typeface="Calibri"/>
-                <a:cs typeface="Calibri"/>
-              </a:rPr>
-              <a:t>BufReader::new(file);</a:t>
-            </a:r>
-            <a:endParaRPr sz="1100">
-              <a:latin typeface="Calibri"/>
-              <a:cs typeface="Calibri"/>
-            </a:endParaRPr>
-          </a:p>
-          <a:p>
-            <a:pPr marL="12700" marR="1816100">
-              <a:lnSpc>
-                <a:spcPct val="102600"/>
-              </a:lnSpc>
-            </a:pPr>
-            <a:r>
-              <a:rPr sz="1100" spc="135" dirty="0">
-                <a:latin typeface="Calibri"/>
-                <a:cs typeface="Calibri"/>
-              </a:rPr>
-              <a:t>for</a:t>
-            </a:r>
-            <a:r>
-              <a:rPr sz="1100" spc="330" dirty="0">
-                <a:latin typeface="Calibri"/>
-                <a:cs typeface="Calibri"/>
-              </a:rPr>
-              <a:t> </a:t>
-            </a:r>
-            <a:r>
-              <a:rPr sz="1100" spc="160" dirty="0">
-                <a:latin typeface="Calibri"/>
-                <a:cs typeface="Calibri"/>
-              </a:rPr>
-              <a:t>line</a:t>
-            </a:r>
-            <a:r>
-              <a:rPr sz="1100" spc="330" dirty="0">
-                <a:latin typeface="Calibri"/>
-                <a:cs typeface="Calibri"/>
-              </a:rPr>
-              <a:t> </a:t>
-            </a:r>
-            <a:r>
-              <a:rPr sz="1100" spc="155" dirty="0">
-                <a:latin typeface="Calibri"/>
-                <a:cs typeface="Calibri"/>
-              </a:rPr>
-              <a:t>in</a:t>
-            </a:r>
-            <a:r>
-              <a:rPr sz="1100" spc="330" dirty="0">
-                <a:latin typeface="Calibri"/>
-                <a:cs typeface="Calibri"/>
-              </a:rPr>
-              <a:t> </a:t>
-            </a:r>
-            <a:r>
-              <a:rPr sz="1100" spc="145" dirty="0">
-                <a:latin typeface="Calibri"/>
-                <a:cs typeface="Calibri"/>
-              </a:rPr>
-              <a:t>reader.lines()</a:t>
-            </a:r>
-            <a:r>
-              <a:rPr sz="1100" spc="335" dirty="0">
-                <a:latin typeface="Calibri"/>
-                <a:cs typeface="Calibri"/>
-              </a:rPr>
-              <a:t> </a:t>
-            </a:r>
-            <a:r>
-              <a:rPr sz="1100" spc="170" dirty="0">
-                <a:latin typeface="Calibri"/>
-                <a:cs typeface="Calibri"/>
-              </a:rPr>
-              <a:t>{ </a:t>
-            </a:r>
-            <a:r>
-              <a:rPr sz="1100" spc="165" dirty="0">
-                <a:latin typeface="Calibri"/>
-                <a:cs typeface="Calibri"/>
-              </a:rPr>
-              <a:t>println!("",</a:t>
-            </a:r>
-            <a:r>
-              <a:rPr sz="1100" spc="370" dirty="0">
-                <a:latin typeface="Calibri"/>
-                <a:cs typeface="Calibri"/>
-              </a:rPr>
-              <a:t> </a:t>
-            </a:r>
-            <a:r>
-              <a:rPr sz="1100" spc="160" dirty="0">
-                <a:latin typeface="Calibri"/>
-                <a:cs typeface="Calibri"/>
-              </a:rPr>
-              <a:t>line?);</a:t>
-            </a:r>
-            <a:endParaRPr sz="1100">
-              <a:latin typeface="Calibri"/>
-              <a:cs typeface="Calibri"/>
-            </a:endParaRPr>
-          </a:p>
-          <a:p>
-            <a:pPr marL="12700">
-              <a:lnSpc>
-                <a:spcPct val="100000"/>
-              </a:lnSpc>
-              <a:spcBef>
-                <a:spcPts val="35"/>
-              </a:spcBef>
-            </a:pPr>
-            <a:r>
-              <a:rPr sz="1100" spc="170" dirty="0">
-                <a:latin typeface="Calibri"/>
-                <a:cs typeface="Calibri"/>
-              </a:rPr>
-              <a:t>}</a:t>
-            </a:r>
-            <a:endParaRPr sz="1100">
-              <a:latin typeface="Calibri"/>
-              <a:cs typeface="Calibri"/>
-            </a:endParaRPr>
-          </a:p>
         </p:txBody>
       </p:sp>
+      <p:pic>
+        <p:nvPicPr>
+          <p:cNvPr id="5" name="Picture 4">
+            <a:extLst>
+              <a:ext uri="{FF2B5EF4-FFF2-40B4-BE49-F238E27FC236}">
+                <a16:creationId xmlns:a16="http://schemas.microsoft.com/office/drawing/2014/main" id="{8FBAC47A-0002-40EF-BC7B-03BD16AB5E45}"/>
+              </a:ext>
+            </a:extLst>
+          </p:cNvPr>
+          <p:cNvPicPr>
+            <a:picLocks noChangeAspect="1"/>
+          </p:cNvPicPr>
+          <p:nvPr/>
+        </p:nvPicPr>
+        <p:blipFill>
+          <a:blip r:embed="rId2"/>
+          <a:stretch>
+            <a:fillRect/>
+          </a:stretch>
+        </p:blipFill>
+        <p:spPr>
+          <a:xfrm>
+            <a:off x="476250" y="1425575"/>
+            <a:ext cx="3829050" cy="1604610"/>
+          </a:xfrm>
+          <a:prstGeom prst="rect">
+            <a:avLst/>
+          </a:prstGeom>
+        </p:spPr>
+      </p:pic>
     </p:spTree>
   </p:cSld>
   <p:clrMapOvr>
@@ -11907,7 +10604,7 @@
         <p:spPr>
           <a:xfrm>
             <a:off x="321894" y="1060968"/>
-            <a:ext cx="3785870" cy="1381760"/>
+            <a:ext cx="3785870" cy="832022"/>
           </a:xfrm>
           <a:prstGeom prst="rect">
             <a:avLst/>
@@ -12068,7 +10765,7 @@
               </a:rPr>
               <a:t>lệ.</a:t>
             </a:r>
-            <a:endParaRPr sz="1100">
+            <a:endParaRPr sz="1100" dirty="0">
               <a:latin typeface="Tahoma"/>
               <a:cs typeface="Tahoma"/>
             </a:endParaRPr>
@@ -12237,7 +10934,7 @@
               </a:rPr>
               <a:t>liệu.</a:t>
             </a:r>
-            <a:endParaRPr sz="1100">
+            <a:endParaRPr sz="1100" dirty="0">
               <a:latin typeface="Tahoma"/>
               <a:cs typeface="Tahoma"/>
             </a:endParaRPr>
@@ -12271,11 +10968,46 @@
               <a:t> </a:t>
             </a:r>
             <a:r>
+              <a:rPr sz="1100" spc="-35" dirty="0" err="1">
+                <a:latin typeface="Tahoma"/>
+                <a:cs typeface="Tahoma"/>
+              </a:rPr>
+              <a:t>hạn</a:t>
+            </a:r>
+            <a:r>
+              <a:rPr sz="1100" spc="-40" dirty="0">
+                <a:latin typeface="Tahoma"/>
+                <a:cs typeface="Tahoma"/>
+              </a:rPr>
+              <a:t> </a:t>
+            </a:r>
+            <a:r>
+              <a:rPr sz="1100" spc="-35" dirty="0" err="1">
+                <a:latin typeface="Tahoma"/>
+                <a:cs typeface="Tahoma"/>
+              </a:rPr>
+              <a:t>chế</a:t>
+            </a:r>
+            <a:r>
               <a:rPr sz="1100" spc="-35" dirty="0">
                 <a:latin typeface="Tahoma"/>
                 <a:cs typeface="Tahoma"/>
               </a:rPr>
-              <a:t>hạn</a:t>
+              <a:t>,</a:t>
+            </a:r>
+            <a:r>
+              <a:rPr sz="1100" spc="-45" dirty="0">
+                <a:latin typeface="Tahoma"/>
+                <a:cs typeface="Tahoma"/>
+              </a:rPr>
+              <a:t> </a:t>
+            </a:r>
+            <a:r>
+              <a:rPr sz="1100" dirty="0">
+                <a:latin typeface="Tahoma"/>
+                <a:cs typeface="Tahoma"/>
+              </a:rPr>
+              <a:t>chỉ</a:t>
             </a:r>
             <a:r>
               <a:rPr sz="1100" spc="-40" dirty="0">
@@ -12285,94 +11017,73 @@
               <a:t> </a:t>
             </a:r>
             <a:r>
+              <a:rPr sz="1100" spc="-45" dirty="0" err="1">
+                <a:latin typeface="Tahoma"/>
+                <a:cs typeface="Tahoma"/>
+              </a:rPr>
+              <a:t>dùng</a:t>
+            </a:r>
+            <a:r>
+              <a:rPr sz="1100" spc="-45" dirty="0">
+                <a:latin typeface="Tahoma"/>
+                <a:cs typeface="Tahoma"/>
+              </a:rPr>
+              <a:t> </a:t>
+            </a:r>
+            <a:r>
+              <a:rPr sz="1100" dirty="0" err="1">
+                <a:latin typeface="Tahoma"/>
+                <a:cs typeface="Tahoma"/>
+              </a:rPr>
+              <a:t>khi</a:t>
+            </a:r>
+            <a:r>
+              <a:rPr lang="en-US" sz="1100" spc="-40" dirty="0">
+                <a:latin typeface="Tahoma"/>
+                <a:cs typeface="Tahoma"/>
+              </a:rPr>
+              <a:t> </a:t>
+            </a:r>
+            <a:r>
+              <a:rPr sz="1100" dirty="0" err="1">
+                <a:latin typeface="Tahoma"/>
+                <a:cs typeface="Tahoma"/>
+              </a:rPr>
+              <a:t>thật</a:t>
+            </a:r>
+            <a:r>
+              <a:rPr sz="1100" spc="-45" dirty="0">
+                <a:latin typeface="Tahoma"/>
+                <a:cs typeface="Tahoma"/>
+              </a:rPr>
+              <a:t> </a:t>
+            </a:r>
+            <a:r>
+              <a:rPr sz="1100" spc="-50" dirty="0">
+                <a:latin typeface="Tahoma"/>
+                <a:cs typeface="Tahoma"/>
+              </a:rPr>
+              <a:t>sự</a:t>
+            </a:r>
+            <a:r>
               <a:rPr sz="1100" spc="-35" dirty="0">
                 <a:latin typeface="Tahoma"/>
                 <a:cs typeface="Tahoma"/>
               </a:rPr>
-              <a:t>chế,</a:t>
+              <a:t> </a:t>
             </a:r>
             <a:r>
               <a:rPr sz="1100" spc="-45" dirty="0">
                 <a:latin typeface="Tahoma"/>
                 <a:cs typeface="Tahoma"/>
               </a:rPr>
-              <a:t> </a:t>
+              <a:t>cần. </a:t>
             </a:r>
             <a:r>
               <a:rPr sz="1100" dirty="0">
                 <a:latin typeface="Tahoma"/>
                 <a:cs typeface="Tahoma"/>
               </a:rPr>
-              <a:t>chỉ</a:t>
-            </a:r>
-            <a:r>
-              <a:rPr sz="1100" spc="-40" dirty="0">
-                <a:latin typeface="Tahoma"/>
-                <a:cs typeface="Tahoma"/>
-              </a:rPr>
-              <a:t> </a:t>
-            </a:r>
-            <a:r>
-              <a:rPr sz="1100" spc="-45" dirty="0">
-                <a:latin typeface="Tahoma"/>
-                <a:cs typeface="Tahoma"/>
-              </a:rPr>
-              <a:t>dùng </a:t>
-            </a:r>
-            <a:r>
-              <a:rPr sz="1100" dirty="0">
-                <a:latin typeface="Tahoma"/>
-                <a:cs typeface="Tahoma"/>
-              </a:rPr>
-              <a:t>khi</a:t>
-            </a:r>
-            <a:r>
-              <a:rPr sz="1100" spc="-40" dirty="0">
-                <a:latin typeface="Tahoma"/>
-                <a:cs typeface="Tahoma"/>
-              </a:rPr>
-              <a:t> </a:t>
-            </a:r>
-            <a:r>
-              <a:rPr sz="1100" dirty="0">
-                <a:latin typeface="Tahoma"/>
-                <a:cs typeface="Tahoma"/>
-              </a:rPr>
-              <a:t>thật</a:t>
-            </a:r>
-            <a:r>
-              <a:rPr sz="1100" spc="-45" dirty="0">
-                <a:latin typeface="Tahoma"/>
-                <a:cs typeface="Tahoma"/>
-              </a:rPr>
-              <a:t> </a:t>
-            </a:r>
-            <a:r>
-              <a:rPr sz="1100" spc="-50" dirty="0">
-                <a:latin typeface="Tahoma"/>
-                <a:cs typeface="Tahoma"/>
-              </a:rPr>
-              <a:t>sự</a:t>
-            </a:r>
-            <a:r>
-              <a:rPr sz="1100" spc="-35" dirty="0">
-                <a:latin typeface="Tahoma"/>
-                <a:cs typeface="Tahoma"/>
-              </a:rPr>
-              <a:t> </a:t>
-            </a:r>
-            <a:r>
-              <a:rPr sz="1100" spc="-45" dirty="0">
-                <a:latin typeface="Tahoma"/>
-                <a:cs typeface="Tahoma"/>
-              </a:rPr>
-              <a:t>cần. </a:t>
-            </a:r>
-            <a:r>
-              <a:rPr sz="1100" dirty="0">
-                <a:latin typeface="Tahoma"/>
-                <a:cs typeface="Tahoma"/>
-              </a:rPr>
               <a:t>Ví</a:t>
             </a:r>
             <a:r>
@@ -12383,352 +11094,56 @@
               <a:t> </a:t>
             </a:r>
             <a:r>
+              <a:rPr sz="1100" spc="-25" dirty="0" err="1">
+                <a:latin typeface="Tahoma"/>
+                <a:cs typeface="Tahoma"/>
+              </a:rPr>
+              <a:t>dụ</a:t>
+            </a:r>
+            <a:r>
               <a:rPr sz="1100" spc="-25" dirty="0">
                 <a:latin typeface="Tahoma"/>
                 <a:cs typeface="Tahoma"/>
               </a:rPr>
-              <a:t>dụ:</a:t>
-            </a:r>
-            <a:endParaRPr sz="1100">
+              <a:t>:</a:t>
+            </a:r>
+            <a:endParaRPr sz="1100" dirty="0">
               <a:latin typeface="Tahoma"/>
               <a:cs typeface="Tahoma"/>
             </a:endParaRPr>
           </a:p>
-          <a:p>
-            <a:pPr marL="38100" marR="30480">
-              <a:lnSpc>
-                <a:spcPct val="102600"/>
-              </a:lnSpc>
-            </a:pPr>
-            <a:r>
-              <a:rPr sz="1100" spc="110" dirty="0">
-                <a:latin typeface="Calibri"/>
-                <a:cs typeface="Calibri"/>
-              </a:rPr>
-              <a:t>fn</a:t>
-            </a:r>
-            <a:r>
-              <a:rPr sz="1100" spc="335" dirty="0">
-                <a:latin typeface="Calibri"/>
-                <a:cs typeface="Calibri"/>
-              </a:rPr>
-              <a:t> </a:t>
-            </a:r>
-            <a:r>
-              <a:rPr sz="1100" spc="120" dirty="0">
-                <a:latin typeface="Calibri"/>
-                <a:cs typeface="Calibri"/>
-              </a:rPr>
-              <a:t>longest&lt;'a&gt;(x:</a:t>
-            </a:r>
-            <a:r>
-              <a:rPr sz="1100" spc="335" dirty="0">
-                <a:latin typeface="Calibri"/>
-                <a:cs typeface="Calibri"/>
-              </a:rPr>
-              <a:t> </a:t>
-            </a:r>
-            <a:r>
-              <a:rPr sz="1100" spc="65" dirty="0">
-                <a:latin typeface="Calibri"/>
-                <a:cs typeface="Calibri"/>
-              </a:rPr>
-              <a:t>&amp;'a</a:t>
-            </a:r>
-            <a:r>
-              <a:rPr sz="1100" spc="335" dirty="0">
-                <a:latin typeface="Calibri"/>
-                <a:cs typeface="Calibri"/>
-              </a:rPr>
-              <a:t> </a:t>
-            </a:r>
-            <a:r>
-              <a:rPr sz="1100" spc="204" dirty="0">
-                <a:latin typeface="Calibri"/>
-                <a:cs typeface="Calibri"/>
-              </a:rPr>
-              <a:t>str,</a:t>
-            </a:r>
-            <a:r>
-              <a:rPr sz="1100" spc="335" dirty="0">
-                <a:latin typeface="Calibri"/>
-                <a:cs typeface="Calibri"/>
-              </a:rPr>
-              <a:t> </a:t>
-            </a:r>
-            <a:r>
-              <a:rPr sz="1100" spc="170" dirty="0">
-                <a:latin typeface="Calibri"/>
-                <a:cs typeface="Calibri"/>
-              </a:rPr>
-              <a:t>y:</a:t>
-            </a:r>
-            <a:r>
-              <a:rPr sz="1100" spc="335" dirty="0">
-                <a:latin typeface="Calibri"/>
-                <a:cs typeface="Calibri"/>
-              </a:rPr>
-              <a:t> </a:t>
-            </a:r>
-            <a:r>
-              <a:rPr sz="1100" spc="65" dirty="0">
-                <a:latin typeface="Calibri"/>
-                <a:cs typeface="Calibri"/>
-              </a:rPr>
-              <a:t>&amp;'a</a:t>
-            </a:r>
-            <a:r>
-              <a:rPr sz="1100" spc="335" dirty="0">
-                <a:latin typeface="Calibri"/>
-                <a:cs typeface="Calibri"/>
-              </a:rPr>
-              <a:t> </a:t>
-            </a:r>
-            <a:r>
-              <a:rPr sz="1100" spc="190" dirty="0">
-                <a:latin typeface="Calibri"/>
-                <a:cs typeface="Calibri"/>
-              </a:rPr>
-              <a:t>str)</a:t>
-            </a:r>
-            <a:r>
-              <a:rPr sz="1100" spc="335" dirty="0">
-                <a:latin typeface="Calibri"/>
-                <a:cs typeface="Calibri"/>
-              </a:rPr>
-              <a:t> </a:t>
-            </a:r>
-            <a:r>
-              <a:rPr sz="1100" spc="95" dirty="0">
-                <a:latin typeface="Calibri"/>
-                <a:cs typeface="Calibri"/>
-              </a:rPr>
-              <a:t>-</a:t>
-            </a:r>
-            <a:r>
-              <a:rPr sz="1100" spc="155" dirty="0">
-                <a:latin typeface="Calibri"/>
-                <a:cs typeface="Calibri"/>
-              </a:rPr>
-              <a:t>&gt;</a:t>
-            </a:r>
-            <a:r>
-              <a:rPr sz="1100" spc="335" dirty="0">
-                <a:latin typeface="Calibri"/>
-                <a:cs typeface="Calibri"/>
-              </a:rPr>
-              <a:t> </a:t>
-            </a:r>
-            <a:r>
-              <a:rPr sz="1100" spc="65" dirty="0">
-                <a:latin typeface="Calibri"/>
-                <a:cs typeface="Calibri"/>
-              </a:rPr>
-              <a:t>&amp;'a</a:t>
-            </a:r>
-            <a:r>
-              <a:rPr sz="1100" spc="340" dirty="0">
-                <a:latin typeface="Calibri"/>
-                <a:cs typeface="Calibri"/>
-              </a:rPr>
-              <a:t> </a:t>
-            </a:r>
-            <a:r>
-              <a:rPr sz="1100" spc="180" dirty="0">
-                <a:latin typeface="Calibri"/>
-                <a:cs typeface="Calibri"/>
-              </a:rPr>
-              <a:t>str</a:t>
-            </a:r>
-            <a:r>
-              <a:rPr sz="1100" spc="335" dirty="0">
-                <a:latin typeface="Calibri"/>
-                <a:cs typeface="Calibri"/>
-              </a:rPr>
-              <a:t> </a:t>
-            </a:r>
-            <a:r>
-              <a:rPr sz="1100" spc="105" dirty="0">
-                <a:latin typeface="Calibri"/>
-                <a:cs typeface="Calibri"/>
-              </a:rPr>
-              <a:t>{ </a:t>
-            </a:r>
-            <a:r>
-              <a:rPr sz="1100" spc="275" dirty="0">
-                <a:latin typeface="Calibri"/>
-                <a:cs typeface="Calibri"/>
-              </a:rPr>
-              <a:t>if</a:t>
-            </a:r>
-            <a:r>
-              <a:rPr sz="1100" spc="330" dirty="0">
-                <a:latin typeface="Calibri"/>
-                <a:cs typeface="Calibri"/>
-              </a:rPr>
-              <a:t> </a:t>
-            </a:r>
-            <a:r>
-              <a:rPr sz="1100" spc="170" dirty="0">
-                <a:latin typeface="Calibri"/>
-                <a:cs typeface="Calibri"/>
-              </a:rPr>
-              <a:t>x.len()</a:t>
-            </a:r>
-            <a:r>
-              <a:rPr sz="1100" spc="330" dirty="0">
-                <a:latin typeface="Calibri"/>
-                <a:cs typeface="Calibri"/>
-              </a:rPr>
-              <a:t> </a:t>
-            </a:r>
-            <a:r>
-              <a:rPr sz="1100" dirty="0">
-                <a:latin typeface="Calibri"/>
-                <a:cs typeface="Calibri"/>
-              </a:rPr>
-              <a:t>&gt;</a:t>
-            </a:r>
-            <a:r>
-              <a:rPr sz="1100" spc="330" dirty="0">
-                <a:latin typeface="Calibri"/>
-                <a:cs typeface="Calibri"/>
-              </a:rPr>
-              <a:t> </a:t>
-            </a:r>
-            <a:r>
-              <a:rPr sz="1100" spc="165" dirty="0">
-                <a:latin typeface="Calibri"/>
-                <a:cs typeface="Calibri"/>
-              </a:rPr>
-              <a:t>y.len()</a:t>
-            </a:r>
-            <a:r>
-              <a:rPr sz="1100" spc="330" dirty="0">
-                <a:latin typeface="Calibri"/>
-                <a:cs typeface="Calibri"/>
-              </a:rPr>
-              <a:t> </a:t>
-            </a:r>
-            <a:r>
-              <a:rPr sz="1100" spc="220" dirty="0">
-                <a:latin typeface="Calibri"/>
-                <a:cs typeface="Calibri"/>
-              </a:rPr>
-              <a:t>{</a:t>
-            </a:r>
-            <a:r>
-              <a:rPr sz="1100" spc="330" dirty="0">
-                <a:latin typeface="Calibri"/>
-                <a:cs typeface="Calibri"/>
-              </a:rPr>
-              <a:t> </a:t>
-            </a:r>
-            <a:r>
-              <a:rPr sz="1100" spc="95" dirty="0">
-                <a:latin typeface="Calibri"/>
-                <a:cs typeface="Calibri"/>
-              </a:rPr>
-              <a:t>x</a:t>
-            </a:r>
-            <a:r>
-              <a:rPr sz="1100" spc="330" dirty="0">
-                <a:latin typeface="Calibri"/>
-                <a:cs typeface="Calibri"/>
-              </a:rPr>
-              <a:t> </a:t>
-            </a:r>
-            <a:r>
-              <a:rPr sz="1100" spc="220" dirty="0">
-                <a:latin typeface="Calibri"/>
-                <a:cs typeface="Calibri"/>
-              </a:rPr>
-              <a:t>}</a:t>
-            </a:r>
-            <a:r>
-              <a:rPr sz="1100" spc="335" dirty="0">
-                <a:latin typeface="Calibri"/>
-                <a:cs typeface="Calibri"/>
-              </a:rPr>
-              <a:t> </a:t>
-            </a:r>
-            <a:r>
-              <a:rPr sz="1100" spc="125" dirty="0">
-                <a:latin typeface="Calibri"/>
-                <a:cs typeface="Calibri"/>
-              </a:rPr>
-              <a:t>else</a:t>
-            </a:r>
-            <a:r>
-              <a:rPr sz="1100" spc="330" dirty="0">
-                <a:latin typeface="Calibri"/>
-                <a:cs typeface="Calibri"/>
-              </a:rPr>
-              <a:t> </a:t>
-            </a:r>
-            <a:r>
-              <a:rPr sz="1100" spc="220" dirty="0">
-                <a:latin typeface="Calibri"/>
-                <a:cs typeface="Calibri"/>
-              </a:rPr>
-              <a:t>{</a:t>
-            </a:r>
-            <a:r>
-              <a:rPr sz="1100" spc="330" dirty="0">
-                <a:latin typeface="Calibri"/>
-                <a:cs typeface="Calibri"/>
-              </a:rPr>
-              <a:t> </a:t>
-            </a:r>
-            <a:r>
-              <a:rPr sz="1100" spc="70" dirty="0">
-                <a:latin typeface="Calibri"/>
-                <a:cs typeface="Calibri"/>
-              </a:rPr>
-              <a:t>y</a:t>
-            </a:r>
-            <a:r>
-              <a:rPr sz="1100" spc="330" dirty="0">
-                <a:latin typeface="Calibri"/>
-                <a:cs typeface="Calibri"/>
-              </a:rPr>
-              <a:t> </a:t>
-            </a:r>
-            <a:r>
-              <a:rPr sz="1100" spc="170" dirty="0">
-                <a:latin typeface="Calibri"/>
-                <a:cs typeface="Calibri"/>
-              </a:rPr>
-              <a:t>}</a:t>
-            </a:r>
-            <a:endParaRPr sz="1100">
-              <a:latin typeface="Calibri"/>
-              <a:cs typeface="Calibri"/>
-            </a:endParaRPr>
-          </a:p>
-          <a:p>
-            <a:pPr marL="38100">
-              <a:lnSpc>
-                <a:spcPct val="100000"/>
-              </a:lnSpc>
-              <a:spcBef>
-                <a:spcPts val="35"/>
-              </a:spcBef>
-            </a:pPr>
-            <a:r>
-              <a:rPr sz="1100" spc="170" dirty="0">
-                <a:latin typeface="Calibri"/>
-                <a:cs typeface="Calibri"/>
-              </a:rPr>
-              <a:t>}</a:t>
-            </a:r>
-            <a:endParaRPr sz="1100">
-              <a:latin typeface="Calibri"/>
-              <a:cs typeface="Calibri"/>
-            </a:endParaRPr>
-          </a:p>
         </p:txBody>
       </p:sp>
+      <p:pic>
+        <p:nvPicPr>
+          <p:cNvPr id="5" name="Picture 4">
+            <a:extLst>
+              <a:ext uri="{FF2B5EF4-FFF2-40B4-BE49-F238E27FC236}">
+                <a16:creationId xmlns:a16="http://schemas.microsoft.com/office/drawing/2014/main" id="{A05DB15D-F982-45B7-83FF-02F37C7BD790}"/>
+              </a:ext>
+            </a:extLst>
+          </p:cNvPr>
+          <p:cNvPicPr>
+            <a:picLocks noChangeAspect="1"/>
+          </p:cNvPicPr>
+          <p:nvPr/>
+        </p:nvPicPr>
+        <p:blipFill>
+          <a:blip r:embed="rId2"/>
+          <a:stretch>
+            <a:fillRect/>
+          </a:stretch>
+        </p:blipFill>
+        <p:spPr>
+          <a:xfrm>
+            <a:off x="400050" y="1958975"/>
+            <a:ext cx="3981450" cy="498291"/>
+          </a:xfrm>
+          <a:prstGeom prst="rect">
+            <a:avLst/>
+          </a:prstGeom>
+        </p:spPr>
+      </p:pic>
     </p:spTree>
   </p:cSld>
   <p:clrMapOvr>
@@ -12881,7 +11296,7 @@
         </p:nvSpPr>
         <p:spPr>
           <a:xfrm>
-            <a:off x="347294" y="1467636"/>
+            <a:off x="171450" y="739775"/>
             <a:ext cx="1211580" cy="535940"/>
           </a:xfrm>
           <a:prstGeom prst="rect">
@@ -12935,7 +11350,7 @@
               </a:rPr>
               <a:t>1</a:t>
             </a:r>
-            <a:endParaRPr sz="1100">
+            <a:endParaRPr sz="1100" dirty="0">
               <a:latin typeface="Tahoma"/>
               <a:cs typeface="Tahoma"/>
             </a:endParaRPr>
@@ -13017,13 +11432,43 @@
               </a:rPr>
               <a:t>Attacks</a:t>
             </a:r>
-            <a:endParaRPr sz="1100">
+            <a:endParaRPr sz="1100" dirty="0">
               <a:latin typeface="Tahoma"/>
               <a:cs typeface="Tahoma"/>
             </a:endParaRPr>
           </a:p>
         </p:txBody>
       </p:sp>
+      <p:pic>
+        <p:nvPicPr>
+          <p:cNvPr id="5" name="Picture 4">
+            <a:extLst>
+              <a:ext uri="{FF2B5EF4-FFF2-40B4-BE49-F238E27FC236}">
+                <a16:creationId xmlns:a16="http://schemas.microsoft.com/office/drawing/2014/main" id="{7C27B90A-8811-4E3B-B8EC-B9CAC9E7DC29}"/>
+              </a:ext>
+            </a:extLst>
+          </p:cNvPr>
+          <p:cNvPicPr>
+            <a:picLocks noChangeAspect="1"/>
+          </p:cNvPicPr>
+          <p:nvPr/>
+        </p:nvPicPr>
+        <p:blipFill>
+          <a:blip r:embed="rId4"/>
+          <a:stretch>
+            <a:fillRect/>
+          </a:stretch>
+        </p:blipFill>
+        <p:spPr>
+          <a:xfrm>
+            <a:off x="1383030" y="1425575"/>
+            <a:ext cx="3211507" cy="1795463"/>
+          </a:xfrm>
+          <a:prstGeom prst="rect">
+            <a:avLst/>
+          </a:prstGeom>
+        </p:spPr>
+      </p:pic>
     </p:spTree>
   </p:cSld>
   <p:clrMapOvr>
@@ -13036,6 +11481,331 @@
 </file>
 
 <file path=ppt/slides/slide20.xml><?xml version="1.0" encoding="utf-8"?>
+<p:sld xmlns:a="http://schemas.openxmlformats.org/drawingml/2006/main" xmlns:r="http://schemas.openxmlformats.org/officeDocument/2006/relationships" xmlns:p="http://schemas.openxmlformats.org/presentationml/2006/main">
+  <p:cSld>
+    <p:spTree>
+      <p:nvGrpSpPr>
+        <p:cNvPr id="1" name=""/>
+        <p:cNvGrpSpPr/>
+        <p:nvPr/>
+      </p:nvGrpSpPr>
+      <p:grpSpPr>
+        <a:xfrm>
+          <a:off x="0" y="0"/>
+          <a:ext cx="0" cy="0"/>
+          <a:chOff x="0" y="0"/>
+          <a:chExt cx="0" cy="0"/>
+        </a:xfrm>
+      </p:grpSpPr>
+      <p:sp>
+        <p:nvSpPr>
+          <p:cNvPr id="2" name="object 2"/>
+          <p:cNvSpPr txBox="1">
+            <a:spLocks noGrp="1"/>
+          </p:cNvSpPr>
+          <p:nvPr>
+            <p:ph type="title"/>
+          </p:nvPr>
+        </p:nvSpPr>
+        <p:spPr>
+          <a:xfrm>
+            <a:off x="95300" y="59954"/>
+            <a:ext cx="1937385" cy="244475"/>
+          </a:xfrm>
+          <a:prstGeom prst="rect">
+            <a:avLst/>
+          </a:prstGeom>
+        </p:spPr>
+        <p:txBody>
+          <a:bodyPr vert="horz" wrap="square" lIns="0" tIns="17145" rIns="0" bIns="0" rtlCol="0">
+            <a:spAutoFit/>
+          </a:bodyPr>
+          <a:lstStyle/>
+          <a:p>
+            <a:pPr marL="12700">
+              <a:lnSpc>
+                <a:spcPct val="100000"/>
+              </a:lnSpc>
+              <a:spcBef>
+                <a:spcPts val="135"/>
+              </a:spcBef>
+            </a:pPr>
+            <a:r>
+              <a:rPr spc="-30" dirty="0"/>
+              <a:t>1.2.5</a:t>
+            </a:r>
+            <a:r>
+              <a:rPr spc="-65" dirty="0"/>
+              <a:t> </a:t>
+            </a:r>
+            <a:r>
+              <a:rPr spc="-20" dirty="0"/>
+              <a:t>Lifetime</a:t>
+            </a:r>
+            <a:r>
+              <a:rPr spc="-65" dirty="0"/>
+              <a:t> </a:t>
+            </a:r>
+            <a:r>
+              <a:rPr spc="-10" dirty="0"/>
+              <a:t>Annotation</a:t>
+            </a:r>
+          </a:p>
+        </p:txBody>
+      </p:sp>
+      <p:sp>
+        <p:nvSpPr>
+          <p:cNvPr id="3" name="object 3"/>
+          <p:cNvSpPr txBox="1"/>
+          <p:nvPr/>
+        </p:nvSpPr>
+        <p:spPr>
+          <a:xfrm>
+            <a:off x="-52848" y="446011"/>
+            <a:ext cx="2362200" cy="2020424"/>
+          </a:xfrm>
+          <a:prstGeom prst="rect">
+            <a:avLst/>
+          </a:prstGeom>
+        </p:spPr>
+        <p:txBody>
+          <a:bodyPr vert="horz" wrap="square" lIns="0" tIns="55244" rIns="0" bIns="0" rtlCol="0">
+            <a:spAutoFit/>
+          </a:bodyPr>
+          <a:lstStyle/>
+          <a:p>
+            <a:pPr marL="314960" indent="-177165">
+              <a:lnSpc>
+                <a:spcPct val="100000"/>
+              </a:lnSpc>
+              <a:spcBef>
+                <a:spcPts val="434"/>
+              </a:spcBef>
+              <a:buClr>
+                <a:srgbClr val="FF0000"/>
+              </a:buClr>
+              <a:buFont typeface="Lucida Sans Unicode"/>
+              <a:buChar char="►"/>
+              <a:tabLst>
+                <a:tab pos="314960" algn="l"/>
+              </a:tabLst>
+            </a:pPr>
+            <a:r>
+              <a:rPr lang="en-US" sz="1100" dirty="0"/>
+              <a:t>L</a:t>
+            </a:r>
+            <a:r>
+              <a:rPr lang="vi-VN" sz="1100" dirty="0"/>
+              <a:t>ifetime annotation đảm bảo rằng các tham chiếu không tồn tại lâu hơn dữ liệu mà chúng trỏ đến, từ đó ngăn chặn các tham chiếu lơ lửng.</a:t>
+            </a:r>
+            <a:endParaRPr lang="en-US" sz="1100" dirty="0"/>
+          </a:p>
+          <a:p>
+            <a:pPr marL="314960" indent="-177165">
+              <a:lnSpc>
+                <a:spcPct val="100000"/>
+              </a:lnSpc>
+              <a:spcBef>
+                <a:spcPts val="434"/>
+              </a:spcBef>
+              <a:buClr>
+                <a:srgbClr val="FF0000"/>
+              </a:buClr>
+              <a:buFont typeface="Lucida Sans Unicode"/>
+              <a:buChar char="►"/>
+              <a:tabLst>
+                <a:tab pos="314960" algn="l"/>
+              </a:tabLst>
+            </a:pPr>
+            <a:r>
+              <a:rPr lang="en-US" sz="1100" dirty="0"/>
+              <a:t>S</a:t>
+            </a:r>
+            <a:r>
+              <a:rPr lang="vi-VN" sz="1100" dirty="0"/>
+              <a:t>ử dụng quá nhiều lifetime annotation có thể làm cho mã nguồn trở nên phức tạp và khó đọc hơn</a:t>
+            </a:r>
+            <a:endParaRPr lang="en-US" sz="1100" dirty="0"/>
+          </a:p>
+          <a:p>
+            <a:pPr marL="314960" indent="-177165">
+              <a:lnSpc>
+                <a:spcPct val="100000"/>
+              </a:lnSpc>
+              <a:spcBef>
+                <a:spcPts val="434"/>
+              </a:spcBef>
+              <a:buClr>
+                <a:srgbClr val="FF0000"/>
+              </a:buClr>
+              <a:buFont typeface="Lucida Sans Unicode"/>
+              <a:buChar char="►"/>
+              <a:tabLst>
+                <a:tab pos="314960" algn="l"/>
+              </a:tabLst>
+            </a:pPr>
+            <a:r>
+              <a:rPr lang="en-US" sz="1100" dirty="0"/>
+              <a:t>T</a:t>
+            </a:r>
+            <a:r>
+              <a:rPr lang="vi-VN" sz="1100" dirty="0"/>
+              <a:t>rình biên dịch có thể tự động suy ra lifetime</a:t>
+            </a:r>
+            <a:r>
+              <a:rPr lang="en-US" sz="1100" dirty="0"/>
+              <a:t>.</a:t>
+            </a:r>
+          </a:p>
+        </p:txBody>
+      </p:sp>
+      <p:pic>
+        <p:nvPicPr>
+          <p:cNvPr id="4" name="Picture 3">
+            <a:extLst>
+              <a:ext uri="{FF2B5EF4-FFF2-40B4-BE49-F238E27FC236}">
+                <a16:creationId xmlns:a16="http://schemas.microsoft.com/office/drawing/2014/main" id="{A6E776A0-9846-45CC-B39C-73481FAF048F}"/>
+              </a:ext>
+            </a:extLst>
+          </p:cNvPr>
+          <p:cNvPicPr>
+            <a:picLocks noChangeAspect="1"/>
+          </p:cNvPicPr>
+          <p:nvPr/>
+        </p:nvPicPr>
+        <p:blipFill>
+          <a:blip r:embed="rId2"/>
+          <a:stretch>
+            <a:fillRect/>
+          </a:stretch>
+        </p:blipFill>
+        <p:spPr>
+          <a:xfrm>
+            <a:off x="2381250" y="587375"/>
+            <a:ext cx="2167467" cy="1219200"/>
+          </a:xfrm>
+          <a:prstGeom prst="rect">
+            <a:avLst/>
+          </a:prstGeom>
+        </p:spPr>
+      </p:pic>
+      <p:sp>
+        <p:nvSpPr>
+          <p:cNvPr id="6" name="TextBox 5">
+            <a:extLst>
+              <a:ext uri="{FF2B5EF4-FFF2-40B4-BE49-F238E27FC236}">
+                <a16:creationId xmlns:a16="http://schemas.microsoft.com/office/drawing/2014/main" id="{6A047DD1-19D8-4E5C-A705-EE430A14F218}"/>
+              </a:ext>
+            </a:extLst>
+          </p:cNvPr>
+          <p:cNvSpPr txBox="1"/>
+          <p:nvPr/>
+        </p:nvSpPr>
+        <p:spPr>
+          <a:xfrm>
+            <a:off x="209550" y="2644775"/>
+            <a:ext cx="4191000" cy="600164"/>
+          </a:xfrm>
+          <a:prstGeom prst="rect">
+            <a:avLst/>
+          </a:prstGeom>
+          <a:noFill/>
+          <a:ln>
+            <a:solidFill>
+              <a:schemeClr val="accent6">
+                <a:lumMod val="75000"/>
+              </a:schemeClr>
+            </a:solidFill>
+          </a:ln>
+        </p:spPr>
+        <p:txBody>
+          <a:bodyPr wrap="square" rtlCol="0">
+            <a:spAutoFit/>
+          </a:bodyPr>
+          <a:lstStyle/>
+          <a:p>
+            <a:pPr marL="137795" marR="0" lvl="0" indent="0" defTabSz="914400" eaLnBrk="1" fontAlgn="auto" latinLnBrk="0" hangingPunct="1">
+              <a:lnSpc>
+                <a:spcPct val="100000"/>
+              </a:lnSpc>
+              <a:spcBef>
+                <a:spcPts val="434"/>
+              </a:spcBef>
+              <a:spcAft>
+                <a:spcPts val="0"/>
+              </a:spcAft>
+              <a:buClr>
+                <a:srgbClr val="FF0000"/>
+              </a:buClr>
+              <a:buSzTx/>
+              <a:buFontTx/>
+              <a:buNone/>
+              <a:tabLst>
+                <a:tab pos="314960" algn="l"/>
+              </a:tabLst>
+              <a:defRPr/>
+            </a:pPr>
+            <a:r>
+              <a:rPr kumimoji="0" lang="en-US" sz="1100" b="0" i="0" u="none" strike="noStrike" kern="0" cap="none" spc="0" normalizeH="0" baseline="0" noProof="0">
+                <a:ln>
+                  <a:noFill/>
+                </a:ln>
+                <a:solidFill>
+                  <a:sysClr val="windowText" lastClr="000000"/>
+                </a:solidFill>
+                <a:effectLst/>
+                <a:uLnTx/>
+                <a:uFillTx/>
+              </a:rPr>
+              <a:t>=&gt; </a:t>
+            </a:r>
+            <a:r>
+              <a:rPr kumimoji="0" lang="vi-VN" sz="1100" b="0" i="0" u="none" strike="noStrike" kern="0" cap="none" spc="0" normalizeH="0" baseline="0" noProof="0">
+                <a:ln>
+                  <a:noFill/>
+                </a:ln>
+                <a:solidFill>
+                  <a:sysClr val="windowText" lastClr="000000"/>
+                </a:solidFill>
+                <a:effectLst/>
+                <a:uLnTx/>
+                <a:uFillTx/>
+              </a:rPr>
+              <a:t>Vì vậy, nên hạn chế sử dụng lifetime annotation và chỉ dùng khi thực sự cần thiết, chẳng hạn trong các tình huống phức tạp mà trình biên dịch không thể suy ra đúng lifetime.</a:t>
+            </a:r>
+            <a:endParaRPr kumimoji="0" lang="vi-VN" sz="1100" b="0" i="0" u="none" strike="noStrike" kern="0" cap="none" spc="0" normalizeH="0" baseline="0" noProof="0" dirty="0">
+              <a:ln>
+                <a:noFill/>
+              </a:ln>
+              <a:solidFill>
+                <a:sysClr val="windowText" lastClr="000000"/>
+              </a:solidFill>
+              <a:effectLst/>
+              <a:uLnTx/>
+              <a:uFillTx/>
+              <a:latin typeface="Tahoma"/>
+              <a:cs typeface="Tahoma"/>
+            </a:endParaRPr>
+          </a:p>
+        </p:txBody>
+      </p:sp>
+    </p:spTree>
+    <p:extLst>
+      <p:ext uri="{BB962C8B-B14F-4D97-AF65-F5344CB8AC3E}">
+        <p14:creationId xmlns:p14="http://schemas.microsoft.com/office/powerpoint/2010/main" val="679119758"/>
+      </p:ext>
+    </p:extLst>
+  </p:cSld>
+  <p:clrMapOvr>
+    <a:masterClrMapping/>
+  </p:clrMapOvr>
+  <p:transition>
+    <p:cut/>
+  </p:transition>
+</p:sld>
+</file>
+
+<file path=ppt/slides/slide21.xml><?xml version="1.0" encoding="utf-8"?>
 <p:sld xmlns:a="http://schemas.openxmlformats.org/drawingml/2006/main" xmlns:r="http://schemas.openxmlformats.org/officeDocument/2006/relationships" xmlns:p="http://schemas.openxmlformats.org/presentationml/2006/main">
   <p:cSld>
     <p:spTree>
@@ -13124,8 +11894,8 @@
         </p:nvSpPr>
         <p:spPr>
           <a:xfrm>
-            <a:off x="321894" y="999627"/>
-            <a:ext cx="3896995" cy="1516380"/>
+            <a:off x="356552" y="635897"/>
+            <a:ext cx="3896995" cy="817018"/>
           </a:xfrm>
           <a:prstGeom prst="rect">
             <a:avLst/>
@@ -13300,7 +12070,7 @@
               </a:rPr>
               <a:t>liệu.</a:t>
             </a:r>
-            <a:endParaRPr sz="1100">
+            <a:endParaRPr sz="1100" dirty="0">
               <a:latin typeface="Tahoma"/>
               <a:cs typeface="Tahoma"/>
             </a:endParaRPr>
@@ -13504,7 +12274,7 @@
               </a:rPr>
               <a:t>chiếu.</a:t>
             </a:r>
-            <a:endParaRPr sz="1100">
+            <a:endParaRPr sz="1100" dirty="0">
               <a:latin typeface="Tahoma"/>
               <a:cs typeface="Tahoma"/>
             </a:endParaRPr>
@@ -13533,255 +12303,62 @@
               <a:t> </a:t>
             </a:r>
             <a:r>
+              <a:rPr sz="1100" dirty="0" err="1">
+                <a:latin typeface="Tahoma"/>
+                <a:cs typeface="Tahoma"/>
+              </a:rPr>
+              <a:t>dụ</a:t>
+            </a:r>
+            <a:r>
               <a:rPr sz="1100" dirty="0">
                 <a:latin typeface="Tahoma"/>
                 <a:cs typeface="Tahoma"/>
               </a:rPr>
-              <a:t>dụ:</a:t>
-            </a:r>
-            <a:r>
-              <a:rPr sz="1100" spc="100" dirty="0">
-                <a:latin typeface="Tahoma"/>
-                <a:cs typeface="Tahoma"/>
-              </a:rPr>
-              <a:t> </a:t>
-            </a:r>
-            <a:r>
-              <a:rPr sz="1100" spc="50" dirty="0">
-                <a:latin typeface="Calibri"/>
-                <a:cs typeface="Calibri"/>
-              </a:rPr>
-              <a:t>use</a:t>
-            </a:r>
-            <a:r>
-              <a:rPr sz="1100" spc="275" dirty="0">
-                <a:latin typeface="Calibri"/>
-                <a:cs typeface="Calibri"/>
-              </a:rPr>
-              <a:t> </a:t>
-            </a:r>
-            <a:r>
-              <a:rPr sz="1100" spc="160" dirty="0">
-                <a:latin typeface="Calibri"/>
-                <a:cs typeface="Calibri"/>
-              </a:rPr>
-              <a:t>std::rc::Rc; </a:t>
-            </a:r>
-            <a:r>
-              <a:rPr sz="1100" spc="180" dirty="0">
-                <a:latin typeface="Calibri"/>
-                <a:cs typeface="Calibri"/>
-              </a:rPr>
-              <a:t>let</a:t>
-            </a:r>
-            <a:r>
-              <a:rPr sz="1100" spc="340" dirty="0">
-                <a:latin typeface="Calibri"/>
-                <a:cs typeface="Calibri"/>
-              </a:rPr>
-              <a:t> </a:t>
-            </a:r>
-            <a:r>
-              <a:rPr sz="1100" spc="70" dirty="0">
-                <a:latin typeface="Calibri"/>
-                <a:cs typeface="Calibri"/>
-              </a:rPr>
-              <a:t>data</a:t>
-            </a:r>
-            <a:r>
-              <a:rPr sz="1100" spc="340" dirty="0">
-                <a:latin typeface="Calibri"/>
-                <a:cs typeface="Calibri"/>
-              </a:rPr>
-              <a:t> </a:t>
-            </a:r>
-            <a:r>
-              <a:rPr sz="1100" dirty="0">
-                <a:latin typeface="Calibri"/>
-                <a:cs typeface="Calibri"/>
-              </a:rPr>
-              <a:t>=</a:t>
-            </a:r>
-            <a:r>
-              <a:rPr sz="1100" spc="340" dirty="0">
-                <a:latin typeface="Calibri"/>
-                <a:cs typeface="Calibri"/>
-              </a:rPr>
-              <a:t> </a:t>
-            </a:r>
-            <a:r>
-              <a:rPr sz="1100" spc="95" dirty="0">
-                <a:latin typeface="Calibri"/>
-                <a:cs typeface="Calibri"/>
-              </a:rPr>
-              <a:t>Rc::new(5);</a:t>
-            </a:r>
-            <a:endParaRPr sz="1100">
-              <a:latin typeface="Calibri"/>
-              <a:cs typeface="Calibri"/>
-            </a:endParaRPr>
-          </a:p>
-          <a:p>
-            <a:pPr marL="38100" marR="1668780" algn="just">
-              <a:lnSpc>
-                <a:spcPct val="102600"/>
-              </a:lnSpc>
-            </a:pPr>
-            <a:r>
-              <a:rPr sz="1100" spc="180" dirty="0">
-                <a:latin typeface="Calibri"/>
-                <a:cs typeface="Calibri"/>
-              </a:rPr>
-              <a:t>let</a:t>
-            </a:r>
-            <a:r>
-              <a:rPr sz="1100" spc="340" dirty="0">
-                <a:latin typeface="Calibri"/>
-                <a:cs typeface="Calibri"/>
-              </a:rPr>
-              <a:t> </a:t>
-            </a:r>
-            <a:r>
-              <a:rPr sz="1100" spc="70" dirty="0">
-                <a:latin typeface="Calibri"/>
-                <a:cs typeface="Calibri"/>
-              </a:rPr>
-              <a:t>clone1</a:t>
-            </a:r>
-            <a:r>
-              <a:rPr sz="1100" spc="345" dirty="0">
-                <a:latin typeface="Calibri"/>
-                <a:cs typeface="Calibri"/>
-              </a:rPr>
-              <a:t> </a:t>
-            </a:r>
-            <a:r>
-              <a:rPr sz="1100" dirty="0">
-                <a:latin typeface="Calibri"/>
-                <a:cs typeface="Calibri"/>
-              </a:rPr>
-              <a:t>=</a:t>
-            </a:r>
-            <a:r>
-              <a:rPr sz="1100" spc="340" dirty="0">
-                <a:latin typeface="Calibri"/>
-                <a:cs typeface="Calibri"/>
-              </a:rPr>
-              <a:t> </a:t>
-            </a:r>
-            <a:r>
-              <a:rPr sz="1100" spc="100" dirty="0">
-                <a:latin typeface="Calibri"/>
-                <a:cs typeface="Calibri"/>
-              </a:rPr>
-              <a:t>Rc::clone(&amp;data); </a:t>
-            </a:r>
-            <a:r>
-              <a:rPr sz="1100" spc="180" dirty="0">
-                <a:latin typeface="Calibri"/>
-                <a:cs typeface="Calibri"/>
-              </a:rPr>
-              <a:t>let</a:t>
-            </a:r>
-            <a:r>
-              <a:rPr sz="1100" spc="340" dirty="0">
-                <a:latin typeface="Calibri"/>
-                <a:cs typeface="Calibri"/>
-              </a:rPr>
-              <a:t> </a:t>
-            </a:r>
-            <a:r>
-              <a:rPr sz="1100" spc="70" dirty="0">
-                <a:latin typeface="Calibri"/>
-                <a:cs typeface="Calibri"/>
-              </a:rPr>
-              <a:t>clone2</a:t>
-            </a:r>
-            <a:r>
-              <a:rPr sz="1100" spc="345" dirty="0">
-                <a:latin typeface="Calibri"/>
-                <a:cs typeface="Calibri"/>
-              </a:rPr>
-              <a:t> </a:t>
-            </a:r>
-            <a:r>
-              <a:rPr sz="1100" dirty="0">
-                <a:latin typeface="Calibri"/>
-                <a:cs typeface="Calibri"/>
-              </a:rPr>
-              <a:t>=</a:t>
-            </a:r>
-            <a:r>
-              <a:rPr sz="1100" spc="340" dirty="0">
-                <a:latin typeface="Calibri"/>
-                <a:cs typeface="Calibri"/>
-              </a:rPr>
-              <a:t> </a:t>
-            </a:r>
-            <a:r>
-              <a:rPr sz="1100" spc="100" dirty="0">
-                <a:latin typeface="Calibri"/>
-                <a:cs typeface="Calibri"/>
-              </a:rPr>
-              <a:t>Rc::clone(&amp;data); </a:t>
-            </a:r>
-            <a:r>
-              <a:rPr sz="1100" spc="165" dirty="0">
-                <a:latin typeface="Calibri"/>
-                <a:cs typeface="Calibri"/>
-              </a:rPr>
-              <a:t>println!("",</a:t>
-            </a:r>
-            <a:r>
-              <a:rPr sz="1100" spc="345" dirty="0">
-                <a:latin typeface="Calibri"/>
-                <a:cs typeface="Calibri"/>
-              </a:rPr>
-              <a:t> </a:t>
-            </a:r>
-            <a:r>
-              <a:rPr sz="1100" spc="105" dirty="0">
-                <a:latin typeface="Calibri"/>
-                <a:cs typeface="Calibri"/>
-              </a:rPr>
-              <a:t>*clone1);</a:t>
-            </a:r>
-            <a:r>
-              <a:rPr sz="1100" spc="350" dirty="0">
-                <a:latin typeface="Calibri"/>
-                <a:cs typeface="Calibri"/>
-              </a:rPr>
-              <a:t> </a:t>
-            </a:r>
-            <a:r>
-              <a:rPr sz="1100" spc="140" dirty="0">
-                <a:latin typeface="Calibri"/>
-                <a:cs typeface="Calibri"/>
-              </a:rPr>
-              <a:t>//</a:t>
-            </a:r>
-            <a:r>
-              <a:rPr sz="1100" spc="345" dirty="0">
-                <a:latin typeface="Calibri"/>
-                <a:cs typeface="Calibri"/>
-              </a:rPr>
-              <a:t> </a:t>
-            </a:r>
-            <a:r>
-              <a:rPr sz="1100" spc="-50" dirty="0">
-                <a:latin typeface="Calibri"/>
-                <a:cs typeface="Calibri"/>
-              </a:rPr>
-              <a:t>5</a:t>
-            </a:r>
-            <a:endParaRPr sz="1100">
+              <a:t>:</a:t>
+            </a:r>
+            <a:endParaRPr sz="1100" dirty="0">
               <a:latin typeface="Calibri"/>
               <a:cs typeface="Calibri"/>
             </a:endParaRPr>
           </a:p>
         </p:txBody>
       </p:sp>
+      <p:pic>
+        <p:nvPicPr>
+          <p:cNvPr id="5" name="Picture 4">
+            <a:extLst>
+              <a:ext uri="{FF2B5EF4-FFF2-40B4-BE49-F238E27FC236}">
+                <a16:creationId xmlns:a16="http://schemas.microsoft.com/office/drawing/2014/main" id="{B27AB3E7-E165-4860-9FAD-FDEB5024BA98}"/>
+              </a:ext>
+            </a:extLst>
+          </p:cNvPr>
+          <p:cNvPicPr>
+            <a:picLocks noChangeAspect="1"/>
+          </p:cNvPicPr>
+          <p:nvPr/>
+        </p:nvPicPr>
+        <p:blipFill>
+          <a:blip r:embed="rId2"/>
+          <a:stretch>
+            <a:fillRect/>
+          </a:stretch>
+        </p:blipFill>
+        <p:spPr>
+          <a:xfrm>
+            <a:off x="492258" y="1577975"/>
+            <a:ext cx="3625581" cy="1451677"/>
+          </a:xfrm>
+          <a:prstGeom prst="rect">
+            <a:avLst/>
+          </a:prstGeom>
+        </p:spPr>
+      </p:pic>
     </p:spTree>
+    <p:extLst>
+      <p:ext uri="{BB962C8B-B14F-4D97-AF65-F5344CB8AC3E}">
+        <p14:creationId xmlns:p14="http://schemas.microsoft.com/office/powerpoint/2010/main" val="1477147688"/>
+      </p:ext>
+    </p:extLst>
   </p:cSld>
   <p:clrMapOvr>
     <a:masterClrMapping/>
@@ -13792,7 +12369,7 @@
 </p:sld>
 </file>
 
-<file path=ppt/slides/slide21.xml><?xml version="1.0" encoding="utf-8"?>
+<file path=ppt/slides/slide22.xml><?xml version="1.0" encoding="utf-8"?>
 <p:sld xmlns:a="http://schemas.openxmlformats.org/drawingml/2006/main" xmlns:r="http://schemas.openxmlformats.org/officeDocument/2006/relationships" xmlns:p="http://schemas.openxmlformats.org/presentationml/2006/main">
   <p:cSld>
     <p:spTree>
@@ -13888,6 +12465,10 @@
           </p:nvPr>
         </p:nvSpPr>
         <p:spPr>
+          <a:xfrm>
+            <a:off x="321894" y="866556"/>
+            <a:ext cx="3659504" cy="624272"/>
+          </a:xfrm>
           <a:prstGeom prst="rect">
             <a:avLst/>
           </a:prstGeom>
@@ -13994,7 +12575,7 @@
               <a:rPr sz="1100" spc="-10" dirty="0"/>
               <a:t>safe).</a:t>
             </a:r>
-            <a:endParaRPr sz="1100"/>
+            <a:endParaRPr sz="1100" dirty="0"/>
           </a:p>
           <a:p>
             <a:pPr marL="38100" marR="575945" indent="276860">
@@ -14071,278 +12652,47 @@
               <a:t> </a:t>
             </a:r>
             <a:r>
+              <a:rPr sz="1100" spc="-25" dirty="0" err="1"/>
+              <a:t>dụ</a:t>
+            </a:r>
+            <a:r>
               <a:rPr sz="1100" spc="-25" dirty="0"/>
-              <a:t>dụ:</a:t>
-            </a:r>
-            <a:endParaRPr sz="1100"/>
-          </a:p>
-          <a:p>
-            <a:pPr marL="38100" marR="2231390">
-              <a:lnSpc>
-                <a:spcPct val="102600"/>
-              </a:lnSpc>
-            </a:pPr>
-            <a:r>
-              <a:rPr spc="50" dirty="0">
-                <a:latin typeface="Calibri"/>
-                <a:cs typeface="Calibri"/>
-              </a:rPr>
-              <a:t>use</a:t>
-            </a:r>
-            <a:r>
-              <a:rPr spc="330" dirty="0">
-                <a:latin typeface="Calibri"/>
-                <a:cs typeface="Calibri"/>
-              </a:rPr>
-              <a:t> </a:t>
-            </a:r>
-            <a:r>
-              <a:rPr spc="140" dirty="0">
-                <a:latin typeface="Calibri"/>
-                <a:cs typeface="Calibri"/>
-              </a:rPr>
-              <a:t>std::sync::Arc; </a:t>
-            </a:r>
-            <a:r>
-              <a:rPr spc="50" dirty="0">
-                <a:latin typeface="Calibri"/>
-                <a:cs typeface="Calibri"/>
-              </a:rPr>
-              <a:t>use</a:t>
-            </a:r>
-            <a:r>
-              <a:rPr spc="330" dirty="0">
-                <a:latin typeface="Calibri"/>
-                <a:cs typeface="Calibri"/>
-              </a:rPr>
-              <a:t> </a:t>
-            </a:r>
-            <a:r>
-              <a:rPr spc="125" dirty="0">
-                <a:latin typeface="Calibri"/>
-                <a:cs typeface="Calibri"/>
-              </a:rPr>
-              <a:t>std::thread;</a:t>
-            </a:r>
-          </a:p>
-          <a:p>
-            <a:pPr marL="38100">
-              <a:lnSpc>
-                <a:spcPct val="100000"/>
-              </a:lnSpc>
-              <a:spcBef>
-                <a:spcPts val="35"/>
-              </a:spcBef>
-            </a:pPr>
-            <a:r>
-              <a:rPr spc="180" dirty="0">
-                <a:latin typeface="Calibri"/>
-                <a:cs typeface="Calibri"/>
-              </a:rPr>
-              <a:t>let</a:t>
-            </a:r>
-            <a:r>
-              <a:rPr spc="340" dirty="0">
-                <a:latin typeface="Calibri"/>
-                <a:cs typeface="Calibri"/>
-              </a:rPr>
-              <a:t> </a:t>
-            </a:r>
-            <a:r>
-              <a:rPr spc="70" dirty="0">
-                <a:latin typeface="Calibri"/>
-                <a:cs typeface="Calibri"/>
-              </a:rPr>
-              <a:t>data</a:t>
-            </a:r>
-            <a:r>
-              <a:rPr spc="340" dirty="0">
-                <a:latin typeface="Calibri"/>
-                <a:cs typeface="Calibri"/>
-              </a:rPr>
-              <a:t> </a:t>
-            </a:r>
-            <a:r>
-              <a:rPr dirty="0">
-                <a:latin typeface="Calibri"/>
-                <a:cs typeface="Calibri"/>
-              </a:rPr>
-              <a:t>=</a:t>
-            </a:r>
-            <a:r>
-              <a:rPr spc="340" dirty="0">
-                <a:latin typeface="Calibri"/>
-                <a:cs typeface="Calibri"/>
-              </a:rPr>
-              <a:t> </a:t>
-            </a:r>
-            <a:r>
-              <a:rPr spc="100" dirty="0">
-                <a:latin typeface="Calibri"/>
-                <a:cs typeface="Calibri"/>
-              </a:rPr>
-              <a:t>Arc::new(5);</a:t>
-            </a:r>
-          </a:p>
-          <a:p>
-            <a:pPr marL="38100" marR="1358265">
-              <a:lnSpc>
-                <a:spcPct val="102600"/>
-              </a:lnSpc>
-            </a:pPr>
-            <a:r>
-              <a:rPr spc="180" dirty="0">
-                <a:latin typeface="Calibri"/>
-                <a:cs typeface="Calibri"/>
-              </a:rPr>
-              <a:t>let</a:t>
-            </a:r>
-            <a:r>
-              <a:rPr spc="340" dirty="0">
-                <a:latin typeface="Calibri"/>
-                <a:cs typeface="Calibri"/>
-              </a:rPr>
-              <a:t> </a:t>
-            </a:r>
-            <a:r>
-              <a:rPr spc="70" dirty="0">
-                <a:latin typeface="Calibri"/>
-                <a:cs typeface="Calibri"/>
-              </a:rPr>
-              <a:t>clone1</a:t>
-            </a:r>
-            <a:r>
-              <a:rPr spc="345" dirty="0">
-                <a:latin typeface="Calibri"/>
-                <a:cs typeface="Calibri"/>
-              </a:rPr>
-              <a:t> </a:t>
-            </a:r>
-            <a:r>
-              <a:rPr dirty="0">
-                <a:latin typeface="Calibri"/>
-                <a:cs typeface="Calibri"/>
-              </a:rPr>
-              <a:t>=</a:t>
-            </a:r>
-            <a:r>
-              <a:rPr spc="340" dirty="0">
-                <a:latin typeface="Calibri"/>
-                <a:cs typeface="Calibri"/>
-              </a:rPr>
-              <a:t> </a:t>
-            </a:r>
-            <a:r>
-              <a:rPr spc="100" dirty="0">
-                <a:latin typeface="Calibri"/>
-                <a:cs typeface="Calibri"/>
-              </a:rPr>
-              <a:t>Arc::clone(&amp;data); </a:t>
-            </a:r>
-            <a:r>
-              <a:rPr spc="50" dirty="0">
-                <a:latin typeface="Calibri"/>
-                <a:cs typeface="Calibri"/>
-              </a:rPr>
-              <a:t>thread::spawn(move</a:t>
-            </a:r>
-            <a:r>
-              <a:rPr spc="340" dirty="0">
-                <a:latin typeface="Calibri"/>
-                <a:cs typeface="Calibri"/>
-              </a:rPr>
-              <a:t> </a:t>
-            </a:r>
-            <a:r>
-              <a:rPr spc="55" dirty="0">
-                <a:latin typeface="Calibri"/>
-                <a:cs typeface="Calibri"/>
-              </a:rPr>
-              <a:t>||</a:t>
-            </a:r>
-            <a:r>
-              <a:rPr spc="340" dirty="0">
-                <a:latin typeface="Calibri"/>
-                <a:cs typeface="Calibri"/>
-              </a:rPr>
-              <a:t> </a:t>
-            </a:r>
-            <a:r>
-              <a:rPr spc="170" dirty="0">
-                <a:latin typeface="Calibri"/>
-                <a:cs typeface="Calibri"/>
-              </a:rPr>
-              <a:t>{ </a:t>
-            </a:r>
-            <a:r>
-              <a:rPr spc="165" dirty="0">
-                <a:latin typeface="Calibri"/>
-                <a:cs typeface="Calibri"/>
-              </a:rPr>
-              <a:t>println!("",</a:t>
-            </a:r>
-            <a:r>
-              <a:rPr spc="345" dirty="0">
-                <a:latin typeface="Calibri"/>
-                <a:cs typeface="Calibri"/>
-              </a:rPr>
-              <a:t> </a:t>
-            </a:r>
-            <a:r>
-              <a:rPr spc="105" dirty="0">
-                <a:latin typeface="Calibri"/>
-                <a:cs typeface="Calibri"/>
-              </a:rPr>
-              <a:t>*clone1);</a:t>
-            </a:r>
-            <a:r>
-              <a:rPr spc="350" dirty="0">
-                <a:latin typeface="Calibri"/>
-                <a:cs typeface="Calibri"/>
-              </a:rPr>
-              <a:t> </a:t>
-            </a:r>
-            <a:r>
-              <a:rPr spc="140" dirty="0">
-                <a:latin typeface="Calibri"/>
-                <a:cs typeface="Calibri"/>
-              </a:rPr>
-              <a:t>//</a:t>
-            </a:r>
-            <a:r>
-              <a:rPr spc="345" dirty="0">
-                <a:latin typeface="Calibri"/>
-                <a:cs typeface="Calibri"/>
-              </a:rPr>
-              <a:t> </a:t>
-            </a:r>
-            <a:r>
-              <a:rPr spc="-50" dirty="0">
-                <a:latin typeface="Calibri"/>
-                <a:cs typeface="Calibri"/>
-              </a:rPr>
-              <a:t>5</a:t>
-            </a:r>
-          </a:p>
-          <a:p>
-            <a:pPr marL="38100">
-              <a:lnSpc>
-                <a:spcPct val="100000"/>
-              </a:lnSpc>
-              <a:spcBef>
-                <a:spcPts val="35"/>
-              </a:spcBef>
-            </a:pPr>
-            <a:r>
-              <a:rPr spc="215" dirty="0">
-                <a:latin typeface="Calibri"/>
-                <a:cs typeface="Calibri"/>
-              </a:rPr>
-              <a:t>});</a:t>
-            </a:r>
+              <a:t>:</a:t>
+            </a:r>
+            <a:endParaRPr sz="1100" dirty="0"/>
           </a:p>
         </p:txBody>
       </p:sp>
+      <p:pic>
+        <p:nvPicPr>
+          <p:cNvPr id="5" name="Picture 4">
+            <a:extLst>
+              <a:ext uri="{FF2B5EF4-FFF2-40B4-BE49-F238E27FC236}">
+                <a16:creationId xmlns:a16="http://schemas.microsoft.com/office/drawing/2014/main" id="{E9DE40CE-E5DF-4733-9A95-31EE89204B89}"/>
+              </a:ext>
+            </a:extLst>
+          </p:cNvPr>
+          <p:cNvPicPr>
+            <a:picLocks noChangeAspect="1"/>
+          </p:cNvPicPr>
+          <p:nvPr/>
+        </p:nvPicPr>
+        <p:blipFill>
+          <a:blip r:embed="rId2"/>
+          <a:stretch>
+            <a:fillRect/>
+          </a:stretch>
+        </p:blipFill>
+        <p:spPr>
+          <a:xfrm>
+            <a:off x="552450" y="1577976"/>
+            <a:ext cx="3428947" cy="1524000"/>
+          </a:xfrm>
+          <a:prstGeom prst="rect">
+            <a:avLst/>
+          </a:prstGeom>
+        </p:spPr>
+      </p:pic>
     </p:spTree>
   </p:cSld>
   <p:clrMapOvr>
@@ -14354,7 +12704,7 @@
 </p:sld>
 </file>
 
-<file path=ppt/slides/slide22.xml><?xml version="1.0" encoding="utf-8"?>
+<file path=ppt/slides/slide23.xml><?xml version="1.0" encoding="utf-8"?>
 <p:sld xmlns:a="http://schemas.openxmlformats.org/drawingml/2006/main" xmlns:r="http://schemas.openxmlformats.org/officeDocument/2006/relationships" xmlns:p="http://schemas.openxmlformats.org/presentationml/2006/main">
   <p:cSld>
     <p:spTree>
@@ -14373,485 +12723,251 @@
       </p:grpSpPr>
       <p:sp>
         <p:nvSpPr>
-          <p:cNvPr id="2" name="object 2"/>
+          <p:cNvPr id="3" name="TextBox 2">
+            <a:extLst>
+              <a:ext uri="{FF2B5EF4-FFF2-40B4-BE49-F238E27FC236}">
+                <a16:creationId xmlns:a16="http://schemas.microsoft.com/office/drawing/2014/main" id="{C0AE6361-7859-4F59-AF1A-199447DC031F}"/>
+              </a:ext>
+            </a:extLst>
+          </p:cNvPr>
           <p:cNvSpPr txBox="1"/>
           <p:nvPr/>
         </p:nvSpPr>
         <p:spPr>
           <a:xfrm>
-            <a:off x="347294" y="52082"/>
-            <a:ext cx="3668395" cy="2141933"/>
+            <a:off x="400050" y="663575"/>
+            <a:ext cx="3810000" cy="2262158"/>
           </a:xfrm>
           <a:prstGeom prst="rect">
             <a:avLst/>
           </a:prstGeom>
+          <a:noFill/>
         </p:spPr>
         <p:txBody>
-          <a:bodyPr vert="horz" wrap="square" lIns="0" tIns="15875" rIns="0" bIns="0" rtlCol="0">
+          <a:bodyPr wrap="square" rtlCol="0">
             <a:spAutoFit/>
           </a:bodyPr>
           <a:lstStyle/>
           <a:p>
-            <a:pPr marL="781685">
-              <a:lnSpc>
-                <a:spcPct val="100000"/>
-              </a:lnSpc>
-              <a:spcBef>
-                <a:spcPts val="125"/>
-              </a:spcBef>
-            </a:pPr>
-            <a:r>
-              <a:rPr sz="1400" dirty="0">
-                <a:latin typeface="Arial" panose="020B0604020202020204" pitchFamily="34" charset="0"/>
-                <a:cs typeface="Arial" panose="020B0604020202020204" pitchFamily="34" charset="0"/>
+            <a:pPr algn="ctr"/>
+            <a:r>
+              <a:rPr lang="en-US" b="1" dirty="0" err="1">
+                <a:latin typeface="Tahoma" panose="020B0604030504040204" pitchFamily="34" charset="0"/>
+                <a:ea typeface="Tahoma" panose="020B0604030504040204" pitchFamily="34" charset="0"/>
+                <a:cs typeface="Tahoma" panose="020B0604030504040204" pitchFamily="34" charset="0"/>
               </a:rPr>
               <a:t>Tài</a:t>
             </a:r>
             <a:r>
-              <a:rPr sz="1400" spc="-90" dirty="0">
-                <a:latin typeface="Arial" panose="020B0604020202020204" pitchFamily="34" charset="0"/>
-                <a:cs typeface="Arial" panose="020B0604020202020204" pitchFamily="34" charset="0"/>
-              </a:rPr>
-              <a:t> </a:t>
-            </a:r>
-            <a:r>
-              <a:rPr sz="1400" spc="-85" dirty="0" err="1">
-                <a:latin typeface="Arial" panose="020B0604020202020204" pitchFamily="34" charset="0"/>
-                <a:cs typeface="Arial" panose="020B0604020202020204" pitchFamily="34" charset="0"/>
+              <a:rPr lang="en-US" b="1" dirty="0">
+                <a:latin typeface="Tahoma" panose="020B0604030504040204" pitchFamily="34" charset="0"/>
+                <a:ea typeface="Tahoma" panose="020B0604030504040204" pitchFamily="34" charset="0"/>
+                <a:cs typeface="Tahoma" panose="020B0604030504040204" pitchFamily="34" charset="0"/>
+              </a:rPr>
+              <a:t> </a:t>
+            </a:r>
+            <a:r>
+              <a:rPr lang="en-US" b="1" dirty="0" err="1">
+                <a:latin typeface="Tahoma" panose="020B0604030504040204" pitchFamily="34" charset="0"/>
+                <a:ea typeface="Tahoma" panose="020B0604030504040204" pitchFamily="34" charset="0"/>
+                <a:cs typeface="Tahoma" panose="020B0604030504040204" pitchFamily="34" charset="0"/>
               </a:rPr>
               <a:t>liệu</a:t>
             </a:r>
             <a:r>
-              <a:rPr sz="1400" spc="-70" dirty="0">
-                <a:latin typeface="Arial" panose="020B0604020202020204" pitchFamily="34" charset="0"/>
-                <a:cs typeface="Arial" panose="020B0604020202020204" pitchFamily="34" charset="0"/>
-              </a:rPr>
-              <a:t> </a:t>
-            </a:r>
-            <a:r>
-              <a:rPr sz="1400" spc="-125" dirty="0" err="1">
-                <a:latin typeface="Arial" panose="020B0604020202020204" pitchFamily="34" charset="0"/>
-                <a:cs typeface="Arial" panose="020B0604020202020204" pitchFamily="34" charset="0"/>
+              <a:rPr lang="en-US" b="1" dirty="0">
+                <a:latin typeface="Tahoma" panose="020B0604030504040204" pitchFamily="34" charset="0"/>
+                <a:ea typeface="Tahoma" panose="020B0604030504040204" pitchFamily="34" charset="0"/>
+                <a:cs typeface="Tahoma" panose="020B0604030504040204" pitchFamily="34" charset="0"/>
+              </a:rPr>
+              <a:t> </a:t>
+            </a:r>
+            <a:r>
+              <a:rPr lang="en-US" b="1" dirty="0" err="1">
+                <a:latin typeface="Tahoma" panose="020B0604030504040204" pitchFamily="34" charset="0"/>
+                <a:ea typeface="Tahoma" panose="020B0604030504040204" pitchFamily="34" charset="0"/>
+                <a:cs typeface="Tahoma" panose="020B0604030504040204" pitchFamily="34" charset="0"/>
               </a:rPr>
               <a:t>tham</a:t>
             </a:r>
             <a:r>
-              <a:rPr sz="1400" spc="-65" dirty="0">
-                <a:latin typeface="Arial" panose="020B0604020202020204" pitchFamily="34" charset="0"/>
-                <a:cs typeface="Arial" panose="020B0604020202020204" pitchFamily="34" charset="0"/>
-              </a:rPr>
-              <a:t> </a:t>
-            </a:r>
-            <a:r>
-              <a:rPr sz="1400" spc="-20" dirty="0">
-                <a:latin typeface="Arial" panose="020B0604020202020204" pitchFamily="34" charset="0"/>
-                <a:cs typeface="Arial" panose="020B0604020202020204" pitchFamily="34" charset="0"/>
+              <a:rPr lang="en-US" b="1" dirty="0">
+                <a:latin typeface="Tahoma" panose="020B0604030504040204" pitchFamily="34" charset="0"/>
+                <a:ea typeface="Tahoma" panose="020B0604030504040204" pitchFamily="34" charset="0"/>
+                <a:cs typeface="Tahoma" panose="020B0604030504040204" pitchFamily="34" charset="0"/>
+              </a:rPr>
+              <a:t> </a:t>
+            </a:r>
+            <a:r>
+              <a:rPr lang="en-US" b="1" dirty="0" err="1">
+                <a:latin typeface="Tahoma" panose="020B0604030504040204" pitchFamily="34" charset="0"/>
+                <a:ea typeface="Tahoma" panose="020B0604030504040204" pitchFamily="34" charset="0"/>
+                <a:cs typeface="Tahoma" panose="020B0604030504040204" pitchFamily="34" charset="0"/>
               </a:rPr>
               <a:t>khảo</a:t>
             </a:r>
-            <a:endParaRPr sz="1400" dirty="0">
-              <a:latin typeface="Arial" panose="020B0604020202020204" pitchFamily="34" charset="0"/>
-              <a:cs typeface="Arial" panose="020B0604020202020204" pitchFamily="34" charset="0"/>
+            <a:endParaRPr lang="en-US" b="1" dirty="0">
+              <a:latin typeface="Tahoma" panose="020B0604030504040204" pitchFamily="34" charset="0"/>
+              <a:ea typeface="Tahoma" panose="020B0604030504040204" pitchFamily="34" charset="0"/>
+              <a:cs typeface="Tahoma" panose="020B0604030504040204" pitchFamily="34" charset="0"/>
             </a:endParaRPr>
           </a:p>
           <a:p>
-            <a:pPr marL="287655" marR="5080" indent="-215900">
-              <a:lnSpc>
-                <a:spcPct val="101699"/>
-              </a:lnSpc>
-              <a:spcBef>
-                <a:spcPts val="50"/>
-              </a:spcBef>
-              <a:buClr>
-                <a:srgbClr val="FF0000"/>
-              </a:buClr>
-              <a:buAutoNum type="arabicPlain"/>
-              <a:tabLst>
-                <a:tab pos="289560" algn="l"/>
-              </a:tabLst>
-            </a:pPr>
-            <a:r>
-              <a:rPr sz="1400" spc="-100" dirty="0">
-                <a:latin typeface="Arial" panose="020B0604020202020204" pitchFamily="34" charset="0"/>
-                <a:cs typeface="Arial" panose="020B0604020202020204" pitchFamily="34" charset="0"/>
-              </a:rPr>
-              <a:t>Sylvain</a:t>
-            </a:r>
-            <a:r>
-              <a:rPr sz="1400" spc="-90" dirty="0">
-                <a:latin typeface="Arial" panose="020B0604020202020204" pitchFamily="34" charset="0"/>
-                <a:cs typeface="Arial" panose="020B0604020202020204" pitchFamily="34" charset="0"/>
-              </a:rPr>
-              <a:t> </a:t>
-            </a:r>
-            <a:r>
-              <a:rPr sz="1400" spc="-100" dirty="0">
-                <a:latin typeface="Arial" panose="020B0604020202020204" pitchFamily="34" charset="0"/>
-                <a:cs typeface="Arial" panose="020B0604020202020204" pitchFamily="34" charset="0"/>
-              </a:rPr>
-              <a:t>Kerkour,</a:t>
-            </a:r>
-            <a:r>
-              <a:rPr sz="1400" spc="-85" dirty="0">
-                <a:latin typeface="Arial" panose="020B0604020202020204" pitchFamily="34" charset="0"/>
-                <a:cs typeface="Arial" panose="020B0604020202020204" pitchFamily="34" charset="0"/>
-              </a:rPr>
-              <a:t> </a:t>
-            </a:r>
-            <a:r>
-              <a:rPr sz="1400" i="1" spc="-65" dirty="0">
-                <a:latin typeface="Arial" panose="020B0604020202020204" pitchFamily="34" charset="0"/>
-                <a:cs typeface="Arial" panose="020B0604020202020204" pitchFamily="34" charset="0"/>
-              </a:rPr>
-              <a:t>Black</a:t>
-            </a:r>
-            <a:r>
-              <a:rPr sz="1400" i="1" spc="-50" dirty="0">
-                <a:latin typeface="Arial" panose="020B0604020202020204" pitchFamily="34" charset="0"/>
-                <a:cs typeface="Arial" panose="020B0604020202020204" pitchFamily="34" charset="0"/>
-              </a:rPr>
-              <a:t> </a:t>
-            </a:r>
-            <a:r>
-              <a:rPr sz="1400" i="1" spc="-80" dirty="0">
-                <a:latin typeface="Arial" panose="020B0604020202020204" pitchFamily="34" charset="0"/>
-                <a:cs typeface="Arial" panose="020B0604020202020204" pitchFamily="34" charset="0"/>
-              </a:rPr>
-              <a:t>Hat 	</a:t>
-            </a:r>
-            <a:r>
-              <a:rPr sz="1400" i="1" spc="-10" dirty="0">
-                <a:latin typeface="Arial" panose="020B0604020202020204" pitchFamily="34" charset="0"/>
-                <a:cs typeface="Arial" panose="020B0604020202020204" pitchFamily="34" charset="0"/>
-              </a:rPr>
-              <a:t>Rust</a:t>
-            </a:r>
-            <a:r>
-              <a:rPr sz="1400" spc="-10" dirty="0">
-                <a:latin typeface="Arial" panose="020B0604020202020204" pitchFamily="34" charset="0"/>
-                <a:cs typeface="Arial" panose="020B0604020202020204" pitchFamily="34" charset="0"/>
-              </a:rPr>
-              <a:t>.</a:t>
-            </a:r>
-            <a:endParaRPr sz="1400" dirty="0">
-              <a:latin typeface="Arial" panose="020B0604020202020204" pitchFamily="34" charset="0"/>
-              <a:cs typeface="Arial" panose="020B0604020202020204" pitchFamily="34" charset="0"/>
+            <a:pPr algn="ctr"/>
+            <a:endParaRPr lang="en-US" sz="1400" dirty="0">
+              <a:latin typeface="Tahoma" panose="020B0604030504040204" pitchFamily="34" charset="0"/>
+              <a:ea typeface="Tahoma" panose="020B0604030504040204" pitchFamily="34" charset="0"/>
+              <a:cs typeface="Tahoma" panose="020B0604030504040204" pitchFamily="34" charset="0"/>
             </a:endParaRPr>
           </a:p>
           <a:p>
-            <a:pPr marL="287655" marR="562610" indent="-215900">
-              <a:lnSpc>
-                <a:spcPts val="2990"/>
-              </a:lnSpc>
-              <a:spcBef>
-                <a:spcPts val="110"/>
-              </a:spcBef>
-              <a:buClr>
-                <a:srgbClr val="FF0000"/>
-              </a:buClr>
-              <a:buAutoNum type="arabicPlain"/>
-              <a:tabLst>
-                <a:tab pos="289560" algn="l"/>
-              </a:tabLst>
+            <a:pPr marL="228600" indent="-228600" algn="l">
+              <a:buAutoNum type="arabicPeriod"/>
             </a:pPr>
             <a:r>
-              <a:rPr sz="1400" spc="-130" dirty="0">
-                <a:latin typeface="Arial" panose="020B0604020202020204" pitchFamily="34" charset="0"/>
-                <a:cs typeface="Arial" panose="020B0604020202020204" pitchFamily="34" charset="0"/>
-              </a:rPr>
-              <a:t>Tech</a:t>
-            </a:r>
-            <a:r>
-              <a:rPr sz="1400" spc="-65" dirty="0">
-                <a:latin typeface="Arial" panose="020B0604020202020204" pitchFamily="34" charset="0"/>
-                <a:cs typeface="Arial" panose="020B0604020202020204" pitchFamily="34" charset="0"/>
-              </a:rPr>
-              <a:t> </a:t>
-            </a:r>
-            <a:r>
-              <a:rPr sz="1400" dirty="0">
-                <a:latin typeface="Arial" panose="020B0604020202020204" pitchFamily="34" charset="0"/>
-                <a:cs typeface="Arial" panose="020B0604020202020204" pitchFamily="34" charset="0"/>
-              </a:rPr>
-              <a:t>With</a:t>
-            </a:r>
-            <a:r>
-              <a:rPr sz="1400" spc="-190" dirty="0">
-                <a:latin typeface="Arial" panose="020B0604020202020204" pitchFamily="34" charset="0"/>
-                <a:cs typeface="Arial" panose="020B0604020202020204" pitchFamily="34" charset="0"/>
-              </a:rPr>
-              <a:t> </a:t>
-            </a:r>
-            <a:r>
-              <a:rPr sz="1400" dirty="0">
-                <a:latin typeface="Arial" panose="020B0604020202020204" pitchFamily="34" charset="0"/>
-                <a:cs typeface="Arial" panose="020B0604020202020204" pitchFamily="34" charset="0"/>
-              </a:rPr>
-              <a:t>Tim,</a:t>
-            </a:r>
-            <a:r>
-              <a:rPr sz="1400" spc="-155" dirty="0">
-                <a:latin typeface="Arial" panose="020B0604020202020204" pitchFamily="34" charset="0"/>
-                <a:cs typeface="Arial" panose="020B0604020202020204" pitchFamily="34" charset="0"/>
-              </a:rPr>
-              <a:t> </a:t>
-            </a:r>
-            <a:r>
-              <a:rPr sz="1400" i="1" spc="-20" dirty="0">
-                <a:latin typeface="Arial" panose="020B0604020202020204" pitchFamily="34" charset="0"/>
-                <a:cs typeface="Arial" panose="020B0604020202020204" pitchFamily="34" charset="0"/>
-              </a:rPr>
-              <a:t>Rust 	</a:t>
-            </a:r>
-            <a:r>
-              <a:rPr sz="1400" i="1" spc="-145" dirty="0">
-                <a:latin typeface="Arial" panose="020B0604020202020204" pitchFamily="34" charset="0"/>
-                <a:cs typeface="Arial" panose="020B0604020202020204" pitchFamily="34" charset="0"/>
-              </a:rPr>
-              <a:t>Programming</a:t>
-            </a:r>
-            <a:r>
-              <a:rPr sz="1400" i="1" spc="15" dirty="0">
-                <a:latin typeface="Arial" panose="020B0604020202020204" pitchFamily="34" charset="0"/>
-                <a:cs typeface="Arial" panose="020B0604020202020204" pitchFamily="34" charset="0"/>
-              </a:rPr>
-              <a:t> </a:t>
-            </a:r>
-            <a:r>
-              <a:rPr sz="1400" i="1" spc="-165" dirty="0">
-                <a:latin typeface="Arial" panose="020B0604020202020204" pitchFamily="34" charset="0"/>
-                <a:cs typeface="Arial" panose="020B0604020202020204" pitchFamily="34" charset="0"/>
-              </a:rPr>
-              <a:t>Tutorial</a:t>
-            </a:r>
-            <a:r>
-              <a:rPr sz="1400" spc="-165" dirty="0">
-                <a:latin typeface="Arial" panose="020B0604020202020204" pitchFamily="34" charset="0"/>
-                <a:cs typeface="Arial" panose="020B0604020202020204" pitchFamily="34" charset="0"/>
-              </a:rPr>
-              <a:t>.</a:t>
-            </a:r>
-            <a:endParaRPr sz="1400" dirty="0">
-              <a:latin typeface="Arial" panose="020B0604020202020204" pitchFamily="34" charset="0"/>
-              <a:cs typeface="Arial" panose="020B0604020202020204" pitchFamily="34" charset="0"/>
+              <a:rPr lang="en-US" sz="1400" dirty="0">
+                <a:latin typeface="Tahoma" panose="020B0604030504040204" pitchFamily="34" charset="0"/>
+                <a:ea typeface="Tahoma" panose="020B0604030504040204" pitchFamily="34" charset="0"/>
+                <a:cs typeface="Tahoma" panose="020B0604030504040204" pitchFamily="34" charset="0"/>
+              </a:rPr>
+              <a:t>Sylvain </a:t>
+            </a:r>
+            <a:r>
+              <a:rPr lang="en-US" sz="1400" dirty="0" err="1">
+                <a:latin typeface="Tahoma" panose="020B0604030504040204" pitchFamily="34" charset="0"/>
+                <a:ea typeface="Tahoma" panose="020B0604030504040204" pitchFamily="34" charset="0"/>
+                <a:cs typeface="Tahoma" panose="020B0604030504040204" pitchFamily="34" charset="0"/>
+              </a:rPr>
+              <a:t>Kerkour</a:t>
+            </a:r>
+            <a:r>
+              <a:rPr lang="en-US" sz="1400" dirty="0">
+                <a:latin typeface="Tahoma" panose="020B0604030504040204" pitchFamily="34" charset="0"/>
+                <a:ea typeface="Tahoma" panose="020B0604030504040204" pitchFamily="34" charset="0"/>
+                <a:cs typeface="Tahoma" panose="020B0604030504040204" pitchFamily="34" charset="0"/>
+              </a:rPr>
+              <a:t>, Black Hat Rust.</a:t>
+            </a:r>
+          </a:p>
+          <a:p>
+            <a:pPr marL="228600" indent="-228600" algn="l">
+              <a:buAutoNum type="arabicPeriod"/>
+            </a:pPr>
+            <a:endParaRPr lang="en-US" sz="1400" dirty="0">
+              <a:latin typeface="Tahoma" panose="020B0604030504040204" pitchFamily="34" charset="0"/>
+              <a:ea typeface="Tahoma" panose="020B0604030504040204" pitchFamily="34" charset="0"/>
+              <a:cs typeface="Tahoma" panose="020B0604030504040204" pitchFamily="34" charset="0"/>
             </a:endParaRPr>
           </a:p>
           <a:p>
-            <a:pPr marL="288290" indent="-215900">
-              <a:lnSpc>
-                <a:spcPts val="2880"/>
-              </a:lnSpc>
-              <a:buClr>
-                <a:srgbClr val="FF0000"/>
-              </a:buClr>
-              <a:buAutoNum type="arabicPlain"/>
-              <a:tabLst>
-                <a:tab pos="288290" algn="l"/>
-              </a:tabLst>
+            <a:pPr marL="228600" indent="-228600" algn="l">
+              <a:buAutoNum type="arabicPeriod"/>
             </a:pPr>
             <a:r>
-              <a:rPr sz="1400" spc="-25" dirty="0">
-                <a:latin typeface="Arial" panose="020B0604020202020204" pitchFamily="34" charset="0"/>
-                <a:cs typeface="Arial" panose="020B0604020202020204" pitchFamily="34" charset="0"/>
-              </a:rPr>
-              <a:t>Let’s</a:t>
-            </a:r>
-            <a:r>
-              <a:rPr sz="1400" spc="-170" dirty="0">
-                <a:latin typeface="Arial" panose="020B0604020202020204" pitchFamily="34" charset="0"/>
-                <a:cs typeface="Arial" panose="020B0604020202020204" pitchFamily="34" charset="0"/>
-              </a:rPr>
-              <a:t> </a:t>
-            </a:r>
-            <a:r>
-              <a:rPr sz="1400" spc="-70" dirty="0">
-                <a:latin typeface="Arial" panose="020B0604020202020204" pitchFamily="34" charset="0"/>
-                <a:cs typeface="Arial" panose="020B0604020202020204" pitchFamily="34" charset="0"/>
-              </a:rPr>
-              <a:t>Get</a:t>
-            </a:r>
-            <a:r>
-              <a:rPr sz="1400" spc="-105" dirty="0">
-                <a:latin typeface="Arial" panose="020B0604020202020204" pitchFamily="34" charset="0"/>
-                <a:cs typeface="Arial" panose="020B0604020202020204" pitchFamily="34" charset="0"/>
-              </a:rPr>
-              <a:t> </a:t>
-            </a:r>
-            <a:r>
-              <a:rPr sz="1400" spc="-155" dirty="0">
-                <a:latin typeface="Arial" panose="020B0604020202020204" pitchFamily="34" charset="0"/>
-                <a:cs typeface="Arial" panose="020B0604020202020204" pitchFamily="34" charset="0"/>
-              </a:rPr>
-              <a:t>Rusty,</a:t>
-            </a:r>
-            <a:r>
-              <a:rPr sz="1400" spc="-35" dirty="0">
-                <a:latin typeface="Arial" panose="020B0604020202020204" pitchFamily="34" charset="0"/>
-                <a:cs typeface="Arial" panose="020B0604020202020204" pitchFamily="34" charset="0"/>
-              </a:rPr>
-              <a:t> </a:t>
-            </a:r>
-            <a:r>
-              <a:rPr sz="1400" i="1" spc="-20" dirty="0">
-                <a:latin typeface="Arial" panose="020B0604020202020204" pitchFamily="34" charset="0"/>
-                <a:cs typeface="Arial" panose="020B0604020202020204" pitchFamily="34" charset="0"/>
-              </a:rPr>
-              <a:t>Rust</a:t>
-            </a:r>
-            <a:endParaRPr sz="1400" dirty="0">
-              <a:latin typeface="Arial" panose="020B0604020202020204" pitchFamily="34" charset="0"/>
-              <a:cs typeface="Arial" panose="020B0604020202020204" pitchFamily="34" charset="0"/>
+              <a:rPr lang="en-US" sz="1400" dirty="0">
+                <a:latin typeface="Tahoma" panose="020B0604030504040204" pitchFamily="34" charset="0"/>
+                <a:ea typeface="Tahoma" panose="020B0604030504040204" pitchFamily="34" charset="0"/>
+                <a:cs typeface="Tahoma" panose="020B0604030504040204" pitchFamily="34" charset="0"/>
+              </a:rPr>
+              <a:t>Tech With Tim, Rust Programming Tutorial</a:t>
+            </a:r>
+          </a:p>
+          <a:p>
+            <a:pPr marL="228600" indent="-228600" algn="l">
+              <a:buAutoNum type="arabicPeriod"/>
+            </a:pPr>
+            <a:endParaRPr lang="en-US" sz="1400" dirty="0">
+              <a:latin typeface="Tahoma" panose="020B0604030504040204" pitchFamily="34" charset="0"/>
+              <a:ea typeface="Tahoma" panose="020B0604030504040204" pitchFamily="34" charset="0"/>
+              <a:cs typeface="Tahoma" panose="020B0604030504040204" pitchFamily="34" charset="0"/>
             </a:endParaRPr>
           </a:p>
           <a:p>
-            <a:pPr marL="289560">
-              <a:lnSpc>
-                <a:spcPct val="100000"/>
-              </a:lnSpc>
-              <a:spcBef>
-                <a:spcPts val="45"/>
-              </a:spcBef>
+            <a:pPr marL="228600" indent="-228600" algn="l">
+              <a:buAutoNum type="arabicPeriod"/>
             </a:pPr>
             <a:r>
-              <a:rPr sz="1400" i="1" spc="-135" dirty="0">
-                <a:latin typeface="Arial" panose="020B0604020202020204" pitchFamily="34" charset="0"/>
-                <a:cs typeface="Arial" panose="020B0604020202020204" pitchFamily="34" charset="0"/>
-              </a:rPr>
-              <a:t>Survival</a:t>
-            </a:r>
-            <a:r>
-              <a:rPr sz="1400" i="1" spc="-30" dirty="0">
-                <a:latin typeface="Arial" panose="020B0604020202020204" pitchFamily="34" charset="0"/>
-                <a:cs typeface="Arial" panose="020B0604020202020204" pitchFamily="34" charset="0"/>
-              </a:rPr>
-              <a:t> </a:t>
-            </a:r>
-            <a:r>
-              <a:rPr sz="1400" i="1" spc="-10" dirty="0">
-                <a:latin typeface="Arial" panose="020B0604020202020204" pitchFamily="34" charset="0"/>
-                <a:cs typeface="Arial" panose="020B0604020202020204" pitchFamily="34" charset="0"/>
-              </a:rPr>
-              <a:t>Guide</a:t>
-            </a:r>
-            <a:r>
-              <a:rPr sz="1400" spc="-10" dirty="0">
-                <a:latin typeface="Arial" panose="020B0604020202020204" pitchFamily="34" charset="0"/>
-                <a:cs typeface="Arial" panose="020B0604020202020204" pitchFamily="34" charset="0"/>
-              </a:rPr>
-              <a:t>.</a:t>
-            </a:r>
-            <a:endParaRPr sz="1400" dirty="0">
-              <a:latin typeface="Arial" panose="020B0604020202020204" pitchFamily="34" charset="0"/>
-              <a:cs typeface="Arial" panose="020B0604020202020204" pitchFamily="34" charset="0"/>
+              <a:rPr lang="en-US" sz="1400" dirty="0">
+                <a:latin typeface="Tahoma" panose="020B0604030504040204" pitchFamily="34" charset="0"/>
+                <a:ea typeface="Tahoma" panose="020B0604030504040204" pitchFamily="34" charset="0"/>
+                <a:cs typeface="Tahoma" panose="020B0604030504040204" pitchFamily="34" charset="0"/>
+              </a:rPr>
+              <a:t>Let’s Get Rusty, Rust Survival Guide</a:t>
+            </a:r>
+          </a:p>
+          <a:p>
+            <a:pPr marL="228600" indent="-228600" algn="l">
+              <a:buAutoNum type="arabicPeriod"/>
+            </a:pPr>
+            <a:endParaRPr lang="en-US" sz="1400" dirty="0">
+              <a:latin typeface="Tahoma" panose="020B0604030504040204" pitchFamily="34" charset="0"/>
+              <a:ea typeface="Tahoma" panose="020B0604030504040204" pitchFamily="34" charset="0"/>
+              <a:cs typeface="Tahoma" panose="020B0604030504040204" pitchFamily="34" charset="0"/>
             </a:endParaRPr>
           </a:p>
           <a:p>
-            <a:pPr marL="12700" marR="203835">
-              <a:lnSpc>
-                <a:spcPct val="101699"/>
-              </a:lnSpc>
-              <a:spcBef>
-                <a:spcPts val="844"/>
-              </a:spcBef>
-            </a:pPr>
-            <a:r>
-              <a:rPr sz="1400" spc="-25" dirty="0">
-                <a:latin typeface="Arial" panose="020B0604020202020204" pitchFamily="34" charset="0"/>
-                <a:cs typeface="Arial" panose="020B0604020202020204" pitchFamily="34" charset="0"/>
-              </a:rPr>
-              <a:t>Link</a:t>
-            </a:r>
-            <a:r>
-              <a:rPr sz="1400" spc="-170" dirty="0">
-                <a:latin typeface="Arial" panose="020B0604020202020204" pitchFamily="34" charset="0"/>
-                <a:cs typeface="Arial" panose="020B0604020202020204" pitchFamily="34" charset="0"/>
-              </a:rPr>
-              <a:t> </a:t>
-            </a:r>
-            <a:r>
-              <a:rPr sz="1400" spc="-204" dirty="0">
-                <a:latin typeface="Arial" panose="020B0604020202020204" pitchFamily="34" charset="0"/>
-                <a:cs typeface="Arial" panose="020B0604020202020204" pitchFamily="34" charset="0"/>
+            <a:pPr algn="l"/>
+            <a:r>
+              <a:rPr lang="en-US" sz="1400" dirty="0">
+                <a:latin typeface="Tahoma" panose="020B0604030504040204" pitchFamily="34" charset="0"/>
+                <a:ea typeface="Tahoma" panose="020B0604030504040204" pitchFamily="34" charset="0"/>
+                <a:cs typeface="Tahoma" panose="020B0604030504040204" pitchFamily="34" charset="0"/>
+              </a:rPr>
+              <a:t>Link </a:t>
+            </a:r>
+            <a:r>
+              <a:rPr lang="en-US" sz="1400" dirty="0" err="1">
+                <a:latin typeface="Tahoma" panose="020B0604030504040204" pitchFamily="34" charset="0"/>
+                <a:ea typeface="Tahoma" panose="020B0604030504040204" pitchFamily="34" charset="0"/>
+                <a:cs typeface="Tahoma" panose="020B0604030504040204" pitchFamily="34" charset="0"/>
               </a:rPr>
               <a:t>mã</a:t>
             </a:r>
             <a:r>
-              <a:rPr sz="1400" spc="15" dirty="0">
-                <a:latin typeface="Arial" panose="020B0604020202020204" pitchFamily="34" charset="0"/>
-                <a:cs typeface="Arial" panose="020B0604020202020204" pitchFamily="34" charset="0"/>
-              </a:rPr>
-              <a:t> </a:t>
-            </a:r>
-            <a:r>
-              <a:rPr sz="1400" spc="-170" dirty="0">
-                <a:latin typeface="Arial" panose="020B0604020202020204" pitchFamily="34" charset="0"/>
-                <a:cs typeface="Arial" panose="020B0604020202020204" pitchFamily="34" charset="0"/>
+              <a:rPr lang="en-US" sz="1400" dirty="0">
+                <a:latin typeface="Tahoma" panose="020B0604030504040204" pitchFamily="34" charset="0"/>
+                <a:ea typeface="Tahoma" panose="020B0604030504040204" pitchFamily="34" charset="0"/>
+                <a:cs typeface="Tahoma" panose="020B0604030504040204" pitchFamily="34" charset="0"/>
+              </a:rPr>
+              <a:t> </a:t>
+            </a:r>
+            <a:r>
+              <a:rPr lang="en-US" sz="1400" dirty="0" err="1">
+                <a:latin typeface="Tahoma" panose="020B0604030504040204" pitchFamily="34" charset="0"/>
+                <a:ea typeface="Tahoma" panose="020B0604030504040204" pitchFamily="34" charset="0"/>
+                <a:cs typeface="Tahoma" panose="020B0604030504040204" pitchFamily="34" charset="0"/>
               </a:rPr>
               <a:t>nguồn</a:t>
             </a:r>
             <a:r>
-              <a:rPr sz="1400" spc="-20" dirty="0">
-                <a:latin typeface="Arial" panose="020B0604020202020204" pitchFamily="34" charset="0"/>
-                <a:cs typeface="Arial" panose="020B0604020202020204" pitchFamily="34" charset="0"/>
-              </a:rPr>
-              <a:t> </a:t>
-            </a:r>
-            <a:r>
-              <a:rPr sz="1400" spc="-50" dirty="0">
-                <a:latin typeface="Arial" panose="020B0604020202020204" pitchFamily="34" charset="0"/>
-                <a:cs typeface="Arial" panose="020B0604020202020204" pitchFamily="34" charset="0"/>
-              </a:rPr>
-              <a:t>ở:</a:t>
-            </a:r>
-            <a:r>
-              <a:rPr sz="1400" spc="-75" dirty="0">
-                <a:latin typeface="Arial" panose="020B0604020202020204" pitchFamily="34" charset="0"/>
-                <a:cs typeface="Arial" panose="020B0604020202020204" pitchFamily="34" charset="0"/>
-              </a:rPr>
-              <a:t> </a:t>
-            </a:r>
-            <a:r>
-              <a:rPr sz="1400" spc="-55" dirty="0">
-                <a:latin typeface="Arial" panose="020B0604020202020204" pitchFamily="34" charset="0"/>
-                <a:cs typeface="Arial" panose="020B0604020202020204" pitchFamily="34" charset="0"/>
+              <a:rPr lang="en-US" sz="1400" dirty="0">
+                <a:latin typeface="Tahoma" panose="020B0604030504040204" pitchFamily="34" charset="0"/>
+                <a:ea typeface="Tahoma" panose="020B0604030504040204" pitchFamily="34" charset="0"/>
+                <a:cs typeface="Tahoma" panose="020B0604030504040204" pitchFamily="34" charset="0"/>
+              </a:rPr>
+              <a:t> ở: </a:t>
+            </a:r>
+            <a:r>
+              <a:rPr lang="en-US" sz="1400" dirty="0">
+                <a:latin typeface="Tahoma" panose="020B0604030504040204" pitchFamily="34" charset="0"/>
+                <a:ea typeface="Tahoma" panose="020B0604030504040204" pitchFamily="34" charset="0"/>
+                <a:cs typeface="Tahoma" panose="020B0604030504040204" pitchFamily="34" charset="0"/>
                 <a:hlinkClick r:id="rId2"/>
               </a:rPr>
-              <a:t>Project</a:t>
-            </a:r>
-            <a:r>
-              <a:rPr sz="1400" spc="-120" dirty="0">
-                <a:latin typeface="Arial" panose="020B0604020202020204" pitchFamily="34" charset="0"/>
-                <a:cs typeface="Arial" panose="020B0604020202020204" pitchFamily="34" charset="0"/>
-                <a:hlinkClick r:id="rId2"/>
-              </a:rPr>
-              <a:t> </a:t>
-            </a:r>
-            <a:r>
-              <a:rPr sz="1400" spc="-80" dirty="0">
-                <a:latin typeface="Arial" panose="020B0604020202020204" pitchFamily="34" charset="0"/>
-                <a:cs typeface="Arial" panose="020B0604020202020204" pitchFamily="34" charset="0"/>
-                <a:hlinkClick r:id="rId2"/>
-              </a:rPr>
-              <a:t>2</a:t>
-            </a:r>
-            <a:r>
-              <a:rPr sz="1400" spc="-80" dirty="0">
-                <a:latin typeface="Arial" panose="020B0604020202020204" pitchFamily="34" charset="0"/>
-                <a:cs typeface="Arial" panose="020B0604020202020204" pitchFamily="34" charset="0"/>
-              </a:rPr>
-              <a:t> </a:t>
-            </a:r>
-            <a:r>
-              <a:rPr sz="1400" spc="-20" dirty="0">
-                <a:latin typeface="Arial" panose="020B0604020202020204" pitchFamily="34" charset="0"/>
-                <a:cs typeface="Arial" panose="020B0604020202020204" pitchFamily="34" charset="0"/>
-                <a:hlinkClick r:id="rId2"/>
-              </a:rPr>
-              <a:t>Rust</a:t>
-            </a:r>
-            <a:endParaRPr sz="1400" dirty="0">
-              <a:latin typeface="Arial" panose="020B0604020202020204" pitchFamily="34" charset="0"/>
-              <a:cs typeface="Arial" panose="020B0604020202020204" pitchFamily="34" charset="0"/>
+              <a:t>Project 2 Rust</a:t>
+            </a:r>
+            <a:endParaRPr lang="en-US" sz="1400" dirty="0">
+              <a:latin typeface="Tahoma" panose="020B0604030504040204" pitchFamily="34" charset="0"/>
+              <a:ea typeface="Tahoma" panose="020B0604030504040204" pitchFamily="34" charset="0"/>
+              <a:cs typeface="Tahoma" panose="020B0604030504040204" pitchFamily="34" charset="0"/>
+            </a:endParaRPr>
+          </a:p>
+          <a:p>
+            <a:pPr algn="l"/>
+            <a:endParaRPr lang="en-US" sz="1100" dirty="0">
+              <a:latin typeface="Tahoma" panose="020B0604030504040204" pitchFamily="34" charset="0"/>
+              <a:ea typeface="Tahoma" panose="020B0604030504040204" pitchFamily="34" charset="0"/>
+              <a:cs typeface="Tahoma" panose="020B0604030504040204" pitchFamily="34" charset="0"/>
             </a:endParaRPr>
           </a:p>
         </p:txBody>
@@ -14940,839 +13056,944 @@
           </a:p>
         </p:txBody>
       </p:sp>
-      <p:sp>
-        <p:nvSpPr>
-          <p:cNvPr id="3" name="object 3"/>
-          <p:cNvSpPr txBox="1"/>
+      <p:pic>
+        <p:nvPicPr>
+          <p:cNvPr id="4" name="Picture 3">
+            <a:extLst>
+              <a:ext uri="{FF2B5EF4-FFF2-40B4-BE49-F238E27FC236}">
+                <a16:creationId xmlns:a16="http://schemas.microsoft.com/office/drawing/2014/main" id="{8C5BA0B1-C08E-4D1D-BDCC-080348F1BED4}"/>
+              </a:ext>
+            </a:extLst>
+          </p:cNvPr>
+          <p:cNvPicPr>
+            <a:picLocks noChangeAspect="1"/>
+          </p:cNvPicPr>
           <p:nvPr/>
-        </p:nvSpPr>
+        </p:nvPicPr>
+        <p:blipFill>
+          <a:blip r:embed="rId2"/>
+          <a:stretch>
+            <a:fillRect/>
+          </a:stretch>
+        </p:blipFill>
         <p:spPr>
           <a:xfrm>
-            <a:off x="421957" y="1144472"/>
-            <a:ext cx="3763010" cy="1184275"/>
+            <a:off x="614362" y="455427"/>
+            <a:ext cx="3381375" cy="1123950"/>
           </a:xfrm>
           <a:prstGeom prst="rect">
             <a:avLst/>
           </a:prstGeom>
         </p:spPr>
-        <p:txBody>
-          <a:bodyPr vert="horz" wrap="square" lIns="0" tIns="6985" rIns="0" bIns="0" rtlCol="0">
-            <a:spAutoFit/>
-          </a:bodyPr>
-          <a:lstStyle/>
-          <a:p>
-            <a:pPr marL="214629" marR="105410" indent="-177165">
-              <a:lnSpc>
-                <a:spcPct val="102600"/>
-              </a:lnSpc>
-              <a:spcBef>
-                <a:spcPts val="55"/>
-              </a:spcBef>
-              <a:buClr>
-                <a:srgbClr val="FF0000"/>
-              </a:buClr>
-              <a:buFont typeface="Lucida Sans Unicode"/>
-              <a:buChar char="►"/>
-              <a:tabLst>
-                <a:tab pos="214629" algn="l"/>
-              </a:tabLst>
-            </a:pPr>
-            <a:r>
-              <a:rPr sz="1100" dirty="0">
-                <a:latin typeface="Tahoma"/>
-                <a:cs typeface="Tahoma"/>
-              </a:rPr>
-              <a:t>Giới</a:t>
-            </a:r>
-            <a:r>
-              <a:rPr sz="1100" spc="-90" dirty="0">
-                <a:latin typeface="Tahoma"/>
-                <a:cs typeface="Tahoma"/>
-              </a:rPr>
-              <a:t> </a:t>
-            </a:r>
-            <a:r>
-              <a:rPr sz="1100" spc="-20" dirty="0">
-                <a:latin typeface="Tahoma"/>
-                <a:cs typeface="Tahoma"/>
-              </a:rPr>
-              <a:t>thiệu</a:t>
-            </a:r>
-            <a:r>
-              <a:rPr sz="1100" spc="-65" dirty="0">
-                <a:latin typeface="Tahoma"/>
-                <a:cs typeface="Tahoma"/>
-              </a:rPr>
-              <a:t> </a:t>
-            </a:r>
-            <a:r>
-              <a:rPr sz="1100" spc="-50" dirty="0">
-                <a:latin typeface="Tahoma"/>
-                <a:cs typeface="Tahoma"/>
-              </a:rPr>
-              <a:t>về</a:t>
-            </a:r>
-            <a:r>
-              <a:rPr sz="1100" spc="-40" dirty="0">
-                <a:latin typeface="Tahoma"/>
-                <a:cs typeface="Tahoma"/>
-              </a:rPr>
-              <a:t> </a:t>
-            </a:r>
-            <a:r>
-              <a:rPr sz="1100" spc="-10" dirty="0">
-                <a:latin typeface="Tahoma"/>
-                <a:cs typeface="Tahoma"/>
-              </a:rPr>
-              <a:t>Rust:</a:t>
-            </a:r>
-            <a:r>
-              <a:rPr sz="1100" spc="5" dirty="0">
-                <a:latin typeface="Tahoma"/>
-                <a:cs typeface="Tahoma"/>
-              </a:rPr>
-              <a:t> </a:t>
-            </a:r>
-            <a:r>
-              <a:rPr sz="1100" spc="-20" dirty="0">
-                <a:latin typeface="Tahoma"/>
-                <a:cs typeface="Tahoma"/>
-              </a:rPr>
-              <a:t>Ngôn</a:t>
-            </a:r>
-            <a:r>
-              <a:rPr sz="1100" spc="-65" dirty="0">
-                <a:latin typeface="Tahoma"/>
-                <a:cs typeface="Tahoma"/>
-              </a:rPr>
-              <a:t> </a:t>
-            </a:r>
-            <a:r>
-              <a:rPr sz="1100" spc="-45" dirty="0">
-                <a:latin typeface="Tahoma"/>
-                <a:cs typeface="Tahoma"/>
-              </a:rPr>
-              <a:t>ngữ</a:t>
-            </a:r>
-            <a:r>
-              <a:rPr sz="1100" spc="-40" dirty="0">
-                <a:latin typeface="Tahoma"/>
-                <a:cs typeface="Tahoma"/>
-              </a:rPr>
-              <a:t> </a:t>
-            </a:r>
-            <a:r>
-              <a:rPr sz="1100" dirty="0">
-                <a:latin typeface="Tahoma"/>
-                <a:cs typeface="Tahoma"/>
-              </a:rPr>
-              <a:t>lập</a:t>
-            </a:r>
-            <a:r>
-              <a:rPr sz="1100" spc="-65" dirty="0">
-                <a:latin typeface="Tahoma"/>
-                <a:cs typeface="Tahoma"/>
-              </a:rPr>
-              <a:t> </a:t>
-            </a:r>
-            <a:r>
-              <a:rPr sz="1100" dirty="0">
-                <a:latin typeface="Tahoma"/>
-                <a:cs typeface="Tahoma"/>
-              </a:rPr>
-              <a:t>trình</a:t>
-            </a:r>
-            <a:r>
-              <a:rPr sz="1100" spc="-60" dirty="0">
-                <a:latin typeface="Tahoma"/>
-                <a:cs typeface="Tahoma"/>
-              </a:rPr>
-              <a:t> </a:t>
-            </a:r>
-            <a:r>
-              <a:rPr sz="1100" spc="-40" dirty="0">
-                <a:latin typeface="Tahoma"/>
-                <a:cs typeface="Tahoma"/>
-              </a:rPr>
-              <a:t>hệ</a:t>
-            </a:r>
-            <a:r>
-              <a:rPr sz="1100" spc="-45" dirty="0">
-                <a:latin typeface="Tahoma"/>
-                <a:cs typeface="Tahoma"/>
-              </a:rPr>
-              <a:t> </a:t>
-            </a:r>
-            <a:r>
-              <a:rPr sz="1100" spc="-30" dirty="0">
-                <a:latin typeface="Tahoma"/>
-                <a:cs typeface="Tahoma"/>
-              </a:rPr>
-              <a:t>thống,</a:t>
-            </a:r>
-            <a:r>
-              <a:rPr sz="1100" spc="-60" dirty="0">
-                <a:latin typeface="Tahoma"/>
-                <a:cs typeface="Tahoma"/>
-              </a:rPr>
-              <a:t> </a:t>
-            </a:r>
-            <a:r>
-              <a:rPr sz="1100" dirty="0">
-                <a:latin typeface="Tahoma"/>
-                <a:cs typeface="Tahoma"/>
-              </a:rPr>
-              <a:t>tập</a:t>
-            </a:r>
-            <a:r>
-              <a:rPr sz="1100" spc="-60" dirty="0">
-                <a:latin typeface="Tahoma"/>
-                <a:cs typeface="Tahoma"/>
-              </a:rPr>
-              <a:t> </a:t>
-            </a:r>
-            <a:r>
-              <a:rPr sz="1100" spc="-20" dirty="0">
-                <a:latin typeface="Tahoma"/>
-                <a:cs typeface="Tahoma"/>
-              </a:rPr>
-              <a:t>trung </a:t>
-            </a:r>
-            <a:r>
-              <a:rPr sz="1100" spc="-35" dirty="0">
-                <a:latin typeface="Tahoma"/>
-                <a:cs typeface="Tahoma"/>
-              </a:rPr>
-              <a:t>vào</a:t>
-            </a:r>
-            <a:r>
-              <a:rPr sz="1100" spc="-55" dirty="0">
-                <a:latin typeface="Tahoma"/>
-                <a:cs typeface="Tahoma"/>
-              </a:rPr>
-              <a:t> </a:t>
-            </a:r>
-            <a:r>
-              <a:rPr sz="1100" spc="-10" dirty="0">
-                <a:latin typeface="Tahoma"/>
-                <a:cs typeface="Tahoma"/>
-              </a:rPr>
-              <a:t>an</a:t>
-            </a:r>
-            <a:r>
-              <a:rPr sz="1100" spc="-75" dirty="0">
-                <a:latin typeface="Tahoma"/>
-                <a:cs typeface="Tahoma"/>
-              </a:rPr>
-              <a:t> </a:t>
-            </a:r>
-            <a:r>
-              <a:rPr sz="1100" spc="-20" dirty="0">
-                <a:latin typeface="Tahoma"/>
-                <a:cs typeface="Tahoma"/>
-              </a:rPr>
-              <a:t>toàn,</a:t>
-            </a:r>
-            <a:r>
-              <a:rPr sz="1100" spc="-65" dirty="0">
-                <a:latin typeface="Tahoma"/>
-                <a:cs typeface="Tahoma"/>
-              </a:rPr>
-              <a:t> </a:t>
-            </a:r>
-            <a:r>
-              <a:rPr sz="1100" dirty="0">
-                <a:latin typeface="Tahoma"/>
-                <a:cs typeface="Tahoma"/>
-              </a:rPr>
-              <a:t>tốc</a:t>
-            </a:r>
-            <a:r>
-              <a:rPr sz="1100" spc="-55" dirty="0">
-                <a:latin typeface="Tahoma"/>
-                <a:cs typeface="Tahoma"/>
-              </a:rPr>
-              <a:t> </a:t>
-            </a:r>
-            <a:r>
-              <a:rPr sz="1100" spc="-20" dirty="0">
-                <a:latin typeface="Tahoma"/>
-                <a:cs typeface="Tahoma"/>
-              </a:rPr>
-              <a:t>độ</a:t>
-            </a:r>
-            <a:r>
-              <a:rPr sz="1100" spc="-55" dirty="0">
-                <a:latin typeface="Tahoma"/>
-                <a:cs typeface="Tahoma"/>
-              </a:rPr>
-              <a:t> </a:t>
-            </a:r>
-            <a:r>
-              <a:rPr sz="1100" dirty="0">
-                <a:latin typeface="Tahoma"/>
-                <a:cs typeface="Tahoma"/>
-              </a:rPr>
-              <a:t>và</a:t>
-            </a:r>
-            <a:r>
-              <a:rPr sz="1100" spc="-60" dirty="0">
-                <a:latin typeface="Tahoma"/>
-                <a:cs typeface="Tahoma"/>
-              </a:rPr>
-              <a:t> </a:t>
-            </a:r>
-            <a:r>
-              <a:rPr sz="1100" dirty="0">
-                <a:latin typeface="Tahoma"/>
-                <a:cs typeface="Tahoma"/>
-              </a:rPr>
-              <a:t>lập</a:t>
-            </a:r>
-            <a:r>
-              <a:rPr sz="1100" spc="-55" dirty="0">
-                <a:latin typeface="Tahoma"/>
-                <a:cs typeface="Tahoma"/>
-              </a:rPr>
-              <a:t> </a:t>
-            </a:r>
-            <a:r>
-              <a:rPr sz="1100" dirty="0">
-                <a:latin typeface="Tahoma"/>
-                <a:cs typeface="Tahoma"/>
-              </a:rPr>
-              <a:t>trình</a:t>
-            </a:r>
-            <a:r>
-              <a:rPr sz="1100" spc="-55" dirty="0">
-                <a:latin typeface="Tahoma"/>
-                <a:cs typeface="Tahoma"/>
-              </a:rPr>
-              <a:t> đồng</a:t>
-            </a:r>
-            <a:r>
-              <a:rPr sz="1100" spc="-30" dirty="0">
-                <a:latin typeface="Tahoma"/>
-                <a:cs typeface="Tahoma"/>
-              </a:rPr>
-              <a:t> </a:t>
-            </a:r>
-            <a:r>
-              <a:rPr sz="1100" spc="-10" dirty="0">
-                <a:latin typeface="Tahoma"/>
-                <a:cs typeface="Tahoma"/>
-              </a:rPr>
-              <a:t>thời.</a:t>
-            </a:r>
-            <a:endParaRPr sz="1100" dirty="0">
-              <a:latin typeface="Tahoma"/>
-              <a:cs typeface="Tahoma"/>
-            </a:endParaRPr>
-          </a:p>
-          <a:p>
-            <a:pPr marL="215265" indent="-177165">
-              <a:lnSpc>
-                <a:spcPct val="100000"/>
-              </a:lnSpc>
-              <a:spcBef>
-                <a:spcPts val="175"/>
-              </a:spcBef>
-              <a:buClr>
-                <a:srgbClr val="FF0000"/>
-              </a:buClr>
-              <a:buFont typeface="Lucida Sans Unicode"/>
-              <a:buChar char="►"/>
-              <a:tabLst>
-                <a:tab pos="215265" algn="l"/>
-              </a:tabLst>
-            </a:pPr>
-            <a:r>
-              <a:rPr sz="1100" dirty="0">
-                <a:latin typeface="Tahoma"/>
-                <a:cs typeface="Tahoma"/>
-              </a:rPr>
-              <a:t>Đặc</a:t>
-            </a:r>
-            <a:r>
-              <a:rPr sz="1100" spc="-60" dirty="0">
-                <a:latin typeface="Tahoma"/>
-                <a:cs typeface="Tahoma"/>
-              </a:rPr>
-              <a:t> </a:t>
-            </a:r>
-            <a:r>
-              <a:rPr sz="1100" spc="-45" dirty="0">
-                <a:latin typeface="Tahoma"/>
-                <a:cs typeface="Tahoma"/>
-              </a:rPr>
-              <a:t>điểm</a:t>
-            </a:r>
-            <a:r>
-              <a:rPr sz="1100" spc="-40" dirty="0">
-                <a:latin typeface="Tahoma"/>
-                <a:cs typeface="Tahoma"/>
-              </a:rPr>
-              <a:t> </a:t>
-            </a:r>
-            <a:r>
-              <a:rPr sz="1100" dirty="0">
-                <a:latin typeface="Tahoma"/>
-                <a:cs typeface="Tahoma"/>
-              </a:rPr>
-              <a:t>nổi</a:t>
-            </a:r>
-            <a:r>
-              <a:rPr sz="1100" spc="-50" dirty="0">
-                <a:latin typeface="Tahoma"/>
-                <a:cs typeface="Tahoma"/>
-              </a:rPr>
-              <a:t> </a:t>
-            </a:r>
-            <a:r>
-              <a:rPr sz="1100" spc="-20" dirty="0">
-                <a:latin typeface="Tahoma"/>
-                <a:cs typeface="Tahoma"/>
-              </a:rPr>
-              <a:t>bật:</a:t>
-            </a:r>
-            <a:endParaRPr sz="1100" dirty="0">
-              <a:latin typeface="Tahoma"/>
-              <a:cs typeface="Tahoma"/>
-            </a:endParaRPr>
-          </a:p>
-          <a:p>
-            <a:pPr marL="489584" marR="30480" lvl="1" indent="-165735">
-              <a:lnSpc>
-                <a:spcPct val="100000"/>
-              </a:lnSpc>
-              <a:spcBef>
-                <a:spcPts val="175"/>
-              </a:spcBef>
-              <a:buClr>
-                <a:srgbClr val="FF0000"/>
-              </a:buClr>
-              <a:buFont typeface="Lucida Sans Unicode"/>
-              <a:buChar char="►"/>
-              <a:tabLst>
-                <a:tab pos="492125" algn="l"/>
-              </a:tabLst>
-            </a:pPr>
-            <a:r>
-              <a:rPr sz="1000" b="1" dirty="0">
-                <a:latin typeface="Arial"/>
-                <a:cs typeface="Arial"/>
-              </a:rPr>
-              <a:t>An</a:t>
-            </a:r>
-            <a:r>
-              <a:rPr sz="1000" b="1" spc="15" dirty="0">
-                <a:latin typeface="Arial"/>
-                <a:cs typeface="Arial"/>
-              </a:rPr>
-              <a:t> </a:t>
-            </a:r>
-            <a:r>
-              <a:rPr sz="1000" b="1" dirty="0">
-                <a:latin typeface="Arial"/>
-                <a:cs typeface="Arial"/>
-              </a:rPr>
-              <a:t>toàn</a:t>
-            </a:r>
-            <a:r>
-              <a:rPr sz="1000" b="1" spc="15" dirty="0">
-                <a:latin typeface="Arial"/>
-                <a:cs typeface="Arial"/>
-              </a:rPr>
-              <a:t> </a:t>
-            </a:r>
-            <a:r>
-              <a:rPr sz="1000" b="1" dirty="0">
-                <a:latin typeface="Arial"/>
-                <a:cs typeface="Arial"/>
-              </a:rPr>
-              <a:t>bộ</a:t>
-            </a:r>
-            <a:r>
-              <a:rPr sz="1000" b="1" spc="15" dirty="0">
-                <a:latin typeface="Arial"/>
-                <a:cs typeface="Arial"/>
-              </a:rPr>
-              <a:t> </a:t>
-            </a:r>
-            <a:r>
-              <a:rPr sz="1000" b="1" spc="-60" dirty="0">
-                <a:latin typeface="Arial"/>
-                <a:cs typeface="Arial"/>
-              </a:rPr>
-              <a:t>nhớ</a:t>
-            </a:r>
-            <a:r>
-              <a:rPr sz="1000" spc="-60" dirty="0">
-                <a:latin typeface="Tahoma"/>
-                <a:cs typeface="Tahoma"/>
-              </a:rPr>
-              <a:t>:</a:t>
-            </a:r>
-            <a:r>
-              <a:rPr sz="1000" spc="40" dirty="0">
-                <a:latin typeface="Tahoma"/>
-                <a:cs typeface="Tahoma"/>
-              </a:rPr>
-              <a:t> </a:t>
-            </a:r>
-            <a:r>
-              <a:rPr sz="1000" dirty="0">
-                <a:latin typeface="Tahoma"/>
-                <a:cs typeface="Tahoma"/>
-              </a:rPr>
-              <a:t>Không</a:t>
-            </a:r>
-            <a:r>
-              <a:rPr sz="1000" spc="-50" dirty="0">
-                <a:latin typeface="Tahoma"/>
-                <a:cs typeface="Tahoma"/>
-              </a:rPr>
-              <a:t> </a:t>
-            </a:r>
-            <a:r>
-              <a:rPr sz="1000" dirty="0">
-                <a:latin typeface="Tahoma"/>
-                <a:cs typeface="Tahoma"/>
-              </a:rPr>
-              <a:t>có</a:t>
-            </a:r>
-            <a:r>
-              <a:rPr sz="1000" spc="-45" dirty="0">
-                <a:latin typeface="Tahoma"/>
-                <a:cs typeface="Tahoma"/>
-              </a:rPr>
-              <a:t> </a:t>
-            </a:r>
-            <a:r>
-              <a:rPr sz="1000" dirty="0">
-                <a:latin typeface="Tahoma"/>
-                <a:cs typeface="Tahoma"/>
-              </a:rPr>
-              <a:t>null</a:t>
-            </a:r>
-            <a:r>
-              <a:rPr sz="1000" spc="-50" dirty="0">
-                <a:latin typeface="Tahoma"/>
-                <a:cs typeface="Tahoma"/>
-              </a:rPr>
-              <a:t> </a:t>
-            </a:r>
-            <a:r>
-              <a:rPr sz="1000" spc="-30" dirty="0">
-                <a:latin typeface="Tahoma"/>
-                <a:cs typeface="Tahoma"/>
-              </a:rPr>
-              <a:t>pointers,</a:t>
-            </a:r>
-            <a:r>
-              <a:rPr sz="1000" spc="-45" dirty="0">
-                <a:latin typeface="Tahoma"/>
-                <a:cs typeface="Tahoma"/>
-              </a:rPr>
-              <a:t> </a:t>
-            </a:r>
-            <a:r>
-              <a:rPr sz="1000" spc="-30" dirty="0">
-                <a:latin typeface="Tahoma"/>
-                <a:cs typeface="Tahoma"/>
-              </a:rPr>
-              <a:t>dangling</a:t>
-            </a:r>
-            <a:r>
-              <a:rPr sz="1000" spc="-50" dirty="0">
-                <a:latin typeface="Tahoma"/>
-                <a:cs typeface="Tahoma"/>
-              </a:rPr>
-              <a:t> </a:t>
-            </a:r>
-            <a:r>
-              <a:rPr sz="1000" spc="-25" dirty="0">
-                <a:latin typeface="Tahoma"/>
-                <a:cs typeface="Tahoma"/>
-              </a:rPr>
-              <a:t>pointers, 	</a:t>
-            </a:r>
-            <a:r>
-              <a:rPr sz="1000" spc="-10" dirty="0">
-                <a:latin typeface="Tahoma"/>
-                <a:cs typeface="Tahoma"/>
-              </a:rPr>
-              <a:t>data</a:t>
-            </a:r>
-            <a:r>
-              <a:rPr sz="1000" spc="-65" dirty="0">
-                <a:latin typeface="Tahoma"/>
-                <a:cs typeface="Tahoma"/>
-              </a:rPr>
-              <a:t> </a:t>
-            </a:r>
-            <a:r>
-              <a:rPr sz="1000" spc="-10" dirty="0">
-                <a:latin typeface="Tahoma"/>
-                <a:cs typeface="Tahoma"/>
-              </a:rPr>
-              <a:t>races.</a:t>
-            </a:r>
-            <a:endParaRPr sz="1000" dirty="0">
-              <a:latin typeface="Tahoma"/>
-              <a:cs typeface="Tahoma"/>
-            </a:endParaRPr>
-          </a:p>
-          <a:p>
-            <a:pPr marL="490220" lvl="1" indent="-165735">
-              <a:lnSpc>
-                <a:spcPts val="1190"/>
-              </a:lnSpc>
-              <a:buClr>
-                <a:srgbClr val="FF0000"/>
-              </a:buClr>
-              <a:buFont typeface="Lucida Sans Unicode"/>
-              <a:buChar char="►"/>
-              <a:tabLst>
-                <a:tab pos="490220" algn="l"/>
-              </a:tabLst>
-            </a:pPr>
-            <a:r>
-              <a:rPr sz="1000" b="1" dirty="0">
-                <a:latin typeface="Arial"/>
-                <a:cs typeface="Arial"/>
-              </a:rPr>
-              <a:t>Hiệu</a:t>
-            </a:r>
-            <a:r>
-              <a:rPr sz="1000" b="1" spc="-25" dirty="0">
-                <a:latin typeface="Arial"/>
-                <a:cs typeface="Arial"/>
-              </a:rPr>
-              <a:t> </a:t>
-            </a:r>
-            <a:r>
-              <a:rPr sz="1000" b="1" spc="-10" dirty="0">
-                <a:latin typeface="Arial"/>
-                <a:cs typeface="Arial"/>
-              </a:rPr>
-              <a:t>suất</a:t>
-            </a:r>
-            <a:r>
-              <a:rPr sz="1000" b="1" spc="10" dirty="0">
-                <a:latin typeface="Arial"/>
-                <a:cs typeface="Arial"/>
-              </a:rPr>
-              <a:t> </a:t>
-            </a:r>
-            <a:r>
-              <a:rPr sz="1000" b="1" spc="-30" dirty="0">
-                <a:latin typeface="Arial"/>
-                <a:cs typeface="Arial"/>
-              </a:rPr>
-              <a:t>cao</a:t>
-            </a:r>
-            <a:r>
-              <a:rPr sz="1000" spc="-30" dirty="0">
-                <a:latin typeface="Tahoma"/>
-                <a:cs typeface="Tahoma"/>
-              </a:rPr>
-              <a:t>:</a:t>
-            </a:r>
-            <a:r>
-              <a:rPr sz="1000" spc="35" dirty="0">
-                <a:latin typeface="Tahoma"/>
-                <a:cs typeface="Tahoma"/>
-              </a:rPr>
-              <a:t> </a:t>
-            </a:r>
-            <a:r>
-              <a:rPr sz="1000" spc="-20" dirty="0">
-                <a:latin typeface="Tahoma"/>
-                <a:cs typeface="Tahoma"/>
-              </a:rPr>
-              <a:t>Tương</a:t>
-            </a:r>
-            <a:r>
-              <a:rPr sz="1000" spc="-50" dirty="0">
-                <a:latin typeface="Tahoma"/>
-                <a:cs typeface="Tahoma"/>
-              </a:rPr>
-              <a:t> </a:t>
-            </a:r>
-            <a:r>
-              <a:rPr sz="1000" spc="-60" dirty="0">
-                <a:latin typeface="Tahoma"/>
-                <a:cs typeface="Tahoma"/>
-              </a:rPr>
-              <a:t>đương</a:t>
-            </a:r>
-            <a:r>
-              <a:rPr sz="1000" spc="-20" dirty="0">
-                <a:latin typeface="Tahoma"/>
-                <a:cs typeface="Tahoma"/>
-              </a:rPr>
-              <a:t> </a:t>
-            </a:r>
-            <a:r>
-              <a:rPr sz="1000" spc="-10" dirty="0">
-                <a:latin typeface="Tahoma"/>
-                <a:cs typeface="Tahoma"/>
-              </a:rPr>
-              <a:t>C/C++.</a:t>
-            </a:r>
-            <a:endParaRPr sz="1000" dirty="0">
-              <a:latin typeface="Tahoma"/>
-              <a:cs typeface="Tahoma"/>
-            </a:endParaRPr>
-          </a:p>
-          <a:p>
-            <a:pPr marL="490220" lvl="1" indent="-165735">
-              <a:lnSpc>
-                <a:spcPts val="1200"/>
-              </a:lnSpc>
-              <a:buClr>
-                <a:srgbClr val="FF0000"/>
-              </a:buClr>
-              <a:buFont typeface="Lucida Sans Unicode"/>
-              <a:buChar char="►"/>
-              <a:tabLst>
-                <a:tab pos="490220" algn="l"/>
-              </a:tabLst>
-            </a:pPr>
-            <a:r>
-              <a:rPr sz="1000" b="1" dirty="0">
-                <a:latin typeface="Arial"/>
-                <a:cs typeface="Arial"/>
-              </a:rPr>
-              <a:t>Lập</a:t>
-            </a:r>
-            <a:r>
-              <a:rPr sz="1000" b="1" spc="5" dirty="0">
-                <a:latin typeface="Arial"/>
-                <a:cs typeface="Arial"/>
-              </a:rPr>
-              <a:t> </a:t>
-            </a:r>
-            <a:r>
-              <a:rPr sz="1000" b="1" dirty="0">
-                <a:latin typeface="Arial"/>
-                <a:cs typeface="Arial"/>
-              </a:rPr>
-              <a:t>trình</a:t>
-            </a:r>
-            <a:r>
-              <a:rPr sz="1000" b="1" spc="10" dirty="0">
-                <a:latin typeface="Arial"/>
-                <a:cs typeface="Arial"/>
-              </a:rPr>
-              <a:t> </a:t>
-            </a:r>
-            <a:r>
-              <a:rPr sz="1000" b="1" spc="-35" dirty="0">
-                <a:latin typeface="Arial"/>
-                <a:cs typeface="Arial"/>
-              </a:rPr>
-              <a:t>đồng</a:t>
-            </a:r>
-            <a:r>
-              <a:rPr sz="1000" b="1" spc="5" dirty="0">
-                <a:latin typeface="Arial"/>
-                <a:cs typeface="Arial"/>
-              </a:rPr>
-              <a:t> </a:t>
-            </a:r>
-            <a:r>
-              <a:rPr sz="1000" b="1" spc="-25" dirty="0">
-                <a:latin typeface="Arial"/>
-                <a:cs typeface="Arial"/>
-              </a:rPr>
-              <a:t>thời</a:t>
-            </a:r>
-            <a:r>
-              <a:rPr sz="1000" spc="-25" dirty="0">
-                <a:latin typeface="Tahoma"/>
-                <a:cs typeface="Tahoma"/>
-              </a:rPr>
-              <a:t>:</a:t>
-            </a:r>
-            <a:r>
-              <a:rPr sz="1000" spc="30" dirty="0">
-                <a:latin typeface="Tahoma"/>
-                <a:cs typeface="Tahoma"/>
-              </a:rPr>
-              <a:t> </a:t>
-            </a:r>
-            <a:r>
-              <a:rPr sz="1000" dirty="0">
-                <a:latin typeface="Tahoma"/>
-                <a:cs typeface="Tahoma"/>
-              </a:rPr>
-              <a:t>Hỗ</a:t>
-            </a:r>
-            <a:r>
-              <a:rPr sz="1000" spc="-55" dirty="0">
-                <a:latin typeface="Tahoma"/>
-                <a:cs typeface="Tahoma"/>
-              </a:rPr>
-              <a:t> </a:t>
-            </a:r>
-            <a:r>
-              <a:rPr sz="1000" dirty="0">
-                <a:latin typeface="Tahoma"/>
-                <a:cs typeface="Tahoma"/>
-              </a:rPr>
-              <a:t>trợ</a:t>
-            </a:r>
-            <a:r>
-              <a:rPr sz="1000" spc="-55" dirty="0">
-                <a:latin typeface="Tahoma"/>
-                <a:cs typeface="Tahoma"/>
-              </a:rPr>
-              <a:t> </a:t>
-            </a:r>
-            <a:r>
-              <a:rPr sz="1000" dirty="0">
-                <a:latin typeface="Tahoma"/>
-                <a:cs typeface="Tahoma"/>
-              </a:rPr>
-              <a:t>tốt</a:t>
-            </a:r>
-            <a:r>
-              <a:rPr sz="1000" spc="-55" dirty="0">
-                <a:latin typeface="Tahoma"/>
-                <a:cs typeface="Tahoma"/>
-              </a:rPr>
-              <a:t> </a:t>
-            </a:r>
-            <a:r>
-              <a:rPr sz="1000" spc="-10" dirty="0">
-                <a:latin typeface="Tahoma"/>
-                <a:cs typeface="Tahoma"/>
-              </a:rPr>
-              <a:t>cho</a:t>
-            </a:r>
-            <a:r>
-              <a:rPr sz="1000" spc="-55" dirty="0">
-                <a:latin typeface="Tahoma"/>
-                <a:cs typeface="Tahoma"/>
-              </a:rPr>
-              <a:t> </a:t>
-            </a:r>
-            <a:r>
-              <a:rPr sz="1000" spc="-10" dirty="0">
-                <a:latin typeface="Tahoma"/>
-                <a:cs typeface="Tahoma"/>
-              </a:rPr>
-              <a:t>concurrency.</a:t>
-            </a:r>
-            <a:endParaRPr sz="1000" dirty="0">
-              <a:latin typeface="Tahoma"/>
-              <a:cs typeface="Tahoma"/>
-            </a:endParaRPr>
-          </a:p>
-        </p:txBody>
-      </p:sp>
+      </p:pic>
+      <p:grpSp>
+        <p:nvGrpSpPr>
+          <p:cNvPr id="6" name="Group 5">
+            <a:extLst>
+              <a:ext uri="{FF2B5EF4-FFF2-40B4-BE49-F238E27FC236}">
+                <a16:creationId xmlns:a16="http://schemas.microsoft.com/office/drawing/2014/main" id="{6C568EF5-3C47-4C0A-A0F4-4FEB4519CD44}"/>
+              </a:ext>
+            </a:extLst>
+          </p:cNvPr>
+          <p:cNvGrpSpPr/>
+          <p:nvPr/>
+        </p:nvGrpSpPr>
+        <p:grpSpPr>
+          <a:xfrm>
+            <a:off x="476250" y="1671279"/>
+            <a:ext cx="3886200" cy="1524000"/>
+            <a:chOff x="476250" y="1671279"/>
+            <a:chExt cx="3886200" cy="1524000"/>
+          </a:xfrm>
+        </p:grpSpPr>
+        <p:sp>
+          <p:nvSpPr>
+            <p:cNvPr id="3" name="object 3"/>
+            <p:cNvSpPr txBox="1"/>
+            <p:nvPr/>
+          </p:nvSpPr>
+          <p:spPr>
+            <a:xfrm>
+              <a:off x="552450" y="1730375"/>
+              <a:ext cx="3763010" cy="1454372"/>
+            </a:xfrm>
+            <a:prstGeom prst="rect">
+              <a:avLst/>
+            </a:prstGeom>
+          </p:spPr>
+          <p:txBody>
+            <a:bodyPr vert="horz" wrap="square" lIns="0" tIns="6985" rIns="0" bIns="0" rtlCol="0">
+              <a:spAutoFit/>
+            </a:bodyPr>
+            <a:lstStyle/>
+            <a:p>
+              <a:pPr marL="214629" marR="105410" indent="-177165">
+                <a:lnSpc>
+                  <a:spcPct val="102600"/>
+                </a:lnSpc>
+                <a:spcBef>
+                  <a:spcPts val="55"/>
+                </a:spcBef>
+                <a:buClr>
+                  <a:srgbClr val="FF0000"/>
+                </a:buClr>
+                <a:buFont typeface="Lucida Sans Unicode"/>
+                <a:buChar char="►"/>
+                <a:tabLst>
+                  <a:tab pos="214629" algn="l"/>
+                </a:tabLst>
+              </a:pPr>
+              <a:r>
+                <a:rPr sz="1200" dirty="0">
+                  <a:latin typeface="Tahoma"/>
+                  <a:cs typeface="Tahoma"/>
+                </a:rPr>
+                <a:t>Giới</a:t>
+              </a:r>
+              <a:r>
+                <a:rPr sz="1200" spc="-90" dirty="0">
+                  <a:latin typeface="Tahoma"/>
+                  <a:cs typeface="Tahoma"/>
+                </a:rPr>
+                <a:t> </a:t>
+              </a:r>
+              <a:r>
+                <a:rPr sz="1200" spc="-20" dirty="0">
+                  <a:latin typeface="Tahoma"/>
+                  <a:cs typeface="Tahoma"/>
+                </a:rPr>
+                <a:t>thiệu</a:t>
+              </a:r>
+              <a:r>
+                <a:rPr sz="1200" spc="-65" dirty="0">
+                  <a:latin typeface="Tahoma"/>
+                  <a:cs typeface="Tahoma"/>
+                </a:rPr>
+                <a:t> </a:t>
+              </a:r>
+              <a:r>
+                <a:rPr sz="1200" spc="-50" dirty="0">
+                  <a:latin typeface="Tahoma"/>
+                  <a:cs typeface="Tahoma"/>
+                </a:rPr>
+                <a:t>về</a:t>
+              </a:r>
+              <a:r>
+                <a:rPr sz="1200" spc="-40" dirty="0">
+                  <a:latin typeface="Tahoma"/>
+                  <a:cs typeface="Tahoma"/>
+                </a:rPr>
+                <a:t> </a:t>
+              </a:r>
+              <a:r>
+                <a:rPr sz="1200" spc="-10" dirty="0">
+                  <a:latin typeface="Tahoma"/>
+                  <a:cs typeface="Tahoma"/>
+                </a:rPr>
+                <a:t>Rust:</a:t>
+              </a:r>
+              <a:r>
+                <a:rPr sz="1200" spc="5" dirty="0">
+                  <a:latin typeface="Tahoma"/>
+                  <a:cs typeface="Tahoma"/>
+                </a:rPr>
+                <a:t> </a:t>
+              </a:r>
+              <a:r>
+                <a:rPr sz="1200" spc="-20" dirty="0">
+                  <a:latin typeface="Tahoma"/>
+                  <a:cs typeface="Tahoma"/>
+                </a:rPr>
+                <a:t>Ngôn</a:t>
+              </a:r>
+              <a:r>
+                <a:rPr sz="1200" spc="-65" dirty="0">
+                  <a:latin typeface="Tahoma"/>
+                  <a:cs typeface="Tahoma"/>
+                </a:rPr>
+                <a:t> </a:t>
+              </a:r>
+              <a:r>
+                <a:rPr sz="1200" spc="-45" dirty="0">
+                  <a:latin typeface="Tahoma"/>
+                  <a:cs typeface="Tahoma"/>
+                </a:rPr>
+                <a:t>ngữ</a:t>
+              </a:r>
+              <a:r>
+                <a:rPr sz="1200" spc="-40" dirty="0">
+                  <a:latin typeface="Tahoma"/>
+                  <a:cs typeface="Tahoma"/>
+                </a:rPr>
+                <a:t> </a:t>
+              </a:r>
+              <a:r>
+                <a:rPr sz="1200" dirty="0">
+                  <a:latin typeface="Tahoma"/>
+                  <a:cs typeface="Tahoma"/>
+                </a:rPr>
+                <a:t>lập</a:t>
+              </a:r>
+              <a:r>
+                <a:rPr sz="1200" spc="-65" dirty="0">
+                  <a:latin typeface="Tahoma"/>
+                  <a:cs typeface="Tahoma"/>
+                </a:rPr>
+                <a:t> </a:t>
+              </a:r>
+              <a:r>
+                <a:rPr sz="1200" dirty="0">
+                  <a:latin typeface="Tahoma"/>
+                  <a:cs typeface="Tahoma"/>
+                </a:rPr>
+                <a:t>trình</a:t>
+              </a:r>
+              <a:r>
+                <a:rPr sz="1200" spc="-60" dirty="0">
+                  <a:latin typeface="Tahoma"/>
+                  <a:cs typeface="Tahoma"/>
+                </a:rPr>
+                <a:t> </a:t>
+              </a:r>
+              <a:r>
+                <a:rPr sz="1200" spc="-40" dirty="0">
+                  <a:latin typeface="Tahoma"/>
+                  <a:cs typeface="Tahoma"/>
+                </a:rPr>
+                <a:t>hệ</a:t>
+              </a:r>
+              <a:r>
+                <a:rPr sz="1200" spc="-45" dirty="0">
+                  <a:latin typeface="Tahoma"/>
+                  <a:cs typeface="Tahoma"/>
+                </a:rPr>
+                <a:t> </a:t>
+              </a:r>
+              <a:r>
+                <a:rPr sz="1200" spc="-30" dirty="0">
+                  <a:latin typeface="Tahoma"/>
+                  <a:cs typeface="Tahoma"/>
+                </a:rPr>
+                <a:t>thống,</a:t>
+              </a:r>
+              <a:r>
+                <a:rPr sz="1200" spc="-60" dirty="0">
+                  <a:latin typeface="Tahoma"/>
+                  <a:cs typeface="Tahoma"/>
+                </a:rPr>
+                <a:t> </a:t>
+              </a:r>
+              <a:r>
+                <a:rPr sz="1200" dirty="0">
+                  <a:latin typeface="Tahoma"/>
+                  <a:cs typeface="Tahoma"/>
+                </a:rPr>
+                <a:t>tập</a:t>
+              </a:r>
+              <a:r>
+                <a:rPr sz="1200" spc="-60" dirty="0">
+                  <a:latin typeface="Tahoma"/>
+                  <a:cs typeface="Tahoma"/>
+                </a:rPr>
+                <a:t> </a:t>
+              </a:r>
+              <a:r>
+                <a:rPr sz="1200" spc="-20" dirty="0">
+                  <a:latin typeface="Tahoma"/>
+                  <a:cs typeface="Tahoma"/>
+                </a:rPr>
+                <a:t>trung </a:t>
+              </a:r>
+              <a:r>
+                <a:rPr sz="1200" spc="-35" dirty="0">
+                  <a:latin typeface="Tahoma"/>
+                  <a:cs typeface="Tahoma"/>
+                </a:rPr>
+                <a:t>vào</a:t>
+              </a:r>
+              <a:r>
+                <a:rPr sz="1200" spc="-55" dirty="0">
+                  <a:latin typeface="Tahoma"/>
+                  <a:cs typeface="Tahoma"/>
+                </a:rPr>
+                <a:t> </a:t>
+              </a:r>
+              <a:r>
+                <a:rPr sz="1200" spc="-10" dirty="0">
+                  <a:latin typeface="Tahoma"/>
+                  <a:cs typeface="Tahoma"/>
+                </a:rPr>
+                <a:t>an</a:t>
+              </a:r>
+              <a:r>
+                <a:rPr sz="1200" spc="-75" dirty="0">
+                  <a:latin typeface="Tahoma"/>
+                  <a:cs typeface="Tahoma"/>
+                </a:rPr>
+                <a:t> </a:t>
+              </a:r>
+              <a:r>
+                <a:rPr sz="1200" spc="-20" dirty="0">
+                  <a:latin typeface="Tahoma"/>
+                  <a:cs typeface="Tahoma"/>
+                </a:rPr>
+                <a:t>toàn,</a:t>
+              </a:r>
+              <a:r>
+                <a:rPr sz="1200" spc="-65" dirty="0">
+                  <a:latin typeface="Tahoma"/>
+                  <a:cs typeface="Tahoma"/>
+                </a:rPr>
+                <a:t> </a:t>
+              </a:r>
+              <a:r>
+                <a:rPr sz="1200" dirty="0">
+                  <a:latin typeface="Tahoma"/>
+                  <a:cs typeface="Tahoma"/>
+                </a:rPr>
+                <a:t>tốc</a:t>
+              </a:r>
+              <a:r>
+                <a:rPr sz="1200" spc="-55" dirty="0">
+                  <a:latin typeface="Tahoma"/>
+                  <a:cs typeface="Tahoma"/>
+                </a:rPr>
+                <a:t> </a:t>
+              </a:r>
+              <a:r>
+                <a:rPr sz="1200" spc="-20" dirty="0">
+                  <a:latin typeface="Tahoma"/>
+                  <a:cs typeface="Tahoma"/>
+                </a:rPr>
+                <a:t>độ</a:t>
+              </a:r>
+              <a:r>
+                <a:rPr sz="1200" spc="-55" dirty="0">
+                  <a:latin typeface="Tahoma"/>
+                  <a:cs typeface="Tahoma"/>
+                </a:rPr>
+                <a:t> </a:t>
+              </a:r>
+              <a:r>
+                <a:rPr sz="1200" dirty="0">
+                  <a:latin typeface="Tahoma"/>
+                  <a:cs typeface="Tahoma"/>
+                </a:rPr>
+                <a:t>và</a:t>
+              </a:r>
+              <a:r>
+                <a:rPr sz="1200" spc="-60" dirty="0">
+                  <a:latin typeface="Tahoma"/>
+                  <a:cs typeface="Tahoma"/>
+                </a:rPr>
+                <a:t> </a:t>
+              </a:r>
+              <a:r>
+                <a:rPr sz="1200" dirty="0">
+                  <a:latin typeface="Tahoma"/>
+                  <a:cs typeface="Tahoma"/>
+                </a:rPr>
+                <a:t>lập</a:t>
+              </a:r>
+              <a:r>
+                <a:rPr sz="1200" spc="-55" dirty="0">
+                  <a:latin typeface="Tahoma"/>
+                  <a:cs typeface="Tahoma"/>
+                </a:rPr>
+                <a:t> </a:t>
+              </a:r>
+              <a:r>
+                <a:rPr sz="1200" dirty="0">
+                  <a:latin typeface="Tahoma"/>
+                  <a:cs typeface="Tahoma"/>
+                </a:rPr>
+                <a:t>trình</a:t>
+              </a:r>
+              <a:r>
+                <a:rPr sz="1200" spc="-55" dirty="0">
+                  <a:latin typeface="Tahoma"/>
+                  <a:cs typeface="Tahoma"/>
+                </a:rPr>
+                <a:t> đồng</a:t>
+              </a:r>
+              <a:r>
+                <a:rPr sz="1200" spc="-30" dirty="0">
+                  <a:latin typeface="Tahoma"/>
+                  <a:cs typeface="Tahoma"/>
+                </a:rPr>
+                <a:t> </a:t>
+              </a:r>
+              <a:r>
+                <a:rPr sz="1200" spc="-10" dirty="0">
+                  <a:latin typeface="Tahoma"/>
+                  <a:cs typeface="Tahoma"/>
+                </a:rPr>
+                <a:t>thời.</a:t>
+              </a:r>
+              <a:endParaRPr sz="1200" dirty="0">
+                <a:latin typeface="Tahoma"/>
+                <a:cs typeface="Tahoma"/>
+              </a:endParaRPr>
+            </a:p>
+            <a:p>
+              <a:pPr marL="215265" indent="-177165">
+                <a:lnSpc>
+                  <a:spcPct val="100000"/>
+                </a:lnSpc>
+                <a:spcBef>
+                  <a:spcPts val="175"/>
+                </a:spcBef>
+                <a:buClr>
+                  <a:srgbClr val="FF0000"/>
+                </a:buClr>
+                <a:buFont typeface="Lucida Sans Unicode"/>
+                <a:buChar char="►"/>
+                <a:tabLst>
+                  <a:tab pos="215265" algn="l"/>
+                </a:tabLst>
+              </a:pPr>
+              <a:r>
+                <a:rPr sz="1200" dirty="0">
+                  <a:latin typeface="Tahoma"/>
+                  <a:cs typeface="Tahoma"/>
+                </a:rPr>
+                <a:t>Đặc</a:t>
+              </a:r>
+              <a:r>
+                <a:rPr sz="1200" spc="-60" dirty="0">
+                  <a:latin typeface="Tahoma"/>
+                  <a:cs typeface="Tahoma"/>
+                </a:rPr>
+                <a:t> </a:t>
+              </a:r>
+              <a:r>
+                <a:rPr sz="1200" spc="-45" dirty="0">
+                  <a:latin typeface="Tahoma"/>
+                  <a:cs typeface="Tahoma"/>
+                </a:rPr>
+                <a:t>điểm</a:t>
+              </a:r>
+              <a:r>
+                <a:rPr sz="1200" spc="-40" dirty="0">
+                  <a:latin typeface="Tahoma"/>
+                  <a:cs typeface="Tahoma"/>
+                </a:rPr>
+                <a:t> </a:t>
+              </a:r>
+              <a:r>
+                <a:rPr sz="1200" dirty="0">
+                  <a:latin typeface="Tahoma"/>
+                  <a:cs typeface="Tahoma"/>
+                </a:rPr>
+                <a:t>nổi</a:t>
+              </a:r>
+              <a:r>
+                <a:rPr sz="1200" spc="-50" dirty="0">
+                  <a:latin typeface="Tahoma"/>
+                  <a:cs typeface="Tahoma"/>
+                </a:rPr>
+                <a:t> </a:t>
+              </a:r>
+              <a:r>
+                <a:rPr sz="1200" spc="-20" dirty="0">
+                  <a:latin typeface="Tahoma"/>
+                  <a:cs typeface="Tahoma"/>
+                </a:rPr>
+                <a:t>bật:</a:t>
+              </a:r>
+              <a:endParaRPr sz="1200" dirty="0">
+                <a:latin typeface="Tahoma"/>
+                <a:cs typeface="Tahoma"/>
+              </a:endParaRPr>
+            </a:p>
+            <a:p>
+              <a:pPr marL="489584" marR="30480" lvl="1" indent="-165735">
+                <a:lnSpc>
+                  <a:spcPct val="100000"/>
+                </a:lnSpc>
+                <a:spcBef>
+                  <a:spcPts val="175"/>
+                </a:spcBef>
+                <a:buClr>
+                  <a:srgbClr val="FF0000"/>
+                </a:buClr>
+                <a:buFont typeface="Lucida Sans Unicode"/>
+                <a:buChar char="►"/>
+                <a:tabLst>
+                  <a:tab pos="492125" algn="l"/>
+                </a:tabLst>
+              </a:pPr>
+              <a:r>
+                <a:rPr sz="1200" b="1" dirty="0">
+                  <a:latin typeface="Arial"/>
+                  <a:cs typeface="Arial"/>
+                </a:rPr>
+                <a:t>An</a:t>
+              </a:r>
+              <a:r>
+                <a:rPr sz="1200" b="1" spc="15" dirty="0">
+                  <a:latin typeface="Arial"/>
+                  <a:cs typeface="Arial"/>
+                </a:rPr>
+                <a:t> </a:t>
+              </a:r>
+              <a:r>
+                <a:rPr sz="1200" b="1" dirty="0">
+                  <a:latin typeface="Arial"/>
+                  <a:cs typeface="Arial"/>
+                </a:rPr>
+                <a:t>toàn</a:t>
+              </a:r>
+              <a:r>
+                <a:rPr sz="1200" b="1" spc="15" dirty="0">
+                  <a:latin typeface="Arial"/>
+                  <a:cs typeface="Arial"/>
+                </a:rPr>
+                <a:t> </a:t>
+              </a:r>
+              <a:r>
+                <a:rPr sz="1200" b="1" dirty="0">
+                  <a:latin typeface="Arial"/>
+                  <a:cs typeface="Arial"/>
+                </a:rPr>
+                <a:t>bộ</a:t>
+              </a:r>
+              <a:r>
+                <a:rPr sz="1200" b="1" spc="15" dirty="0">
+                  <a:latin typeface="Arial"/>
+                  <a:cs typeface="Arial"/>
+                </a:rPr>
+                <a:t> </a:t>
+              </a:r>
+              <a:r>
+                <a:rPr sz="1200" b="1" spc="-60" dirty="0">
+                  <a:latin typeface="Arial"/>
+                  <a:cs typeface="Arial"/>
+                </a:rPr>
+                <a:t>nhớ</a:t>
+              </a:r>
+              <a:r>
+                <a:rPr sz="1200" spc="-60" dirty="0">
+                  <a:latin typeface="Tahoma"/>
+                  <a:cs typeface="Tahoma"/>
+                </a:rPr>
+                <a:t>:</a:t>
+              </a:r>
+              <a:r>
+                <a:rPr sz="1200" spc="40" dirty="0">
+                  <a:latin typeface="Tahoma"/>
+                  <a:cs typeface="Tahoma"/>
+                </a:rPr>
+                <a:t> </a:t>
+              </a:r>
+              <a:r>
+                <a:rPr sz="1200" dirty="0">
+                  <a:latin typeface="Tahoma"/>
+                  <a:cs typeface="Tahoma"/>
+                </a:rPr>
+                <a:t>Không</a:t>
+              </a:r>
+              <a:r>
+                <a:rPr sz="1200" spc="-50" dirty="0">
+                  <a:latin typeface="Tahoma"/>
+                  <a:cs typeface="Tahoma"/>
+                </a:rPr>
+                <a:t> </a:t>
+              </a:r>
+              <a:r>
+                <a:rPr sz="1200" dirty="0">
+                  <a:latin typeface="Tahoma"/>
+                  <a:cs typeface="Tahoma"/>
+                </a:rPr>
+                <a:t>có</a:t>
+              </a:r>
+              <a:r>
+                <a:rPr sz="1200" spc="-45" dirty="0">
+                  <a:latin typeface="Tahoma"/>
+                  <a:cs typeface="Tahoma"/>
+                </a:rPr>
+                <a:t> </a:t>
+              </a:r>
+              <a:r>
+                <a:rPr sz="1200" dirty="0">
+                  <a:latin typeface="Tahoma"/>
+                  <a:cs typeface="Tahoma"/>
+                </a:rPr>
+                <a:t>null</a:t>
+              </a:r>
+              <a:r>
+                <a:rPr sz="1200" spc="-50" dirty="0">
+                  <a:latin typeface="Tahoma"/>
+                  <a:cs typeface="Tahoma"/>
+                </a:rPr>
+                <a:t> </a:t>
+              </a:r>
+              <a:r>
+                <a:rPr sz="1200" spc="-30" dirty="0">
+                  <a:latin typeface="Tahoma"/>
+                  <a:cs typeface="Tahoma"/>
+                </a:rPr>
+                <a:t>pointers,</a:t>
+              </a:r>
+              <a:r>
+                <a:rPr sz="1200" spc="-45" dirty="0">
+                  <a:latin typeface="Tahoma"/>
+                  <a:cs typeface="Tahoma"/>
+                </a:rPr>
+                <a:t> </a:t>
+              </a:r>
+              <a:r>
+                <a:rPr sz="1200" spc="-30" dirty="0">
+                  <a:latin typeface="Tahoma"/>
+                  <a:cs typeface="Tahoma"/>
+                </a:rPr>
+                <a:t>dangling</a:t>
+              </a:r>
+              <a:r>
+                <a:rPr sz="1200" spc="-50" dirty="0">
+                  <a:latin typeface="Tahoma"/>
+                  <a:cs typeface="Tahoma"/>
+                </a:rPr>
+                <a:t> </a:t>
+              </a:r>
+              <a:r>
+                <a:rPr sz="1200" spc="-25" dirty="0">
+                  <a:latin typeface="Tahoma"/>
+                  <a:cs typeface="Tahoma"/>
+                </a:rPr>
+                <a:t>pointers, </a:t>
+              </a:r>
+              <a:r>
+                <a:rPr sz="1200" spc="-10" dirty="0">
+                  <a:latin typeface="Tahoma"/>
+                  <a:cs typeface="Tahoma"/>
+                </a:rPr>
+                <a:t>data</a:t>
+              </a:r>
+              <a:r>
+                <a:rPr sz="1200" spc="-65" dirty="0">
+                  <a:latin typeface="Tahoma"/>
+                  <a:cs typeface="Tahoma"/>
+                </a:rPr>
+                <a:t> </a:t>
+              </a:r>
+              <a:r>
+                <a:rPr sz="1200" spc="-10" dirty="0">
+                  <a:latin typeface="Tahoma"/>
+                  <a:cs typeface="Tahoma"/>
+                </a:rPr>
+                <a:t>races.</a:t>
+              </a:r>
+              <a:endParaRPr sz="1200" dirty="0">
+                <a:latin typeface="Tahoma"/>
+                <a:cs typeface="Tahoma"/>
+              </a:endParaRPr>
+            </a:p>
+            <a:p>
+              <a:pPr marL="490220" lvl="1" indent="-165735">
+                <a:lnSpc>
+                  <a:spcPts val="1190"/>
+                </a:lnSpc>
+                <a:buClr>
+                  <a:srgbClr val="FF0000"/>
+                </a:buClr>
+                <a:buFont typeface="Lucida Sans Unicode"/>
+                <a:buChar char="►"/>
+                <a:tabLst>
+                  <a:tab pos="490220" algn="l"/>
+                </a:tabLst>
+              </a:pPr>
+              <a:r>
+                <a:rPr sz="1200" b="1" dirty="0">
+                  <a:latin typeface="Arial"/>
+                  <a:cs typeface="Arial"/>
+                </a:rPr>
+                <a:t>Hiệu</a:t>
+              </a:r>
+              <a:r>
+                <a:rPr sz="1200" b="1" spc="-25" dirty="0">
+                  <a:latin typeface="Arial"/>
+                  <a:cs typeface="Arial"/>
+                </a:rPr>
+                <a:t> </a:t>
+              </a:r>
+              <a:r>
+                <a:rPr sz="1200" b="1" spc="-10" dirty="0">
+                  <a:latin typeface="Arial"/>
+                  <a:cs typeface="Arial"/>
+                </a:rPr>
+                <a:t>suất</a:t>
+              </a:r>
+              <a:r>
+                <a:rPr sz="1200" b="1" spc="10" dirty="0">
+                  <a:latin typeface="Arial"/>
+                  <a:cs typeface="Arial"/>
+                </a:rPr>
+                <a:t> </a:t>
+              </a:r>
+              <a:r>
+                <a:rPr sz="1200" b="1" spc="-30" dirty="0">
+                  <a:latin typeface="Arial"/>
+                  <a:cs typeface="Arial"/>
+                </a:rPr>
+                <a:t>cao</a:t>
+              </a:r>
+              <a:r>
+                <a:rPr sz="1200" spc="-30" dirty="0">
+                  <a:latin typeface="Tahoma"/>
+                  <a:cs typeface="Tahoma"/>
+                </a:rPr>
+                <a:t>:</a:t>
+              </a:r>
+              <a:r>
+                <a:rPr sz="1200" spc="35" dirty="0">
+                  <a:latin typeface="Tahoma"/>
+                  <a:cs typeface="Tahoma"/>
+                </a:rPr>
+                <a:t> </a:t>
+              </a:r>
+              <a:r>
+                <a:rPr sz="1200" spc="-20" dirty="0">
+                  <a:latin typeface="Tahoma"/>
+                  <a:cs typeface="Tahoma"/>
+                </a:rPr>
+                <a:t>Tương</a:t>
+              </a:r>
+              <a:r>
+                <a:rPr sz="1200" spc="-50" dirty="0">
+                  <a:latin typeface="Tahoma"/>
+                  <a:cs typeface="Tahoma"/>
+                </a:rPr>
+                <a:t> </a:t>
+              </a:r>
+              <a:r>
+                <a:rPr sz="1200" spc="-60" dirty="0">
+                  <a:latin typeface="Tahoma"/>
+                  <a:cs typeface="Tahoma"/>
+                </a:rPr>
+                <a:t>đương</a:t>
+              </a:r>
+              <a:r>
+                <a:rPr sz="1200" spc="-20" dirty="0">
+                  <a:latin typeface="Tahoma"/>
+                  <a:cs typeface="Tahoma"/>
+                </a:rPr>
+                <a:t> </a:t>
+              </a:r>
+              <a:r>
+                <a:rPr sz="1200" spc="-10" dirty="0">
+                  <a:latin typeface="Tahoma"/>
+                  <a:cs typeface="Tahoma"/>
+                </a:rPr>
+                <a:t>C/C++.</a:t>
+              </a:r>
+              <a:endParaRPr sz="1200" dirty="0">
+                <a:latin typeface="Tahoma"/>
+                <a:cs typeface="Tahoma"/>
+              </a:endParaRPr>
+            </a:p>
+            <a:p>
+              <a:pPr marL="490220" lvl="1" indent="-165735">
+                <a:lnSpc>
+                  <a:spcPts val="1200"/>
+                </a:lnSpc>
+                <a:buClr>
+                  <a:srgbClr val="FF0000"/>
+                </a:buClr>
+                <a:buFont typeface="Lucida Sans Unicode"/>
+                <a:buChar char="►"/>
+                <a:tabLst>
+                  <a:tab pos="490220" algn="l"/>
+                </a:tabLst>
+              </a:pPr>
+              <a:r>
+                <a:rPr sz="1200" b="1" dirty="0">
+                  <a:latin typeface="Arial"/>
+                  <a:cs typeface="Arial"/>
+                </a:rPr>
+                <a:t>Lập</a:t>
+              </a:r>
+              <a:r>
+                <a:rPr sz="1200" b="1" spc="5" dirty="0">
+                  <a:latin typeface="Arial"/>
+                  <a:cs typeface="Arial"/>
+                </a:rPr>
+                <a:t> </a:t>
+              </a:r>
+              <a:r>
+                <a:rPr sz="1200" b="1" dirty="0">
+                  <a:latin typeface="Arial"/>
+                  <a:cs typeface="Arial"/>
+                </a:rPr>
+                <a:t>trình</a:t>
+              </a:r>
+              <a:r>
+                <a:rPr sz="1200" b="1" spc="10" dirty="0">
+                  <a:latin typeface="Arial"/>
+                  <a:cs typeface="Arial"/>
+                </a:rPr>
+                <a:t> </a:t>
+              </a:r>
+              <a:r>
+                <a:rPr sz="1200" b="1" spc="-35" dirty="0">
+                  <a:latin typeface="Arial"/>
+                  <a:cs typeface="Arial"/>
+                </a:rPr>
+                <a:t>đồng</a:t>
+              </a:r>
+              <a:r>
+                <a:rPr sz="1200" b="1" spc="5" dirty="0">
+                  <a:latin typeface="Arial"/>
+                  <a:cs typeface="Arial"/>
+                </a:rPr>
+                <a:t> </a:t>
+              </a:r>
+              <a:r>
+                <a:rPr sz="1200" b="1" spc="-25" dirty="0">
+                  <a:latin typeface="Arial"/>
+                  <a:cs typeface="Arial"/>
+                </a:rPr>
+                <a:t>thời</a:t>
+              </a:r>
+              <a:r>
+                <a:rPr sz="1200" spc="-25" dirty="0">
+                  <a:latin typeface="Tahoma"/>
+                  <a:cs typeface="Tahoma"/>
+                </a:rPr>
+                <a:t>:</a:t>
+              </a:r>
+              <a:r>
+                <a:rPr sz="1200" spc="30" dirty="0">
+                  <a:latin typeface="Tahoma"/>
+                  <a:cs typeface="Tahoma"/>
+                </a:rPr>
+                <a:t> </a:t>
+              </a:r>
+              <a:r>
+                <a:rPr sz="1200" dirty="0">
+                  <a:latin typeface="Tahoma"/>
+                  <a:cs typeface="Tahoma"/>
+                </a:rPr>
+                <a:t>Hỗ</a:t>
+              </a:r>
+              <a:r>
+                <a:rPr sz="1200" spc="-55" dirty="0">
+                  <a:latin typeface="Tahoma"/>
+                  <a:cs typeface="Tahoma"/>
+                </a:rPr>
+                <a:t> </a:t>
+              </a:r>
+              <a:r>
+                <a:rPr sz="1200" dirty="0">
+                  <a:latin typeface="Tahoma"/>
+                  <a:cs typeface="Tahoma"/>
+                </a:rPr>
+                <a:t>trợ</a:t>
+              </a:r>
+              <a:r>
+                <a:rPr sz="1200" spc="-55" dirty="0">
+                  <a:latin typeface="Tahoma"/>
+                  <a:cs typeface="Tahoma"/>
+                </a:rPr>
+                <a:t> </a:t>
+              </a:r>
+              <a:r>
+                <a:rPr sz="1200" dirty="0">
+                  <a:latin typeface="Tahoma"/>
+                  <a:cs typeface="Tahoma"/>
+                </a:rPr>
+                <a:t>tốt</a:t>
+              </a:r>
+              <a:r>
+                <a:rPr sz="1200" spc="-55" dirty="0">
+                  <a:latin typeface="Tahoma"/>
+                  <a:cs typeface="Tahoma"/>
+                </a:rPr>
+                <a:t> </a:t>
+              </a:r>
+              <a:r>
+                <a:rPr sz="1200" spc="-10" dirty="0">
+                  <a:latin typeface="Tahoma"/>
+                  <a:cs typeface="Tahoma"/>
+                </a:rPr>
+                <a:t>cho</a:t>
+              </a:r>
+              <a:r>
+                <a:rPr sz="1200" spc="-55" dirty="0">
+                  <a:latin typeface="Tahoma"/>
+                  <a:cs typeface="Tahoma"/>
+                </a:rPr>
+                <a:t> </a:t>
+              </a:r>
+              <a:r>
+                <a:rPr sz="1200" spc="-10" dirty="0">
+                  <a:latin typeface="Tahoma"/>
+                  <a:cs typeface="Tahoma"/>
+                </a:rPr>
+                <a:t>concurrency.</a:t>
+              </a:r>
+              <a:endParaRPr sz="1200" dirty="0">
+                <a:latin typeface="Tahoma"/>
+                <a:cs typeface="Tahoma"/>
+              </a:endParaRPr>
+            </a:p>
+          </p:txBody>
+        </p:sp>
+        <p:sp>
+          <p:nvSpPr>
+            <p:cNvPr id="5" name="Rectangle 4">
+              <a:extLst>
+                <a:ext uri="{FF2B5EF4-FFF2-40B4-BE49-F238E27FC236}">
+                  <a16:creationId xmlns:a16="http://schemas.microsoft.com/office/drawing/2014/main" id="{3246CC8A-2882-40C5-A0D2-0A507D80F80D}"/>
+                </a:ext>
+              </a:extLst>
+            </p:cNvPr>
+            <p:cNvSpPr/>
+            <p:nvPr/>
+          </p:nvSpPr>
+          <p:spPr>
+            <a:xfrm>
+              <a:off x="476250" y="1671279"/>
+              <a:ext cx="3886200" cy="1524000"/>
+            </a:xfrm>
+            <a:prstGeom prst="rect">
+              <a:avLst/>
+            </a:prstGeom>
+            <a:noFill/>
+            <a:ln>
+              <a:solidFill>
+                <a:schemeClr val="accent6">
+                  <a:lumMod val="75000"/>
+                </a:schemeClr>
+              </a:solidFill>
+            </a:ln>
+          </p:spPr>
+          <p:style>
+            <a:lnRef idx="2">
+              <a:schemeClr val="accent1">
+                <a:shade val="50000"/>
+              </a:schemeClr>
+            </a:lnRef>
+            <a:fillRef idx="1">
+              <a:schemeClr val="accent1"/>
+            </a:fillRef>
+            <a:effectRef idx="0">
+              <a:schemeClr val="accent1"/>
+            </a:effectRef>
+            <a:fontRef idx="minor">
+              <a:schemeClr val="lt1"/>
+            </a:fontRef>
+          </p:style>
+          <p:txBody>
+            <a:bodyPr rtlCol="0" anchor="ctr"/>
+            <a:lstStyle/>
+            <a:p>
+              <a:pPr algn="ctr"/>
+              <a:endParaRPr lang="en-US"/>
+            </a:p>
+          </p:txBody>
+        </p:sp>
+      </p:grpSp>
     </p:spTree>
   </p:cSld>
   <p:clrMapOvr>
@@ -15869,8 +14090,8 @@
         </p:nvSpPr>
         <p:spPr>
           <a:xfrm>
-            <a:off x="321894" y="1136952"/>
-            <a:ext cx="3334385" cy="1172210"/>
+            <a:off x="323850" y="739775"/>
+            <a:ext cx="3334385" cy="624272"/>
           </a:xfrm>
           <a:prstGeom prst="rect">
             <a:avLst/>
@@ -15882,10 +14103,7 @@
           </a:bodyPr>
           <a:lstStyle/>
           <a:p>
-            <a:pPr marL="314960" indent="-177165">
-              <a:lnSpc>
-                <a:spcPct val="100000"/>
-              </a:lnSpc>
+            <a:pPr marL="314960" indent="-177165" algn="l">
               <a:spcBef>
                 <a:spcPts val="434"/>
               </a:spcBef>
@@ -16017,13 +14235,13 @@
               </a:rPr>
               <a:t>đổi).</a:t>
             </a:r>
-            <a:endParaRPr sz="1100">
+            <a:endParaRPr sz="1100" dirty="0">
               <a:latin typeface="Tahoma"/>
               <a:cs typeface="Tahoma"/>
             </a:endParaRPr>
           </a:p>
           <a:p>
-            <a:pPr marL="38100" marR="302895" indent="276860">
+            <a:pPr marL="38100" marR="302895" indent="276860" algn="l">
               <a:lnSpc>
                 <a:spcPct val="125299"/>
               </a:lnSpc>
@@ -16223,264 +14441,59 @@
                 <a:latin typeface="Tahoma"/>
                 <a:cs typeface="Tahoma"/>
               </a:rPr>
-              <a:t> biến:</a:t>
-            </a:r>
-            <a:endParaRPr sz="1100">
+              <a:t> </a:t>
+            </a:r>
+            <a:r>
+              <a:rPr sz="1100" spc="-10" dirty="0" err="1">
+                <a:latin typeface="Tahoma"/>
+                <a:cs typeface="Tahoma"/>
+              </a:rPr>
+              <a:t>biến</a:t>
+            </a:r>
+            <a:r>
+              <a:rPr sz="1100" spc="-10" dirty="0">
+                <a:latin typeface="Tahoma"/>
+                <a:cs typeface="Tahoma"/>
+              </a:rPr>
+              <a:t>:</a:t>
+            </a:r>
+            <a:endParaRPr sz="1100" dirty="0">
               <a:latin typeface="Tahoma"/>
               <a:cs typeface="Tahoma"/>
             </a:endParaRPr>
           </a:p>
-          <a:p>
-            <a:pPr marL="38100" marR="1397000">
-              <a:lnSpc>
-                <a:spcPct val="102600"/>
-              </a:lnSpc>
-            </a:pPr>
-            <a:r>
-              <a:rPr sz="1100" spc="180" dirty="0">
-                <a:latin typeface="Calibri"/>
-                <a:cs typeface="Calibri"/>
-              </a:rPr>
-              <a:t>let</a:t>
-            </a:r>
-            <a:r>
-              <a:rPr sz="1100" spc="330" dirty="0">
-                <a:latin typeface="Calibri"/>
-                <a:cs typeface="Calibri"/>
-              </a:rPr>
-              <a:t> </a:t>
-            </a:r>
-            <a:r>
-              <a:rPr sz="1100" spc="95" dirty="0">
-                <a:latin typeface="Calibri"/>
-                <a:cs typeface="Calibri"/>
-              </a:rPr>
-              <a:t>x</a:t>
-            </a:r>
-            <a:r>
-              <a:rPr sz="1100" spc="335" dirty="0">
-                <a:latin typeface="Calibri"/>
-                <a:cs typeface="Calibri"/>
-              </a:rPr>
-              <a:t> </a:t>
-            </a:r>
-            <a:r>
-              <a:rPr sz="1100" dirty="0">
-                <a:latin typeface="Calibri"/>
-                <a:cs typeface="Calibri"/>
-              </a:rPr>
-              <a:t>=</a:t>
-            </a:r>
-            <a:r>
-              <a:rPr sz="1100" spc="335" dirty="0">
-                <a:latin typeface="Calibri"/>
-                <a:cs typeface="Calibri"/>
-              </a:rPr>
-              <a:t> </a:t>
-            </a:r>
-            <a:r>
-              <a:rPr sz="1100" spc="135" dirty="0">
-                <a:latin typeface="Calibri"/>
-                <a:cs typeface="Calibri"/>
-              </a:rPr>
-              <a:t>5;</a:t>
-            </a:r>
-            <a:r>
-              <a:rPr sz="1100" spc="330" dirty="0">
-                <a:latin typeface="Calibri"/>
-                <a:cs typeface="Calibri"/>
-              </a:rPr>
-              <a:t> </a:t>
-            </a:r>
-            <a:r>
-              <a:rPr sz="1100" spc="140" dirty="0">
-                <a:latin typeface="Calibri"/>
-                <a:cs typeface="Calibri"/>
-              </a:rPr>
-              <a:t>//</a:t>
-            </a:r>
-            <a:r>
-              <a:rPr sz="1100" spc="335" dirty="0">
-                <a:latin typeface="Calibri"/>
-                <a:cs typeface="Calibri"/>
-              </a:rPr>
-              <a:t> </a:t>
-            </a:r>
-            <a:r>
-              <a:rPr sz="1100" spc="-10" dirty="0">
-                <a:latin typeface="Calibri"/>
-                <a:cs typeface="Calibri"/>
-              </a:rPr>
-              <a:t>immutable</a:t>
-            </a:r>
-            <a:r>
-              <a:rPr sz="1100" spc="500" dirty="0">
-                <a:latin typeface="Calibri"/>
-                <a:cs typeface="Calibri"/>
-              </a:rPr>
-              <a:t> </a:t>
-            </a:r>
-            <a:r>
-              <a:rPr sz="1100" spc="180" dirty="0">
-                <a:latin typeface="Calibri"/>
-                <a:cs typeface="Calibri"/>
-              </a:rPr>
-              <a:t>let</a:t>
-            </a:r>
-            <a:r>
-              <a:rPr sz="1100" spc="310" dirty="0">
-                <a:latin typeface="Calibri"/>
-                <a:cs typeface="Calibri"/>
-              </a:rPr>
-              <a:t> </a:t>
-            </a:r>
-            <a:r>
-              <a:rPr sz="1100" dirty="0">
-                <a:latin typeface="Calibri"/>
-                <a:cs typeface="Calibri"/>
-              </a:rPr>
-              <a:t>mut</a:t>
-            </a:r>
-            <a:r>
-              <a:rPr sz="1100" spc="315" dirty="0">
-                <a:latin typeface="Calibri"/>
-                <a:cs typeface="Calibri"/>
-              </a:rPr>
-              <a:t> </a:t>
-            </a:r>
-            <a:r>
-              <a:rPr sz="1100" spc="70" dirty="0">
-                <a:latin typeface="Calibri"/>
-                <a:cs typeface="Calibri"/>
-              </a:rPr>
-              <a:t>y</a:t>
-            </a:r>
-            <a:r>
-              <a:rPr sz="1100" spc="310" dirty="0">
-                <a:latin typeface="Calibri"/>
-                <a:cs typeface="Calibri"/>
-              </a:rPr>
-              <a:t> </a:t>
-            </a:r>
-            <a:r>
-              <a:rPr sz="1100" dirty="0">
-                <a:latin typeface="Calibri"/>
-                <a:cs typeface="Calibri"/>
-              </a:rPr>
-              <a:t>=</a:t>
-            </a:r>
-            <a:r>
-              <a:rPr sz="1100" spc="315" dirty="0">
-                <a:latin typeface="Calibri"/>
-                <a:cs typeface="Calibri"/>
-              </a:rPr>
-              <a:t> </a:t>
-            </a:r>
-            <a:r>
-              <a:rPr sz="1100" spc="95" dirty="0">
-                <a:latin typeface="Calibri"/>
-                <a:cs typeface="Calibri"/>
-              </a:rPr>
-              <a:t>10;</a:t>
-            </a:r>
-            <a:r>
-              <a:rPr sz="1100" spc="315" dirty="0">
-                <a:latin typeface="Calibri"/>
-                <a:cs typeface="Calibri"/>
-              </a:rPr>
-              <a:t> </a:t>
-            </a:r>
-            <a:r>
-              <a:rPr sz="1100" spc="140" dirty="0">
-                <a:latin typeface="Calibri"/>
-                <a:cs typeface="Calibri"/>
-              </a:rPr>
-              <a:t>//</a:t>
-            </a:r>
-            <a:r>
-              <a:rPr sz="1100" spc="310" dirty="0">
-                <a:latin typeface="Calibri"/>
-                <a:cs typeface="Calibri"/>
-              </a:rPr>
-              <a:t> </a:t>
-            </a:r>
-            <a:r>
-              <a:rPr sz="1100" spc="-10" dirty="0">
-                <a:latin typeface="Calibri"/>
-                <a:cs typeface="Calibri"/>
-              </a:rPr>
-              <a:t>mutable </a:t>
-            </a:r>
-            <a:r>
-              <a:rPr sz="1100" spc="70" dirty="0">
-                <a:latin typeface="Calibri"/>
-                <a:cs typeface="Calibri"/>
-              </a:rPr>
-              <a:t>y</a:t>
-            </a:r>
-            <a:r>
-              <a:rPr sz="1100" spc="330" dirty="0">
-                <a:latin typeface="Calibri"/>
-                <a:cs typeface="Calibri"/>
-              </a:rPr>
-              <a:t> </a:t>
-            </a:r>
-            <a:r>
-              <a:rPr sz="1100" dirty="0">
-                <a:latin typeface="Calibri"/>
-                <a:cs typeface="Calibri"/>
-              </a:rPr>
-              <a:t>=</a:t>
-            </a:r>
-            <a:r>
-              <a:rPr sz="1100" spc="335" dirty="0">
-                <a:latin typeface="Calibri"/>
-                <a:cs typeface="Calibri"/>
-              </a:rPr>
-              <a:t> </a:t>
-            </a:r>
-            <a:r>
-              <a:rPr sz="1100" spc="95" dirty="0">
-                <a:latin typeface="Calibri"/>
-                <a:cs typeface="Calibri"/>
-              </a:rPr>
-              <a:t>15;</a:t>
-            </a:r>
-            <a:r>
-              <a:rPr sz="1100" spc="330" dirty="0">
-                <a:latin typeface="Calibri"/>
-                <a:cs typeface="Calibri"/>
-              </a:rPr>
-              <a:t> </a:t>
-            </a:r>
-            <a:r>
-              <a:rPr sz="1100" spc="140" dirty="0">
-                <a:latin typeface="Calibri"/>
-                <a:cs typeface="Calibri"/>
-              </a:rPr>
-              <a:t>//</a:t>
-            </a:r>
-            <a:r>
-              <a:rPr sz="1100" spc="335" dirty="0">
-                <a:latin typeface="Calibri"/>
-                <a:cs typeface="Calibri"/>
-              </a:rPr>
-              <a:t> </a:t>
-            </a:r>
-            <a:r>
-              <a:rPr sz="1100" spc="-25" dirty="0">
-                <a:latin typeface="Calibri"/>
-                <a:cs typeface="Calibri"/>
-              </a:rPr>
-              <a:t>OK</a:t>
-            </a:r>
-            <a:endParaRPr sz="1100">
-              <a:latin typeface="Calibri"/>
-              <a:cs typeface="Calibri"/>
-            </a:endParaRPr>
-          </a:p>
         </p:txBody>
       </p:sp>
+      <p:pic>
+        <p:nvPicPr>
+          <p:cNvPr id="5" name="Picture 4">
+            <a:extLst>
+              <a:ext uri="{FF2B5EF4-FFF2-40B4-BE49-F238E27FC236}">
+                <a16:creationId xmlns:a16="http://schemas.microsoft.com/office/drawing/2014/main" id="{7E686946-16CD-41A0-8831-24B6B86DDE34}"/>
+              </a:ext>
+            </a:extLst>
+          </p:cNvPr>
+          <p:cNvPicPr>
+            <a:picLocks noChangeAspect="1"/>
+          </p:cNvPicPr>
+          <p:nvPr/>
+        </p:nvPicPr>
+        <p:blipFill>
+          <a:blip r:embed="rId2"/>
+          <a:stretch>
+            <a:fillRect/>
+          </a:stretch>
+        </p:blipFill>
+        <p:spPr>
+          <a:xfrm>
+            <a:off x="323850" y="1501775"/>
+            <a:ext cx="4057650" cy="863848"/>
+          </a:xfrm>
+          <a:prstGeom prst="rect">
+            <a:avLst/>
+          </a:prstGeom>
+        </p:spPr>
+      </p:pic>
     </p:spTree>
   </p:cSld>
   <p:clrMapOvr>
@@ -16578,7 +14591,7 @@
         <p:spPr>
           <a:xfrm>
             <a:off x="321894" y="1193975"/>
-            <a:ext cx="2404110" cy="1038225"/>
+            <a:ext cx="2404110" cy="832022"/>
           </a:xfrm>
           <a:prstGeom prst="rect">
             <a:avLst/>
@@ -16690,7 +14703,7 @@
               </a:rPr>
               <a:t>.</a:t>
             </a:r>
-            <a:endParaRPr sz="1100">
+            <a:endParaRPr sz="1100" dirty="0">
               <a:latin typeface="Tahoma"/>
               <a:cs typeface="Tahoma"/>
             </a:endParaRPr>
@@ -16803,7 +14816,7 @@
               </a:rPr>
               <a:t>ràng.</a:t>
             </a:r>
-            <a:endParaRPr sz="1100">
+            <a:endParaRPr sz="1100" dirty="0">
               <a:latin typeface="Tahoma"/>
               <a:cs typeface="Tahoma"/>
             </a:endParaRPr>
@@ -16956,96 +14969,56 @@
               <a:t> </a:t>
             </a:r>
             <a:r>
+              <a:rPr sz="1100" spc="-25" dirty="0" err="1">
+                <a:latin typeface="Tahoma"/>
+                <a:cs typeface="Tahoma"/>
+              </a:rPr>
+              <a:t>số</a:t>
+            </a:r>
+            <a:r>
               <a:rPr sz="1100" spc="-25" dirty="0">
                 <a:latin typeface="Tahoma"/>
                 <a:cs typeface="Tahoma"/>
               </a:rPr>
-              <a:t>số:</a:t>
-            </a:r>
-            <a:endParaRPr sz="1100">
+              <a:t>:</a:t>
+            </a:r>
+            <a:endParaRPr sz="1100" dirty="0">
               <a:latin typeface="Tahoma"/>
               <a:cs typeface="Tahoma"/>
             </a:endParaRPr>
           </a:p>
-          <a:p>
-            <a:pPr marL="38100">
-              <a:lnSpc>
-                <a:spcPct val="100000"/>
-              </a:lnSpc>
-              <a:spcBef>
-                <a:spcPts val="35"/>
-              </a:spcBef>
-            </a:pPr>
-            <a:r>
-              <a:rPr sz="1100" spc="90" dirty="0">
-                <a:latin typeface="Calibri"/>
-                <a:cs typeface="Calibri"/>
-              </a:rPr>
-              <a:t>const</a:t>
-            </a:r>
-            <a:r>
-              <a:rPr sz="1100" spc="320" dirty="0">
-                <a:latin typeface="Calibri"/>
-                <a:cs typeface="Calibri"/>
-              </a:rPr>
-              <a:t> </a:t>
-            </a:r>
-            <a:r>
-              <a:rPr sz="1100" dirty="0">
-                <a:latin typeface="Calibri"/>
-                <a:cs typeface="Calibri"/>
-              </a:rPr>
-              <a:t>MAX_POINTS:</a:t>
-            </a:r>
-            <a:r>
-              <a:rPr sz="1100" spc="320" dirty="0">
-                <a:latin typeface="Calibri"/>
-                <a:cs typeface="Calibri"/>
-              </a:rPr>
-              <a:t> </a:t>
-            </a:r>
-            <a:r>
-              <a:rPr sz="1100" dirty="0">
-                <a:latin typeface="Calibri"/>
-                <a:cs typeface="Calibri"/>
-              </a:rPr>
-              <a:t>u32</a:t>
-            </a:r>
-            <a:r>
-              <a:rPr sz="1100" spc="320" dirty="0">
-                <a:latin typeface="Calibri"/>
-                <a:cs typeface="Calibri"/>
-              </a:rPr>
-              <a:t> </a:t>
-            </a:r>
-            <a:r>
-              <a:rPr sz="1100" dirty="0">
-                <a:latin typeface="Calibri"/>
-                <a:cs typeface="Calibri"/>
-              </a:rPr>
-              <a:t>=</a:t>
-            </a:r>
-            <a:r>
-              <a:rPr sz="1100" spc="320" dirty="0">
-                <a:latin typeface="Calibri"/>
-                <a:cs typeface="Calibri"/>
-              </a:rPr>
-              <a:t> </a:t>
-            </a:r>
-            <a:r>
-              <a:rPr sz="1100" spc="-10" dirty="0">
-                <a:latin typeface="Calibri"/>
-                <a:cs typeface="Calibri"/>
-              </a:rPr>
-              <a:t>100_000;</a:t>
-            </a:r>
-            <a:endParaRPr sz="1100">
-              <a:latin typeface="Calibri"/>
-              <a:cs typeface="Calibri"/>
-            </a:endParaRPr>
-          </a:p>
         </p:txBody>
       </p:sp>
+      <p:pic>
+        <p:nvPicPr>
+          <p:cNvPr id="9" name="Picture 8">
+            <a:extLst>
+              <a:ext uri="{FF2B5EF4-FFF2-40B4-BE49-F238E27FC236}">
+                <a16:creationId xmlns:a16="http://schemas.microsoft.com/office/drawing/2014/main" id="{D3F0EA46-E86F-4501-A763-48055788969E}"/>
+              </a:ext>
+            </a:extLst>
+          </p:cNvPr>
+          <p:cNvPicPr>
+            <a:picLocks noChangeAspect="1"/>
+          </p:cNvPicPr>
+          <p:nvPr/>
+        </p:nvPicPr>
+        <p:blipFill>
+          <a:blip r:embed="rId2"/>
+          <a:stretch>
+            <a:fillRect/>
+          </a:stretch>
+        </p:blipFill>
+        <p:spPr>
+          <a:xfrm>
+            <a:off x="476250" y="2187575"/>
+            <a:ext cx="3894157" cy="160034"/>
+          </a:xfrm>
+          <a:prstGeom prst="rect">
+            <a:avLst/>
+          </a:prstGeom>
+        </p:spPr>
+      </p:pic>
     </p:spTree>
   </p:cSld>
   <p:clrMapOvr>
@@ -17142,8 +15115,8 @@
         </p:nvSpPr>
         <p:spPr>
           <a:xfrm>
-            <a:off x="347294" y="1294724"/>
-            <a:ext cx="3116580" cy="789940"/>
+            <a:off x="247650" y="1425575"/>
+            <a:ext cx="3116580" cy="412036"/>
           </a:xfrm>
           <a:prstGeom prst="rect">
             <a:avLst/>
@@ -17353,223 +15326,43 @@
               </a:rPr>
               <a:t> Shadowing:</a:t>
             </a:r>
-            <a:endParaRPr sz="1100">
+            <a:endParaRPr sz="1100" dirty="0">
               <a:latin typeface="Tahoma"/>
               <a:cs typeface="Tahoma"/>
             </a:endParaRPr>
           </a:p>
-          <a:p>
-            <a:pPr marL="12700">
-              <a:lnSpc>
-                <a:spcPct val="100000"/>
-              </a:lnSpc>
-              <a:spcBef>
-                <a:spcPts val="35"/>
-              </a:spcBef>
-            </a:pPr>
-            <a:r>
-              <a:rPr sz="1100" spc="180" dirty="0">
-                <a:latin typeface="Calibri"/>
-                <a:cs typeface="Calibri"/>
-              </a:rPr>
-              <a:t>let</a:t>
-            </a:r>
-            <a:r>
-              <a:rPr sz="1100" spc="330" dirty="0">
-                <a:latin typeface="Calibri"/>
-                <a:cs typeface="Calibri"/>
-              </a:rPr>
-              <a:t> </a:t>
-            </a:r>
-            <a:r>
-              <a:rPr sz="1100" spc="95" dirty="0">
-                <a:latin typeface="Calibri"/>
-                <a:cs typeface="Calibri"/>
-              </a:rPr>
-              <a:t>x</a:t>
-            </a:r>
-            <a:r>
-              <a:rPr sz="1100" spc="335" dirty="0">
-                <a:latin typeface="Calibri"/>
-                <a:cs typeface="Calibri"/>
-              </a:rPr>
-              <a:t> </a:t>
-            </a:r>
-            <a:r>
-              <a:rPr sz="1100" dirty="0">
-                <a:latin typeface="Calibri"/>
-                <a:cs typeface="Calibri"/>
-              </a:rPr>
-              <a:t>=</a:t>
-            </a:r>
-            <a:r>
-              <a:rPr sz="1100" spc="335" dirty="0">
-                <a:latin typeface="Calibri"/>
-                <a:cs typeface="Calibri"/>
-              </a:rPr>
-              <a:t> </a:t>
-            </a:r>
-            <a:r>
-              <a:rPr sz="1100" spc="110" dirty="0">
-                <a:latin typeface="Calibri"/>
-                <a:cs typeface="Calibri"/>
-              </a:rPr>
-              <a:t>5;</a:t>
-            </a:r>
-            <a:endParaRPr sz="1100">
-              <a:latin typeface="Calibri"/>
-              <a:cs typeface="Calibri"/>
-            </a:endParaRPr>
-          </a:p>
-          <a:p>
-            <a:pPr marL="12700">
-              <a:lnSpc>
-                <a:spcPct val="100000"/>
-              </a:lnSpc>
-              <a:spcBef>
-                <a:spcPts val="35"/>
-              </a:spcBef>
-            </a:pPr>
-            <a:r>
-              <a:rPr sz="1100" spc="180" dirty="0">
-                <a:latin typeface="Calibri"/>
-                <a:cs typeface="Calibri"/>
-              </a:rPr>
-              <a:t>let</a:t>
-            </a:r>
-            <a:r>
-              <a:rPr sz="1100" spc="330" dirty="0">
-                <a:latin typeface="Calibri"/>
-                <a:cs typeface="Calibri"/>
-              </a:rPr>
-              <a:t> </a:t>
-            </a:r>
-            <a:r>
-              <a:rPr sz="1100" spc="95" dirty="0">
-                <a:latin typeface="Calibri"/>
-                <a:cs typeface="Calibri"/>
-              </a:rPr>
-              <a:t>x</a:t>
-            </a:r>
-            <a:r>
-              <a:rPr sz="1100" spc="335" dirty="0">
-                <a:latin typeface="Calibri"/>
-                <a:cs typeface="Calibri"/>
-              </a:rPr>
-              <a:t> </a:t>
-            </a:r>
-            <a:r>
-              <a:rPr sz="1100" dirty="0">
-                <a:latin typeface="Calibri"/>
-                <a:cs typeface="Calibri"/>
-              </a:rPr>
-              <a:t>=</a:t>
-            </a:r>
-            <a:r>
-              <a:rPr sz="1100" spc="330" dirty="0">
-                <a:latin typeface="Calibri"/>
-                <a:cs typeface="Calibri"/>
-              </a:rPr>
-              <a:t> </a:t>
-            </a:r>
-            <a:r>
-              <a:rPr sz="1100" spc="95" dirty="0">
-                <a:latin typeface="Calibri"/>
-                <a:cs typeface="Calibri"/>
-              </a:rPr>
-              <a:t>x</a:t>
-            </a:r>
-            <a:r>
-              <a:rPr sz="1100" spc="335" dirty="0">
-                <a:latin typeface="Calibri"/>
-                <a:cs typeface="Calibri"/>
-              </a:rPr>
-              <a:t> </a:t>
-            </a:r>
-            <a:r>
-              <a:rPr sz="1100" dirty="0">
-                <a:latin typeface="Calibri"/>
-                <a:cs typeface="Calibri"/>
-              </a:rPr>
-              <a:t>+</a:t>
-            </a:r>
-            <a:r>
-              <a:rPr sz="1100" spc="330" dirty="0">
-                <a:latin typeface="Calibri"/>
-                <a:cs typeface="Calibri"/>
-              </a:rPr>
-              <a:t> </a:t>
-            </a:r>
-            <a:r>
-              <a:rPr sz="1100" spc="135" dirty="0">
-                <a:latin typeface="Calibri"/>
-                <a:cs typeface="Calibri"/>
-              </a:rPr>
-              <a:t>1;</a:t>
-            </a:r>
-            <a:r>
-              <a:rPr sz="1100" spc="335" dirty="0">
-                <a:latin typeface="Calibri"/>
-                <a:cs typeface="Calibri"/>
-              </a:rPr>
-              <a:t> </a:t>
-            </a:r>
-            <a:r>
-              <a:rPr sz="1100" spc="140" dirty="0">
-                <a:latin typeface="Calibri"/>
-                <a:cs typeface="Calibri"/>
-              </a:rPr>
-              <a:t>//</a:t>
-            </a:r>
-            <a:r>
-              <a:rPr sz="1100" spc="335" dirty="0">
-                <a:latin typeface="Calibri"/>
-                <a:cs typeface="Calibri"/>
-              </a:rPr>
-              <a:t> </a:t>
-            </a:r>
-            <a:r>
-              <a:rPr sz="1100" spc="95" dirty="0">
-                <a:latin typeface="Calibri"/>
-                <a:cs typeface="Calibri"/>
-              </a:rPr>
-              <a:t>x</a:t>
-            </a:r>
-            <a:r>
-              <a:rPr sz="1100" spc="330" dirty="0">
-                <a:latin typeface="Calibri"/>
-                <a:cs typeface="Calibri"/>
-              </a:rPr>
-              <a:t> </a:t>
-            </a:r>
-            <a:r>
-              <a:rPr sz="1100" spc="229" dirty="0">
-                <a:latin typeface="Calibri"/>
-                <a:cs typeface="Calibri"/>
-              </a:rPr>
-              <a:t>is</a:t>
-            </a:r>
-            <a:r>
-              <a:rPr sz="1100" spc="335" dirty="0">
-                <a:latin typeface="Calibri"/>
-                <a:cs typeface="Calibri"/>
-              </a:rPr>
-              <a:t> </a:t>
-            </a:r>
-            <a:r>
-              <a:rPr sz="1100" spc="-50" dirty="0">
-                <a:latin typeface="Calibri"/>
-                <a:cs typeface="Calibri"/>
-              </a:rPr>
-              <a:t>6</a:t>
-            </a:r>
-            <a:endParaRPr sz="1100">
-              <a:latin typeface="Calibri"/>
-              <a:cs typeface="Calibri"/>
-            </a:endParaRPr>
-          </a:p>
         </p:txBody>
       </p:sp>
+      <p:pic>
+        <p:nvPicPr>
+          <p:cNvPr id="5" name="Picture 4">
+            <a:extLst>
+              <a:ext uri="{FF2B5EF4-FFF2-40B4-BE49-F238E27FC236}">
+                <a16:creationId xmlns:a16="http://schemas.microsoft.com/office/drawing/2014/main" id="{40AAF721-4CEE-4BF9-91BC-993EB3238F65}"/>
+              </a:ext>
+            </a:extLst>
+          </p:cNvPr>
+          <p:cNvPicPr>
+            <a:picLocks noChangeAspect="1"/>
+          </p:cNvPicPr>
+          <p:nvPr/>
+        </p:nvPicPr>
+        <p:blipFill>
+          <a:blip r:embed="rId2"/>
+          <a:stretch>
+            <a:fillRect/>
+          </a:stretch>
+        </p:blipFill>
+        <p:spPr>
+          <a:xfrm>
+            <a:off x="247650" y="1946270"/>
+            <a:ext cx="4362450" cy="301323"/>
+          </a:xfrm>
+          <a:prstGeom prst="rect">
+            <a:avLst/>
+          </a:prstGeom>
+        </p:spPr>
+      </p:pic>
     </p:spTree>
   </p:cSld>
   <p:clrMapOvr>
@@ -17675,7 +15468,7 @@
         <p:spPr>
           <a:xfrm>
             <a:off x="321894" y="905407"/>
-            <a:ext cx="3850004" cy="1816735"/>
+            <a:ext cx="3850004" cy="771237"/>
           </a:xfrm>
           <a:prstGeom prst="rect">
             <a:avLst/>
@@ -17920,7 +15713,7 @@
               </a:rPr>
               <a:t>(char).</a:t>
             </a:r>
-            <a:endParaRPr sz="1100">
+            <a:endParaRPr sz="1100" dirty="0">
               <a:latin typeface="Tahoma"/>
               <a:cs typeface="Tahoma"/>
             </a:endParaRPr>
@@ -17977,7 +15770,7 @@
               </a:rPr>
               <a:t>Array</a:t>
             </a:r>
-            <a:endParaRPr sz="1100">
+            <a:endParaRPr sz="1100" dirty="0">
               <a:latin typeface="Tahoma"/>
               <a:cs typeface="Tahoma"/>
             </a:endParaRPr>
@@ -18076,531 +15869,56 @@
               <a:t> </a:t>
             </a:r>
             <a:r>
+              <a:rPr sz="1100" spc="-10" dirty="0" err="1">
+                <a:latin typeface="Tahoma"/>
+                <a:cs typeface="Tahoma"/>
+              </a:rPr>
+              <a:t>liệu</a:t>
+            </a:r>
+            <a:r>
               <a:rPr sz="1100" spc="-10" dirty="0">
                 <a:latin typeface="Tahoma"/>
                 <a:cs typeface="Tahoma"/>
               </a:rPr>
-              <a:t>liệu:</a:t>
-            </a:r>
-            <a:endParaRPr sz="1100">
+              <a:t>:</a:t>
+            </a:r>
+            <a:endParaRPr sz="1100" dirty="0">
               <a:latin typeface="Tahoma"/>
               <a:cs typeface="Tahoma"/>
             </a:endParaRPr>
           </a:p>
-          <a:p>
-            <a:pPr marL="38100" marR="1985010">
-              <a:lnSpc>
-                <a:spcPct val="102600"/>
-              </a:lnSpc>
-            </a:pPr>
-            <a:r>
-              <a:rPr sz="1100" spc="180" dirty="0">
-                <a:latin typeface="Calibri"/>
-                <a:cs typeface="Calibri"/>
-              </a:rPr>
-              <a:t>let</a:t>
-            </a:r>
-            <a:r>
-              <a:rPr sz="1100" spc="330" dirty="0">
-                <a:latin typeface="Calibri"/>
-                <a:cs typeface="Calibri"/>
-              </a:rPr>
-              <a:t> </a:t>
-            </a:r>
-            <a:r>
-              <a:rPr sz="1100" spc="135" dirty="0">
-                <a:latin typeface="Calibri"/>
-                <a:cs typeface="Calibri"/>
-              </a:rPr>
-              <a:t>integer:</a:t>
-            </a:r>
-            <a:r>
-              <a:rPr sz="1100" spc="330" dirty="0">
-                <a:latin typeface="Calibri"/>
-                <a:cs typeface="Calibri"/>
-              </a:rPr>
-              <a:t> </a:t>
-            </a:r>
-            <a:r>
-              <a:rPr sz="1100" spc="110" dirty="0">
-                <a:latin typeface="Calibri"/>
-                <a:cs typeface="Calibri"/>
-              </a:rPr>
-              <a:t>i32</a:t>
-            </a:r>
-            <a:r>
-              <a:rPr sz="1100" spc="335" dirty="0">
-                <a:latin typeface="Calibri"/>
-                <a:cs typeface="Calibri"/>
-              </a:rPr>
-              <a:t> </a:t>
-            </a:r>
-            <a:r>
-              <a:rPr sz="1100" dirty="0">
-                <a:latin typeface="Calibri"/>
-                <a:cs typeface="Calibri"/>
-              </a:rPr>
-              <a:t>=</a:t>
-            </a:r>
-            <a:r>
-              <a:rPr sz="1100" spc="330" dirty="0">
-                <a:latin typeface="Calibri"/>
-                <a:cs typeface="Calibri"/>
-              </a:rPr>
-              <a:t> </a:t>
-            </a:r>
-            <a:r>
-              <a:rPr sz="1100" spc="70" dirty="0">
-                <a:latin typeface="Calibri"/>
-                <a:cs typeface="Calibri"/>
-              </a:rPr>
-              <a:t>42;</a:t>
-            </a:r>
-            <a:r>
-              <a:rPr sz="1100" spc="180" dirty="0">
-                <a:latin typeface="Calibri"/>
-                <a:cs typeface="Calibri"/>
-              </a:rPr>
-              <a:t> let</a:t>
-            </a:r>
-            <a:r>
-              <a:rPr sz="1100" spc="330" dirty="0">
-                <a:latin typeface="Calibri"/>
-                <a:cs typeface="Calibri"/>
-              </a:rPr>
-              <a:t> </a:t>
-            </a:r>
-            <a:r>
-              <a:rPr sz="1100" spc="180" dirty="0">
-                <a:latin typeface="Calibri"/>
-                <a:cs typeface="Calibri"/>
-              </a:rPr>
-              <a:t>float:</a:t>
-            </a:r>
-            <a:r>
-              <a:rPr sz="1100" spc="335" dirty="0">
-                <a:latin typeface="Calibri"/>
-                <a:cs typeface="Calibri"/>
-              </a:rPr>
-              <a:t> </a:t>
-            </a:r>
-            <a:r>
-              <a:rPr sz="1100" spc="80" dirty="0">
-                <a:latin typeface="Calibri"/>
-                <a:cs typeface="Calibri"/>
-              </a:rPr>
-              <a:t>f64</a:t>
-            </a:r>
-            <a:r>
-              <a:rPr sz="1100" spc="335" dirty="0">
-                <a:latin typeface="Calibri"/>
-                <a:cs typeface="Calibri"/>
-              </a:rPr>
-              <a:t> </a:t>
-            </a:r>
-            <a:r>
-              <a:rPr sz="1100" dirty="0">
-                <a:latin typeface="Calibri"/>
-                <a:cs typeface="Calibri"/>
-              </a:rPr>
-              <a:t>=</a:t>
-            </a:r>
-            <a:r>
-              <a:rPr sz="1100" spc="335" dirty="0">
-                <a:latin typeface="Calibri"/>
-                <a:cs typeface="Calibri"/>
-              </a:rPr>
-              <a:t> </a:t>
-            </a:r>
-            <a:r>
-              <a:rPr sz="1100" spc="95" dirty="0">
-                <a:latin typeface="Calibri"/>
-                <a:cs typeface="Calibri"/>
-              </a:rPr>
-              <a:t>3.14;</a:t>
-            </a:r>
-            <a:r>
-              <a:rPr sz="1100" spc="180" dirty="0">
-                <a:latin typeface="Calibri"/>
-                <a:cs typeface="Calibri"/>
-              </a:rPr>
-              <a:t> let</a:t>
-            </a:r>
-            <a:r>
-              <a:rPr sz="1100" spc="340" dirty="0">
-                <a:latin typeface="Calibri"/>
-                <a:cs typeface="Calibri"/>
-              </a:rPr>
-              <a:t> </a:t>
-            </a:r>
-            <a:r>
-              <a:rPr sz="1100" spc="75" dirty="0">
-                <a:latin typeface="Calibri"/>
-                <a:cs typeface="Calibri"/>
-              </a:rPr>
-              <a:t>boolean:</a:t>
-            </a:r>
-            <a:r>
-              <a:rPr sz="1100" spc="345" dirty="0">
-                <a:latin typeface="Calibri"/>
-                <a:cs typeface="Calibri"/>
-              </a:rPr>
-              <a:t> </a:t>
-            </a:r>
-            <a:r>
-              <a:rPr sz="1100" spc="70" dirty="0">
-                <a:latin typeface="Calibri"/>
-                <a:cs typeface="Calibri"/>
-              </a:rPr>
-              <a:t>bool</a:t>
-            </a:r>
-            <a:r>
-              <a:rPr sz="1100" spc="340" dirty="0">
-                <a:latin typeface="Calibri"/>
-                <a:cs typeface="Calibri"/>
-              </a:rPr>
-              <a:t> </a:t>
-            </a:r>
-            <a:r>
-              <a:rPr sz="1100" dirty="0">
-                <a:latin typeface="Calibri"/>
-                <a:cs typeface="Calibri"/>
-              </a:rPr>
-              <a:t>=</a:t>
-            </a:r>
-            <a:r>
-              <a:rPr sz="1100" spc="345" dirty="0">
-                <a:latin typeface="Calibri"/>
-                <a:cs typeface="Calibri"/>
-              </a:rPr>
-              <a:t> </a:t>
-            </a:r>
-            <a:r>
-              <a:rPr sz="1100" spc="120" dirty="0">
-                <a:latin typeface="Calibri"/>
-                <a:cs typeface="Calibri"/>
-              </a:rPr>
-              <a:t>true;</a:t>
-            </a:r>
-            <a:endParaRPr sz="1100">
-              <a:latin typeface="Calibri"/>
-              <a:cs typeface="Calibri"/>
-            </a:endParaRPr>
-          </a:p>
-          <a:p>
-            <a:pPr marL="38100">
-              <a:lnSpc>
-                <a:spcPct val="100000"/>
-              </a:lnSpc>
-              <a:spcBef>
-                <a:spcPts val="35"/>
-              </a:spcBef>
-            </a:pPr>
-            <a:r>
-              <a:rPr sz="1100" spc="180" dirty="0">
-                <a:latin typeface="Calibri"/>
-                <a:cs typeface="Calibri"/>
-              </a:rPr>
-              <a:t>let</a:t>
-            </a:r>
-            <a:r>
-              <a:rPr sz="1100" spc="340" dirty="0">
-                <a:latin typeface="Calibri"/>
-                <a:cs typeface="Calibri"/>
-              </a:rPr>
-              <a:t> </a:t>
-            </a:r>
-            <a:r>
-              <a:rPr sz="1100" spc="114" dirty="0">
-                <a:latin typeface="Calibri"/>
-                <a:cs typeface="Calibri"/>
-              </a:rPr>
-              <a:t>character:</a:t>
-            </a:r>
-            <a:r>
-              <a:rPr sz="1100" spc="340" dirty="0">
-                <a:latin typeface="Calibri"/>
-                <a:cs typeface="Calibri"/>
-              </a:rPr>
-              <a:t> </a:t>
-            </a:r>
-            <a:r>
-              <a:rPr sz="1100" spc="80" dirty="0">
-                <a:latin typeface="Calibri"/>
-                <a:cs typeface="Calibri"/>
-              </a:rPr>
-              <a:t>char</a:t>
-            </a:r>
-            <a:r>
-              <a:rPr sz="1100" spc="345" dirty="0">
-                <a:latin typeface="Calibri"/>
-                <a:cs typeface="Calibri"/>
-              </a:rPr>
-              <a:t> </a:t>
-            </a:r>
-            <a:r>
-              <a:rPr sz="1100" dirty="0">
-                <a:latin typeface="Calibri"/>
-                <a:cs typeface="Calibri"/>
-              </a:rPr>
-              <a:t>=</a:t>
-            </a:r>
-            <a:r>
-              <a:rPr sz="1100" spc="340" dirty="0">
-                <a:latin typeface="Calibri"/>
-                <a:cs typeface="Calibri"/>
-              </a:rPr>
-              <a:t> </a:t>
-            </a:r>
-            <a:r>
-              <a:rPr sz="1100" spc="225" dirty="0">
-                <a:latin typeface="Calibri"/>
-                <a:cs typeface="Calibri"/>
-              </a:rPr>
-              <a:t>'a';</a:t>
-            </a:r>
-            <a:endParaRPr sz="1100">
-              <a:latin typeface="Calibri"/>
-              <a:cs typeface="Calibri"/>
-            </a:endParaRPr>
-          </a:p>
-          <a:p>
-            <a:pPr marL="38100" marR="457834">
-              <a:lnSpc>
-                <a:spcPct val="102600"/>
-              </a:lnSpc>
-            </a:pPr>
-            <a:r>
-              <a:rPr sz="1100" spc="180" dirty="0">
-                <a:latin typeface="Calibri"/>
-                <a:cs typeface="Calibri"/>
-              </a:rPr>
-              <a:t>let</a:t>
-            </a:r>
-            <a:r>
-              <a:rPr sz="1100" spc="335" dirty="0">
-                <a:latin typeface="Calibri"/>
-                <a:cs typeface="Calibri"/>
-              </a:rPr>
-              <a:t> </a:t>
-            </a:r>
-            <a:r>
-              <a:rPr sz="1100" spc="135" dirty="0">
-                <a:latin typeface="Calibri"/>
-                <a:cs typeface="Calibri"/>
-              </a:rPr>
-              <a:t>tuple:</a:t>
-            </a:r>
-            <a:r>
-              <a:rPr sz="1100" spc="335" dirty="0">
-                <a:latin typeface="Calibri"/>
-                <a:cs typeface="Calibri"/>
-              </a:rPr>
-              <a:t> </a:t>
-            </a:r>
-            <a:r>
-              <a:rPr sz="1100" spc="170" dirty="0">
-                <a:latin typeface="Calibri"/>
-                <a:cs typeface="Calibri"/>
-              </a:rPr>
-              <a:t>(i32,</a:t>
-            </a:r>
-            <a:r>
-              <a:rPr sz="1100" spc="340" dirty="0">
-                <a:latin typeface="Calibri"/>
-                <a:cs typeface="Calibri"/>
-              </a:rPr>
-              <a:t> </a:t>
-            </a:r>
-            <a:r>
-              <a:rPr sz="1100" spc="130" dirty="0">
-                <a:latin typeface="Calibri"/>
-                <a:cs typeface="Calibri"/>
-              </a:rPr>
-              <a:t>f64,</a:t>
-            </a:r>
-            <a:r>
-              <a:rPr sz="1100" spc="335" dirty="0">
-                <a:latin typeface="Calibri"/>
-                <a:cs typeface="Calibri"/>
-              </a:rPr>
-              <a:t> </a:t>
-            </a:r>
-            <a:r>
-              <a:rPr sz="1100" spc="110" dirty="0">
-                <a:latin typeface="Calibri"/>
-                <a:cs typeface="Calibri"/>
-              </a:rPr>
-              <a:t>char)</a:t>
-            </a:r>
-            <a:r>
-              <a:rPr sz="1100" spc="340" dirty="0">
-                <a:latin typeface="Calibri"/>
-                <a:cs typeface="Calibri"/>
-              </a:rPr>
-              <a:t> </a:t>
-            </a:r>
-            <a:r>
-              <a:rPr sz="1100" dirty="0">
-                <a:latin typeface="Calibri"/>
-                <a:cs typeface="Calibri"/>
-              </a:rPr>
-              <a:t>=</a:t>
-            </a:r>
-            <a:r>
-              <a:rPr sz="1100" spc="335" dirty="0">
-                <a:latin typeface="Calibri"/>
-                <a:cs typeface="Calibri"/>
-              </a:rPr>
-              <a:t> </a:t>
-            </a:r>
-            <a:r>
-              <a:rPr sz="1100" spc="110" dirty="0">
-                <a:latin typeface="Calibri"/>
-                <a:cs typeface="Calibri"/>
-              </a:rPr>
-              <a:t>(500,</a:t>
-            </a:r>
-            <a:r>
-              <a:rPr sz="1100" spc="340" dirty="0">
-                <a:latin typeface="Calibri"/>
-                <a:cs typeface="Calibri"/>
-              </a:rPr>
-              <a:t> </a:t>
-            </a:r>
-            <a:r>
-              <a:rPr sz="1100" spc="150" dirty="0">
-                <a:latin typeface="Calibri"/>
-                <a:cs typeface="Calibri"/>
-              </a:rPr>
-              <a:t>6.4,</a:t>
-            </a:r>
-            <a:r>
-              <a:rPr sz="1100" spc="335" dirty="0">
-                <a:latin typeface="Calibri"/>
-                <a:cs typeface="Calibri"/>
-              </a:rPr>
-              <a:t> </a:t>
-            </a:r>
-            <a:r>
-              <a:rPr sz="1100" spc="204" dirty="0">
-                <a:latin typeface="Calibri"/>
-                <a:cs typeface="Calibri"/>
-              </a:rPr>
-              <a:t>'b'); </a:t>
-            </a:r>
-            <a:r>
-              <a:rPr sz="1100" spc="180" dirty="0">
-                <a:latin typeface="Calibri"/>
-                <a:cs typeface="Calibri"/>
-              </a:rPr>
-              <a:t>let</a:t>
-            </a:r>
-            <a:r>
-              <a:rPr sz="1100" spc="330" dirty="0">
-                <a:latin typeface="Calibri"/>
-                <a:cs typeface="Calibri"/>
-              </a:rPr>
-              <a:t> </a:t>
-            </a:r>
-            <a:r>
-              <a:rPr sz="1100" spc="130" dirty="0">
-                <a:latin typeface="Calibri"/>
-                <a:cs typeface="Calibri"/>
-              </a:rPr>
-              <a:t>array:</a:t>
-            </a:r>
-            <a:r>
-              <a:rPr sz="1100" spc="335" dirty="0">
-                <a:latin typeface="Calibri"/>
-                <a:cs typeface="Calibri"/>
-              </a:rPr>
-              <a:t> </a:t>
-            </a:r>
-            <a:r>
-              <a:rPr sz="1100" spc="165" dirty="0">
-                <a:latin typeface="Calibri"/>
-                <a:cs typeface="Calibri"/>
-              </a:rPr>
-              <a:t>[i32;</a:t>
-            </a:r>
-            <a:r>
-              <a:rPr sz="1100" spc="335" dirty="0">
-                <a:latin typeface="Calibri"/>
-                <a:cs typeface="Calibri"/>
-              </a:rPr>
-              <a:t> </a:t>
-            </a:r>
-            <a:r>
-              <a:rPr sz="1100" spc="120" dirty="0">
-                <a:latin typeface="Calibri"/>
-                <a:cs typeface="Calibri"/>
-              </a:rPr>
-              <a:t>3]</a:t>
-            </a:r>
-            <a:r>
-              <a:rPr sz="1100" spc="330" dirty="0">
-                <a:latin typeface="Calibri"/>
-                <a:cs typeface="Calibri"/>
-              </a:rPr>
-              <a:t> </a:t>
-            </a:r>
-            <a:r>
-              <a:rPr sz="1100" dirty="0">
-                <a:latin typeface="Calibri"/>
-                <a:cs typeface="Calibri"/>
-              </a:rPr>
-              <a:t>=</a:t>
-            </a:r>
-            <a:r>
-              <a:rPr sz="1100" spc="335" dirty="0">
-                <a:latin typeface="Calibri"/>
-                <a:cs typeface="Calibri"/>
-              </a:rPr>
-              <a:t> </a:t>
-            </a:r>
-            <a:r>
-              <a:rPr sz="1100" spc="180" dirty="0">
-                <a:latin typeface="Calibri"/>
-                <a:cs typeface="Calibri"/>
-              </a:rPr>
-              <a:t>[1,</a:t>
-            </a:r>
-            <a:r>
-              <a:rPr sz="1100" spc="335" dirty="0">
-                <a:latin typeface="Calibri"/>
-                <a:cs typeface="Calibri"/>
-              </a:rPr>
-              <a:t> </a:t>
-            </a:r>
-            <a:r>
-              <a:rPr sz="1100" spc="150" dirty="0">
-                <a:latin typeface="Calibri"/>
-                <a:cs typeface="Calibri"/>
-              </a:rPr>
-              <a:t>2,</a:t>
-            </a:r>
-            <a:r>
-              <a:rPr sz="1100" spc="335" dirty="0">
-                <a:latin typeface="Calibri"/>
-                <a:cs typeface="Calibri"/>
-              </a:rPr>
-              <a:t> </a:t>
-            </a:r>
-            <a:r>
-              <a:rPr sz="1100" spc="145" dirty="0">
-                <a:latin typeface="Calibri"/>
-                <a:cs typeface="Calibri"/>
-              </a:rPr>
-              <a:t>3];</a:t>
-            </a:r>
-            <a:endParaRPr sz="1100">
-              <a:latin typeface="Calibri"/>
-              <a:cs typeface="Calibri"/>
-            </a:endParaRPr>
-          </a:p>
         </p:txBody>
       </p:sp>
+      <p:pic>
+        <p:nvPicPr>
+          <p:cNvPr id="5" name="Picture 4">
+            <a:extLst>
+              <a:ext uri="{FF2B5EF4-FFF2-40B4-BE49-F238E27FC236}">
+                <a16:creationId xmlns:a16="http://schemas.microsoft.com/office/drawing/2014/main" id="{2D461897-D8C1-41B0-85EB-E5923FC5732D}"/>
+              </a:ext>
+            </a:extLst>
+          </p:cNvPr>
+          <p:cNvPicPr>
+            <a:picLocks noChangeAspect="1"/>
+          </p:cNvPicPr>
+          <p:nvPr/>
+        </p:nvPicPr>
+        <p:blipFill>
+          <a:blip r:embed="rId2"/>
+          <a:stretch>
+            <a:fillRect/>
+          </a:stretch>
+        </p:blipFill>
+        <p:spPr>
+          <a:xfrm>
+            <a:off x="400050" y="1791379"/>
+            <a:ext cx="4210050" cy="1066753"/>
+          </a:xfrm>
+          <a:prstGeom prst="rect">
+            <a:avLst/>
+          </a:prstGeom>
+        </p:spPr>
+      </p:pic>
     </p:spTree>
   </p:cSld>
   <p:clrMapOvr>
@@ -18706,7 +16024,7 @@
         <p:spPr>
           <a:xfrm>
             <a:off x="347294" y="1152471"/>
-            <a:ext cx="3376295" cy="1134110"/>
+            <a:ext cx="3376295" cy="412036"/>
           </a:xfrm>
           <a:prstGeom prst="rect">
             <a:avLst/>
@@ -18916,199 +16234,43 @@
               </a:rPr>
               <a:t>input:</a:t>
             </a:r>
-            <a:endParaRPr sz="1100">
+            <a:endParaRPr sz="1100" dirty="0">
               <a:latin typeface="Tahoma"/>
               <a:cs typeface="Tahoma"/>
             </a:endParaRPr>
           </a:p>
-          <a:p>
-            <a:pPr marL="12700">
-              <a:lnSpc>
-                <a:spcPct val="100000"/>
-              </a:lnSpc>
-              <a:spcBef>
-                <a:spcPts val="35"/>
-              </a:spcBef>
-            </a:pPr>
-            <a:r>
-              <a:rPr sz="1100" spc="50" dirty="0">
-                <a:latin typeface="Calibri"/>
-                <a:cs typeface="Calibri"/>
-              </a:rPr>
-              <a:t>use</a:t>
-            </a:r>
-            <a:r>
-              <a:rPr sz="1100" spc="330" dirty="0">
-                <a:latin typeface="Calibri"/>
-                <a:cs typeface="Calibri"/>
-              </a:rPr>
-              <a:t> </a:t>
-            </a:r>
-            <a:r>
-              <a:rPr sz="1100" spc="175" dirty="0">
-                <a:latin typeface="Calibri"/>
-                <a:cs typeface="Calibri"/>
-              </a:rPr>
-              <a:t>std::io;</a:t>
-            </a:r>
-            <a:endParaRPr sz="1100">
-              <a:latin typeface="Calibri"/>
-              <a:cs typeface="Calibri"/>
-            </a:endParaRPr>
-          </a:p>
-          <a:p>
-            <a:pPr marL="12700" marR="955040">
-              <a:lnSpc>
-                <a:spcPct val="102600"/>
-              </a:lnSpc>
-            </a:pPr>
-            <a:r>
-              <a:rPr sz="1100" spc="180" dirty="0">
-                <a:latin typeface="Calibri"/>
-                <a:cs typeface="Calibri"/>
-              </a:rPr>
-              <a:t>let</a:t>
-            </a:r>
-            <a:r>
-              <a:rPr sz="1100" spc="305" dirty="0">
-                <a:latin typeface="Calibri"/>
-                <a:cs typeface="Calibri"/>
-              </a:rPr>
-              <a:t> </a:t>
-            </a:r>
-            <a:r>
-              <a:rPr sz="1100" dirty="0">
-                <a:latin typeface="Calibri"/>
-                <a:cs typeface="Calibri"/>
-              </a:rPr>
-              <a:t>mut</a:t>
-            </a:r>
-            <a:r>
-              <a:rPr sz="1100" spc="310" dirty="0">
-                <a:latin typeface="Calibri"/>
-                <a:cs typeface="Calibri"/>
-              </a:rPr>
-              <a:t> </a:t>
-            </a:r>
-            <a:r>
-              <a:rPr sz="1100" spc="100" dirty="0">
-                <a:latin typeface="Calibri"/>
-                <a:cs typeface="Calibri"/>
-              </a:rPr>
-              <a:t>input</a:t>
-            </a:r>
-            <a:r>
-              <a:rPr sz="1100" spc="310" dirty="0">
-                <a:latin typeface="Calibri"/>
-                <a:cs typeface="Calibri"/>
-              </a:rPr>
-              <a:t> </a:t>
-            </a:r>
-            <a:r>
-              <a:rPr sz="1100" dirty="0">
-                <a:latin typeface="Calibri"/>
-                <a:cs typeface="Calibri"/>
-              </a:rPr>
-              <a:t>=</a:t>
-            </a:r>
-            <a:r>
-              <a:rPr sz="1100" spc="305" dirty="0">
-                <a:latin typeface="Calibri"/>
-                <a:cs typeface="Calibri"/>
-              </a:rPr>
-              <a:t> </a:t>
-            </a:r>
-            <a:r>
-              <a:rPr sz="1100" spc="120" dirty="0">
-                <a:latin typeface="Calibri"/>
-                <a:cs typeface="Calibri"/>
-              </a:rPr>
-              <a:t>String::new(); io::stdin().read_line(&amp;mut</a:t>
-            </a:r>
-            <a:r>
-              <a:rPr sz="1100" spc="355" dirty="0">
-                <a:latin typeface="Calibri"/>
-                <a:cs typeface="Calibri"/>
-              </a:rPr>
-              <a:t> </a:t>
-            </a:r>
-            <a:r>
-              <a:rPr sz="1100" spc="110" dirty="0">
-                <a:latin typeface="Calibri"/>
-                <a:cs typeface="Calibri"/>
-              </a:rPr>
-              <a:t>input)</a:t>
-            </a:r>
-            <a:endParaRPr sz="1100">
-              <a:latin typeface="Calibri"/>
-              <a:cs typeface="Calibri"/>
-            </a:endParaRPr>
-          </a:p>
-          <a:p>
-            <a:pPr marL="12700">
-              <a:lnSpc>
-                <a:spcPct val="100000"/>
-              </a:lnSpc>
-              <a:spcBef>
-                <a:spcPts val="35"/>
-              </a:spcBef>
-            </a:pPr>
-            <a:r>
-              <a:rPr sz="1100" spc="120" dirty="0">
-                <a:latin typeface="Calibri"/>
-                <a:cs typeface="Calibri"/>
-              </a:rPr>
-              <a:t>.expect("Failed</a:t>
-            </a:r>
-            <a:r>
-              <a:rPr sz="1100" spc="350" dirty="0">
-                <a:latin typeface="Calibri"/>
-                <a:cs typeface="Calibri"/>
-              </a:rPr>
-              <a:t> </a:t>
-            </a:r>
-            <a:r>
-              <a:rPr sz="1100" spc="100" dirty="0">
-                <a:latin typeface="Calibri"/>
-                <a:cs typeface="Calibri"/>
-              </a:rPr>
-              <a:t>to</a:t>
-            </a:r>
-            <a:r>
-              <a:rPr sz="1100" spc="350" dirty="0">
-                <a:latin typeface="Calibri"/>
-                <a:cs typeface="Calibri"/>
-              </a:rPr>
-              <a:t> </a:t>
-            </a:r>
-            <a:r>
-              <a:rPr sz="1100" spc="60" dirty="0">
-                <a:latin typeface="Calibri"/>
-                <a:cs typeface="Calibri"/>
-              </a:rPr>
-              <a:t>read</a:t>
-            </a:r>
-            <a:r>
-              <a:rPr sz="1100" spc="350" dirty="0">
-                <a:latin typeface="Calibri"/>
-                <a:cs typeface="Calibri"/>
-              </a:rPr>
-              <a:t> </a:t>
-            </a:r>
-            <a:r>
-              <a:rPr sz="1100" spc="175" dirty="0">
-                <a:latin typeface="Calibri"/>
-                <a:cs typeface="Calibri"/>
-              </a:rPr>
-              <a:t>line");</a:t>
-            </a:r>
-            <a:endParaRPr sz="1100">
-              <a:latin typeface="Calibri"/>
-              <a:cs typeface="Calibri"/>
-            </a:endParaRPr>
-          </a:p>
         </p:txBody>
       </p:sp>
+      <p:pic>
+        <p:nvPicPr>
+          <p:cNvPr id="5" name="Picture 4">
+            <a:extLst>
+              <a:ext uri="{FF2B5EF4-FFF2-40B4-BE49-F238E27FC236}">
+                <a16:creationId xmlns:a16="http://schemas.microsoft.com/office/drawing/2014/main" id="{5C161D4B-AD25-4F62-A153-B0021B7B8ADE}"/>
+              </a:ext>
+            </a:extLst>
+          </p:cNvPr>
+          <p:cNvPicPr>
+            <a:picLocks noChangeAspect="1"/>
+          </p:cNvPicPr>
+          <p:nvPr/>
+        </p:nvPicPr>
+        <p:blipFill>
+          <a:blip r:embed="rId2"/>
+          <a:stretch>
+            <a:fillRect/>
+          </a:stretch>
+        </p:blipFill>
+        <p:spPr>
+          <a:xfrm>
+            <a:off x="0" y="1730375"/>
+            <a:ext cx="4610100" cy="629531"/>
+          </a:xfrm>
+          <a:prstGeom prst="rect">
+            <a:avLst/>
+          </a:prstGeom>
+        </p:spPr>
+      </p:pic>
     </p:spTree>
   </p:cSld>
   <p:clrMapOvr>
@@ -19230,7 +16392,7 @@
         <p:spPr>
           <a:xfrm>
             <a:off x="321894" y="1004224"/>
-            <a:ext cx="3414395" cy="1516380"/>
+            <a:ext cx="3414395" cy="624272"/>
           </a:xfrm>
           <a:prstGeom prst="rect">
             <a:avLst/>
@@ -19447,7 +16609,7 @@
               </a:rPr>
               <a:t>/,</a:t>
             </a:r>
-            <a:endParaRPr sz="1100">
+            <a:endParaRPr sz="1100" dirty="0">
               <a:latin typeface="Tahoma"/>
               <a:cs typeface="Tahoma"/>
             </a:endParaRPr>
@@ -19579,457 +16741,56 @@
               <a:t> </a:t>
             </a:r>
             <a:r>
+              <a:rPr sz="1100" spc="-25" dirty="0" err="1">
+                <a:latin typeface="Tahoma"/>
+                <a:cs typeface="Tahoma"/>
+              </a:rPr>
+              <a:t>dụ</a:t>
+            </a:r>
+            <a:r>
               <a:rPr sz="1100" spc="-25" dirty="0">
                 <a:latin typeface="Tahoma"/>
                 <a:cs typeface="Tahoma"/>
               </a:rPr>
-              <a:t>dụ:</a:t>
-            </a:r>
-            <a:endParaRPr sz="1100">
+              <a:t>:</a:t>
+            </a:r>
+            <a:endParaRPr sz="1100" dirty="0">
               <a:latin typeface="Tahoma"/>
               <a:cs typeface="Tahoma"/>
             </a:endParaRPr>
           </a:p>
-          <a:p>
-            <a:pPr marL="38100">
-              <a:lnSpc>
-                <a:spcPct val="100000"/>
-              </a:lnSpc>
-              <a:spcBef>
-                <a:spcPts val="35"/>
-              </a:spcBef>
-            </a:pPr>
-            <a:r>
-              <a:rPr sz="1100" spc="180" dirty="0">
-                <a:latin typeface="Calibri"/>
-                <a:cs typeface="Calibri"/>
-              </a:rPr>
-              <a:t>let</a:t>
-            </a:r>
-            <a:r>
-              <a:rPr sz="1100" spc="300" dirty="0">
-                <a:latin typeface="Calibri"/>
-                <a:cs typeface="Calibri"/>
-              </a:rPr>
-              <a:t> </a:t>
-            </a:r>
-            <a:r>
-              <a:rPr sz="1100" dirty="0">
-                <a:latin typeface="Calibri"/>
-                <a:cs typeface="Calibri"/>
-              </a:rPr>
-              <a:t>sum</a:t>
-            </a:r>
-            <a:r>
-              <a:rPr sz="1100" spc="300" dirty="0">
-                <a:latin typeface="Calibri"/>
-                <a:cs typeface="Calibri"/>
-              </a:rPr>
-              <a:t> </a:t>
-            </a:r>
-            <a:r>
-              <a:rPr sz="1100" dirty="0">
-                <a:latin typeface="Calibri"/>
-                <a:cs typeface="Calibri"/>
-              </a:rPr>
-              <a:t>=</a:t>
-            </a:r>
-            <a:r>
-              <a:rPr sz="1100" spc="305" dirty="0">
-                <a:latin typeface="Calibri"/>
-                <a:cs typeface="Calibri"/>
-              </a:rPr>
-              <a:t> </a:t>
-            </a:r>
-            <a:r>
-              <a:rPr sz="1100" dirty="0">
-                <a:latin typeface="Calibri"/>
-                <a:cs typeface="Calibri"/>
-              </a:rPr>
-              <a:t>5</a:t>
-            </a:r>
-            <a:r>
-              <a:rPr sz="1100" spc="300" dirty="0">
-                <a:latin typeface="Calibri"/>
-                <a:cs typeface="Calibri"/>
-              </a:rPr>
-              <a:t> </a:t>
-            </a:r>
-            <a:r>
-              <a:rPr sz="1100" dirty="0">
-                <a:latin typeface="Calibri"/>
-                <a:cs typeface="Calibri"/>
-              </a:rPr>
-              <a:t>+</a:t>
-            </a:r>
-            <a:r>
-              <a:rPr sz="1100" spc="305" dirty="0">
-                <a:latin typeface="Calibri"/>
-                <a:cs typeface="Calibri"/>
-              </a:rPr>
-              <a:t> </a:t>
-            </a:r>
-            <a:r>
-              <a:rPr sz="1100" spc="70" dirty="0">
-                <a:latin typeface="Calibri"/>
-                <a:cs typeface="Calibri"/>
-              </a:rPr>
-              <a:t>10;</a:t>
-            </a:r>
-            <a:endParaRPr sz="1100">
-              <a:latin typeface="Calibri"/>
-              <a:cs typeface="Calibri"/>
-            </a:endParaRPr>
-          </a:p>
-          <a:p>
-            <a:pPr marL="38100">
-              <a:lnSpc>
-                <a:spcPct val="100000"/>
-              </a:lnSpc>
-              <a:spcBef>
-                <a:spcPts val="35"/>
-              </a:spcBef>
-            </a:pPr>
-            <a:r>
-              <a:rPr sz="1100" spc="180" dirty="0">
-                <a:latin typeface="Calibri"/>
-                <a:cs typeface="Calibri"/>
-              </a:rPr>
-              <a:t>let</a:t>
-            </a:r>
-            <a:r>
-              <a:rPr sz="1100" spc="335" dirty="0">
-                <a:latin typeface="Calibri"/>
-                <a:cs typeface="Calibri"/>
-              </a:rPr>
-              <a:t> </a:t>
-            </a:r>
-            <a:r>
-              <a:rPr sz="1100" spc="70" dirty="0">
-                <a:latin typeface="Calibri"/>
-                <a:cs typeface="Calibri"/>
-              </a:rPr>
-              <a:t>product</a:t>
-            </a:r>
-            <a:r>
-              <a:rPr sz="1100" spc="335" dirty="0">
-                <a:latin typeface="Calibri"/>
-                <a:cs typeface="Calibri"/>
-              </a:rPr>
-              <a:t> </a:t>
-            </a:r>
-            <a:r>
-              <a:rPr sz="1100" dirty="0">
-                <a:latin typeface="Calibri"/>
-                <a:cs typeface="Calibri"/>
-              </a:rPr>
-              <a:t>=</a:t>
-            </a:r>
-            <a:r>
-              <a:rPr sz="1100" spc="335" dirty="0">
-                <a:latin typeface="Calibri"/>
-                <a:cs typeface="Calibri"/>
-              </a:rPr>
-              <a:t> </a:t>
-            </a:r>
-            <a:r>
-              <a:rPr sz="1100" dirty="0">
-                <a:latin typeface="Calibri"/>
-                <a:cs typeface="Calibri"/>
-              </a:rPr>
-              <a:t>4</a:t>
-            </a:r>
-            <a:r>
-              <a:rPr sz="1100" spc="340" dirty="0">
-                <a:latin typeface="Calibri"/>
-                <a:cs typeface="Calibri"/>
-              </a:rPr>
-              <a:t> </a:t>
-            </a:r>
-            <a:r>
-              <a:rPr sz="1100" dirty="0">
-                <a:latin typeface="Calibri"/>
-                <a:cs typeface="Calibri"/>
-              </a:rPr>
-              <a:t>*</a:t>
-            </a:r>
-            <a:r>
-              <a:rPr sz="1100" spc="335" dirty="0">
-                <a:latin typeface="Calibri"/>
-                <a:cs typeface="Calibri"/>
-              </a:rPr>
-              <a:t> </a:t>
-            </a:r>
-            <a:r>
-              <a:rPr sz="1100" spc="70" dirty="0">
-                <a:latin typeface="Calibri"/>
-                <a:cs typeface="Calibri"/>
-              </a:rPr>
-              <a:t>30;</a:t>
-            </a:r>
-            <a:endParaRPr sz="1100">
-              <a:latin typeface="Calibri"/>
-              <a:cs typeface="Calibri"/>
-            </a:endParaRPr>
-          </a:p>
-          <a:p>
-            <a:pPr marL="38100">
-              <a:lnSpc>
-                <a:spcPct val="100000"/>
-              </a:lnSpc>
-              <a:spcBef>
-                <a:spcPts val="35"/>
-              </a:spcBef>
-            </a:pPr>
-            <a:r>
-              <a:rPr sz="1100" spc="180" dirty="0">
-                <a:latin typeface="Calibri"/>
-                <a:cs typeface="Calibri"/>
-              </a:rPr>
-              <a:t>let</a:t>
-            </a:r>
-            <a:r>
-              <a:rPr sz="1100" spc="335" dirty="0">
-                <a:latin typeface="Calibri"/>
-                <a:cs typeface="Calibri"/>
-              </a:rPr>
-              <a:t> </a:t>
-            </a:r>
-            <a:r>
-              <a:rPr sz="1100" spc="90" dirty="0">
-                <a:latin typeface="Calibri"/>
-                <a:cs typeface="Calibri"/>
-              </a:rPr>
-              <a:t>quotient</a:t>
-            </a:r>
-            <a:r>
-              <a:rPr sz="1100" spc="335" dirty="0">
-                <a:latin typeface="Calibri"/>
-                <a:cs typeface="Calibri"/>
-              </a:rPr>
-              <a:t> </a:t>
-            </a:r>
-            <a:r>
-              <a:rPr sz="1100" dirty="0">
-                <a:latin typeface="Calibri"/>
-                <a:cs typeface="Calibri"/>
-              </a:rPr>
-              <a:t>=</a:t>
-            </a:r>
-            <a:r>
-              <a:rPr sz="1100" spc="335" dirty="0">
-                <a:latin typeface="Calibri"/>
-                <a:cs typeface="Calibri"/>
-              </a:rPr>
-              <a:t> </a:t>
-            </a:r>
-            <a:r>
-              <a:rPr sz="1100" spc="75" dirty="0">
-                <a:latin typeface="Calibri"/>
-                <a:cs typeface="Calibri"/>
-              </a:rPr>
-              <a:t>56.7</a:t>
-            </a:r>
-            <a:r>
-              <a:rPr sz="1100" spc="335" dirty="0">
-                <a:latin typeface="Calibri"/>
-                <a:cs typeface="Calibri"/>
-              </a:rPr>
-              <a:t> </a:t>
-            </a:r>
-            <a:r>
-              <a:rPr sz="1100" spc="140" dirty="0">
-                <a:latin typeface="Calibri"/>
-                <a:cs typeface="Calibri"/>
-              </a:rPr>
-              <a:t>/</a:t>
-            </a:r>
-            <a:r>
-              <a:rPr sz="1100" spc="335" dirty="0">
-                <a:latin typeface="Calibri"/>
-                <a:cs typeface="Calibri"/>
-              </a:rPr>
-              <a:t> </a:t>
-            </a:r>
-            <a:r>
-              <a:rPr sz="1100" spc="105" dirty="0">
-                <a:latin typeface="Calibri"/>
-                <a:cs typeface="Calibri"/>
-              </a:rPr>
-              <a:t>32.2;</a:t>
-            </a:r>
-            <a:endParaRPr sz="1100">
-              <a:latin typeface="Calibri"/>
-              <a:cs typeface="Calibri"/>
-            </a:endParaRPr>
-          </a:p>
-          <a:p>
-            <a:pPr marL="38100" marR="1695450">
-              <a:lnSpc>
-                <a:spcPct val="102600"/>
-              </a:lnSpc>
-            </a:pPr>
-            <a:r>
-              <a:rPr sz="1100" spc="180" dirty="0">
-                <a:latin typeface="Calibri"/>
-                <a:cs typeface="Calibri"/>
-              </a:rPr>
-              <a:t>let</a:t>
-            </a:r>
-            <a:r>
-              <a:rPr sz="1100" spc="295" dirty="0">
-                <a:latin typeface="Calibri"/>
-                <a:cs typeface="Calibri"/>
-              </a:rPr>
-              <a:t> </a:t>
-            </a:r>
-            <a:r>
-              <a:rPr sz="1100" spc="50" dirty="0">
-                <a:latin typeface="Calibri"/>
-                <a:cs typeface="Calibri"/>
-              </a:rPr>
-              <a:t>remainder</a:t>
-            </a:r>
-            <a:r>
-              <a:rPr sz="1100" spc="295" dirty="0">
-                <a:latin typeface="Calibri"/>
-                <a:cs typeface="Calibri"/>
-              </a:rPr>
-              <a:t> </a:t>
-            </a:r>
-            <a:r>
-              <a:rPr sz="1100" dirty="0">
-                <a:latin typeface="Calibri"/>
-                <a:cs typeface="Calibri"/>
-              </a:rPr>
-              <a:t>=</a:t>
-            </a:r>
-            <a:r>
-              <a:rPr sz="1100" spc="300" dirty="0">
-                <a:latin typeface="Calibri"/>
-                <a:cs typeface="Calibri"/>
-              </a:rPr>
-              <a:t> </a:t>
-            </a:r>
-            <a:r>
-              <a:rPr sz="1100" dirty="0">
-                <a:latin typeface="Calibri"/>
-                <a:cs typeface="Calibri"/>
-              </a:rPr>
-              <a:t>43</a:t>
-            </a:r>
-            <a:r>
-              <a:rPr sz="1100" spc="295" dirty="0">
-                <a:latin typeface="Calibri"/>
-                <a:cs typeface="Calibri"/>
-              </a:rPr>
-              <a:t> </a:t>
-            </a:r>
-            <a:r>
-              <a:rPr sz="1100" spc="-25" dirty="0">
-                <a:latin typeface="Calibri"/>
-                <a:cs typeface="Calibri"/>
-              </a:rPr>
-              <a:t>%</a:t>
-            </a:r>
-            <a:r>
-              <a:rPr sz="1100" spc="300" dirty="0">
-                <a:latin typeface="Calibri"/>
-                <a:cs typeface="Calibri"/>
-              </a:rPr>
-              <a:t> </a:t>
-            </a:r>
-            <a:r>
-              <a:rPr sz="1100" spc="110" dirty="0">
-                <a:latin typeface="Calibri"/>
-                <a:cs typeface="Calibri"/>
-              </a:rPr>
-              <a:t>5; </a:t>
-            </a:r>
-            <a:r>
-              <a:rPr sz="1100" spc="180" dirty="0">
-                <a:latin typeface="Calibri"/>
-                <a:cs typeface="Calibri"/>
-              </a:rPr>
-              <a:t>let</a:t>
-            </a:r>
-            <a:r>
-              <a:rPr sz="1100" spc="330" dirty="0">
-                <a:latin typeface="Calibri"/>
-                <a:cs typeface="Calibri"/>
-              </a:rPr>
-              <a:t> </a:t>
-            </a:r>
-            <a:r>
-              <a:rPr sz="1100" spc="85" dirty="0">
-                <a:latin typeface="Calibri"/>
-                <a:cs typeface="Calibri"/>
-              </a:rPr>
-              <a:t>casted</a:t>
-            </a:r>
-            <a:r>
-              <a:rPr sz="1100" spc="335" dirty="0">
-                <a:latin typeface="Calibri"/>
-                <a:cs typeface="Calibri"/>
-              </a:rPr>
-              <a:t> </a:t>
-            </a:r>
-            <a:r>
-              <a:rPr sz="1100" dirty="0">
-                <a:latin typeface="Calibri"/>
-                <a:cs typeface="Calibri"/>
-              </a:rPr>
-              <a:t>=</a:t>
-            </a:r>
-            <a:r>
-              <a:rPr sz="1100" spc="335" dirty="0">
-                <a:latin typeface="Calibri"/>
-                <a:cs typeface="Calibri"/>
-              </a:rPr>
-              <a:t> </a:t>
-            </a:r>
-            <a:r>
-              <a:rPr sz="1100" dirty="0">
-                <a:latin typeface="Calibri"/>
-                <a:cs typeface="Calibri"/>
-              </a:rPr>
-              <a:t>5</a:t>
-            </a:r>
-            <a:r>
-              <a:rPr sz="1100" spc="335" dirty="0">
-                <a:latin typeface="Calibri"/>
-                <a:cs typeface="Calibri"/>
-              </a:rPr>
-              <a:t> </a:t>
-            </a:r>
-            <a:r>
-              <a:rPr sz="1100" spc="95" dirty="0">
-                <a:latin typeface="Calibri"/>
-                <a:cs typeface="Calibri"/>
-              </a:rPr>
-              <a:t>as</a:t>
-            </a:r>
-            <a:r>
-              <a:rPr sz="1100" spc="335" dirty="0">
-                <a:latin typeface="Calibri"/>
-                <a:cs typeface="Calibri"/>
-              </a:rPr>
-              <a:t> </a:t>
-            </a:r>
-            <a:r>
-              <a:rPr sz="1100" spc="105" dirty="0">
-                <a:latin typeface="Calibri"/>
-                <a:cs typeface="Calibri"/>
-              </a:rPr>
-              <a:t>f64;</a:t>
-            </a:r>
-            <a:endParaRPr sz="1100">
-              <a:latin typeface="Calibri"/>
-              <a:cs typeface="Calibri"/>
-            </a:endParaRPr>
-          </a:p>
         </p:txBody>
       </p:sp>
+      <p:pic>
+        <p:nvPicPr>
+          <p:cNvPr id="5" name="Picture 4">
+            <a:extLst>
+              <a:ext uri="{FF2B5EF4-FFF2-40B4-BE49-F238E27FC236}">
+                <a16:creationId xmlns:a16="http://schemas.microsoft.com/office/drawing/2014/main" id="{E795770B-A55B-49F6-90D7-3224F8200812}"/>
+              </a:ext>
+            </a:extLst>
+          </p:cNvPr>
+          <p:cNvPicPr>
+            <a:picLocks noChangeAspect="1"/>
+          </p:cNvPicPr>
+          <p:nvPr/>
+        </p:nvPicPr>
+        <p:blipFill>
+          <a:blip r:embed="rId2"/>
+          <a:stretch>
+            <a:fillRect/>
+          </a:stretch>
+        </p:blipFill>
+        <p:spPr>
+          <a:xfrm>
+            <a:off x="400050" y="1747480"/>
+            <a:ext cx="4210050" cy="978552"/>
+          </a:xfrm>
+          <a:prstGeom prst="rect">
+            <a:avLst/>
+          </a:prstGeom>
+        </p:spPr>
+      </p:pic>
     </p:spTree>
   </p:cSld>
   <p:clrMapOvr>
